--- a/カッコウ探索を用いたアドホックネットワーク上のデータ配置.pptx
+++ b/カッコウ探索を用いたアドホックネットワーク上のデータ配置.pptx
@@ -135,13 +135,16 @@
         </p15:guide>
       </p15:sldGuideLst>
     </p:ext>
+    <p:ext uri="{2D200454-40CA-4A62-9FC3-DE9A4176ACB9}">
+      <p15:notesGuideLst xmlns:p15="http://schemas.microsoft.com/office/powerpoint/2012/main"/>
+    </p:ext>
   </p:extLst>
 </p:presentation>
 </file>
 
 <file path=ppt/commentAuthors.xml><?xml version="1.0" encoding="utf-8"?>
 <p:cmAuthorLst xmlns:a="http://schemas.openxmlformats.org/drawingml/2006/main" xmlns:r="http://schemas.openxmlformats.org/officeDocument/2006/relationships" xmlns:p="http://schemas.openxmlformats.org/presentationml/2006/main">
-  <p:cmAuthor id="1" name="KUROKAWA TAKERU" initials="KT" lastIdx="0" clrIdx="0">
+  <p:cmAuthor id="1" name="KUROKAWA TAKERU" initials="KT" lastIdx="1" clrIdx="0">
     <p:extLst>
       <p:ext uri="{19B8F6BF-5375-455C-9EA6-DF929625EA0E}">
         <p15:presenceInfo xmlns:p15="http://schemas.microsoft.com/office/powerpoint/2012/main" userId="S::g1544520@cc.kyoto-su.ac.jp::eeca3e8c-20f4-4a43-a090-f045eddb2e54" providerId="AD"/>
@@ -233,7 +236,7 @@
           <a:p>
             <a:fld id="{778F0139-0BCD-4FD5-82E8-D290AF038206}" type="datetimeFigureOut">
               <a:rPr kumimoji="1" lang="ja-JP" altLang="en-US" smtClean="0"/>
-              <a:t>2019/2/1</a:t>
+              <a:t>2019/2/11</a:t>
             </a:fld>
             <a:endParaRPr kumimoji="1" lang="ja-JP" altLang="en-US"/>
           </a:p>
@@ -576,6 +579,17 @@
           <a:bodyPr/>
           <a:lstStyle/>
           <a:p>
+            <a:r>
+              <a:rPr kumimoji="1" lang="ja-JP" altLang="en-US"/>
+              <a:t>背景としまして，災害時の，ネットワークインフラが利用できない場合の情報共有方法として，携帯端末でアドホックネットワークを構成すると想定します．</a:t>
+            </a:r>
+            <a:endParaRPr kumimoji="1" lang="en-US" altLang="ja-JP" dirty="0"/>
+          </a:p>
+          <a:p>
+            <a:r>
+              <a:rPr kumimoji="1" lang="ja-JP" altLang="en-US"/>
+              <a:t>この想定は総務省でも検討されています．</a:t>
+            </a:r>
             <a:endParaRPr kumimoji="1" lang="en-US" altLang="ja-JP" dirty="0"/>
           </a:p>
         </p:txBody>
@@ -660,6 +674,10 @@
           <a:bodyPr/>
           <a:lstStyle/>
           <a:p>
+            <a:pPr marL="171450" indent="-171450">
+              <a:buFont typeface="Arial" panose="020B0604020202020204" pitchFamily="34" charset="0"/>
+              <a:buChar char="•"/>
+            </a:pPr>
             <a:r>
               <a:rPr kumimoji="1" lang="ja-JP" altLang="en-US" dirty="0"/>
               <a:t>データは</a:t>
@@ -678,98 +696,101 @@
             </a:r>
             <a:r>
               <a:rPr kumimoji="1" lang="ja-JP" altLang="en-US" dirty="0"/>
-              <a:t>種類のデータの推移のみ表示</a:t>
+              <a:t>種類のデータの推移</a:t>
+            </a:r>
+            <a:r>
+              <a:rPr kumimoji="1" lang="ja-JP" altLang="en-US"/>
+              <a:t>のみ表示</a:t>
             </a:r>
             <a:endParaRPr kumimoji="1" lang="en-US" altLang="ja-JP" dirty="0"/>
           </a:p>
           <a:p>
-            <a:endParaRPr kumimoji="1" lang="en-US" altLang="ja-JP" dirty="0"/>
-          </a:p>
-          <a:p>
+            <a:pPr marL="171450" marR="0" lvl="0" indent="-171450" algn="l" defTabSz="914400" rtl="0" eaLnBrk="1" fontAlgn="auto" latinLnBrk="0" hangingPunct="1">
+              <a:lnSpc>
+                <a:spcPct val="100000"/>
+              </a:lnSpc>
+              <a:spcBef>
+                <a:spcPts val="0"/>
+              </a:spcBef>
+              <a:spcAft>
+                <a:spcPts val="0"/>
+              </a:spcAft>
+              <a:buClrTx/>
+              <a:buSzTx/>
+              <a:buFont typeface="Arial" panose="020B0604020202020204" pitchFamily="34" charset="0"/>
+              <a:buChar char="•"/>
+              <a:tabLst/>
+              <a:defRPr/>
+            </a:pPr>
             <a:r>
               <a:rPr kumimoji="1" lang="en-US" altLang="ja-JP" dirty="0"/>
               <a:t>Owner Replication</a:t>
             </a:r>
             <a:r>
-              <a:rPr kumimoji="1" lang="ja-JP" altLang="en-US" dirty="0"/>
+              <a:rPr kumimoji="1" lang="ja-JP" altLang="en-US"/>
               <a:t>と</a:t>
             </a:r>
             <a:r>
               <a:rPr kumimoji="1" lang="en-US" altLang="ja-JP" dirty="0"/>
               <a:t>Path Replication</a:t>
             </a:r>
-            <a:r>
-              <a:rPr kumimoji="1" lang="ja-JP" altLang="en-US" dirty="0"/>
-              <a:t>は、データの複製が２００サイクル過ぎに消滅している</a:t>
+          </a:p>
+          <a:p>
+            <a:pPr marL="628650" lvl="1" indent="-171450">
+              <a:buFont typeface="Arial" panose="020B0604020202020204" pitchFamily="34" charset="0"/>
+              <a:buChar char="•"/>
+            </a:pPr>
+            <a:r>
+              <a:rPr kumimoji="1" lang="ja-JP" altLang="en-US"/>
+              <a:t>データが消滅</a:t>
             </a:r>
             <a:endParaRPr kumimoji="1" lang="en-US" altLang="ja-JP" dirty="0"/>
           </a:p>
           <a:p>
+            <a:pPr marL="171450" lvl="0" indent="-171450">
+              <a:buFont typeface="Arial" panose="020B0604020202020204" pitchFamily="34" charset="0"/>
+              <a:buChar char="•"/>
+            </a:pPr>
+            <a:r>
+              <a:rPr kumimoji="1" lang="ja-JP" altLang="en-US"/>
+              <a:t>影山らの提案手法</a:t>
+            </a:r>
+            <a:endParaRPr kumimoji="1" lang="en-US" altLang="ja-JP" dirty="0"/>
+          </a:p>
+          <a:p>
+            <a:pPr marL="628650" lvl="1" indent="-171450">
+              <a:buFont typeface="Arial" panose="020B0604020202020204" pitchFamily="34" charset="0"/>
+              <a:buChar char="•"/>
+            </a:pPr>
             <a:r>
               <a:rPr kumimoji="1" lang="en-US" altLang="ja-JP" dirty="0"/>
-              <a:t>	</a:t>
-            </a:r>
-            <a:r>
-              <a:rPr kumimoji="1" lang="ja-JP" altLang="en-US" dirty="0"/>
-              <a:t>これらの手法は低需要データの生存を考慮していないためデータが消滅してしまう</a:t>
+              <a:t>500</a:t>
+            </a:r>
+            <a:r>
+              <a:rPr kumimoji="1" lang="ja-JP" altLang="en-US"/>
+              <a:t>サイクルまでデータが生存</a:t>
             </a:r>
             <a:endParaRPr kumimoji="1" lang="en-US" altLang="ja-JP" dirty="0"/>
           </a:p>
           <a:p>
+            <a:pPr marL="171450" lvl="0" indent="-171450">
+              <a:buFont typeface="Arial" panose="020B0604020202020204" pitchFamily="34" charset="0"/>
+              <a:buChar char="•"/>
+            </a:pPr>
+            <a:r>
+              <a:rPr kumimoji="1" lang="ja-JP" altLang="en-US"/>
+              <a:t>本提案手法</a:t>
+            </a:r>
             <a:endParaRPr kumimoji="1" lang="en-US" altLang="ja-JP" dirty="0"/>
           </a:p>
           <a:p>
-            <a:r>
-              <a:rPr kumimoji="1" lang="ja-JP" altLang="en-US" dirty="0"/>
-              <a:t>関連研究</a:t>
-            </a:r>
+            <a:pPr marL="628650" lvl="1" indent="-171450">
+              <a:buFont typeface="Arial" panose="020B0604020202020204" pitchFamily="34" charset="0"/>
+              <a:buChar char="•"/>
+            </a:pPr>
             <a:r>
               <a:rPr kumimoji="1" lang="ja-JP" altLang="en-US"/>
-              <a:t>と本研究では，データ要求のあったデータに関しては</a:t>
-            </a:r>
-            <a:r>
-              <a:rPr kumimoji="1" lang="en-US" altLang="ja-JP" dirty="0"/>
-              <a:t>Owner Replication</a:t>
-            </a:r>
-            <a:r>
-              <a:rPr kumimoji="1" lang="ja-JP" altLang="en-US"/>
-              <a:t>で複製配置を行う．データ要求がなくなり，低需要となったデータを追加で複製配置する</a:t>
-            </a:r>
-            <a:endParaRPr kumimoji="1" lang="en-US" altLang="ja-JP" dirty="0"/>
-          </a:p>
-          <a:p>
-            <a:r>
-              <a:rPr kumimoji="1" lang="ja-JP" altLang="en-US" dirty="0"/>
-              <a:t>関連研究の提案手法では、２００サイクル過ぎから５００サイクルまで一定の複製数が維持されている</a:t>
-            </a:r>
-            <a:endParaRPr kumimoji="1" lang="en-US" altLang="ja-JP" dirty="0"/>
-          </a:p>
-          <a:p>
-            <a:r>
-              <a:rPr kumimoji="1" lang="ja-JP" altLang="en-US" dirty="0"/>
-              <a:t>本提案手法では、一定期間データがネットワークに生存していることが</a:t>
-            </a:r>
-            <a:r>
-              <a:rPr kumimoji="1" lang="ja-JP" altLang="en-US"/>
-              <a:t>確認できる</a:t>
-            </a:r>
-            <a:endParaRPr kumimoji="1" lang="en-US" altLang="ja-JP" dirty="0"/>
-          </a:p>
-          <a:p>
-            <a:endParaRPr kumimoji="1" lang="en-US" altLang="ja-JP" dirty="0"/>
-          </a:p>
-          <a:p>
-            <a:r>
-              <a:rPr kumimoji="1" lang="en-US" altLang="ja-JP" dirty="0"/>
-              <a:t>Relate </a:t>
-            </a:r>
-            <a:r>
-              <a:rPr kumimoji="1" lang="ja-JP" altLang="en-US"/>
-              <a:t>→ </a:t>
-            </a:r>
-            <a:r>
-              <a:rPr kumimoji="1" lang="en-US" altLang="ja-JP" dirty="0" err="1"/>
-              <a:t>Kageyama</a:t>
+              <a:t>一定期間データが生存</a:t>
             </a:r>
             <a:endParaRPr kumimoji="1" lang="en-US" altLang="ja-JP" dirty="0"/>
           </a:p>
@@ -855,36 +876,110 @@
           <a:bodyPr/>
           <a:lstStyle/>
           <a:p>
-            <a:r>
-              <a:rPr kumimoji="1" lang="ja-JP" altLang="en-US" dirty="0"/>
-              <a:t>提案手法は多くの</a:t>
+            <a:pPr marL="171450" indent="-171450">
+              <a:buFont typeface="Arial" panose="020B0604020202020204" pitchFamily="34" charset="0"/>
+              <a:buChar char="•"/>
+            </a:pPr>
+            <a:r>
+              <a:rPr kumimoji="1" lang="en-US" altLang="ja-JP" dirty="0"/>
+              <a:t>Owner Replication, Path Replication</a:t>
+            </a:r>
+          </a:p>
+          <a:p>
+            <a:pPr marL="628650" lvl="1" indent="-171450">
+              <a:buFont typeface="Arial" panose="020B0604020202020204" pitchFamily="34" charset="0"/>
+              <a:buChar char="•"/>
+            </a:pPr>
+            <a:r>
+              <a:rPr kumimoji="1" lang="en-US" altLang="ja-JP" dirty="0"/>
+              <a:t>353</a:t>
             </a:r>
             <a:r>
               <a:rPr kumimoji="1" lang="ja-JP" altLang="en-US"/>
-              <a:t>サイクルでストレージ使用率が関連研究以下で，</a:t>
-            </a:r>
+              <a:t>サイクルから増えていない</a:t>
+            </a:r>
+            <a:endParaRPr kumimoji="1" lang="en-US" altLang="ja-JP" dirty="0"/>
+          </a:p>
+          <a:p>
+            <a:pPr marL="1085850" lvl="2" indent="-171450">
+              <a:buFont typeface="Arial" panose="020B0604020202020204" pitchFamily="34" charset="0"/>
+              <a:buChar char="•"/>
+            </a:pPr>
+            <a:r>
+              <a:rPr kumimoji="1" lang="ja-JP" altLang="en-US"/>
+              <a:t>データがネットワークにないから</a:t>
+            </a:r>
+            <a:endParaRPr kumimoji="1" lang="en-US" altLang="ja-JP" dirty="0"/>
+          </a:p>
+          <a:p>
+            <a:pPr marL="171450" lvl="0" indent="-171450">
+              <a:buFont typeface="Arial" panose="020B0604020202020204" pitchFamily="34" charset="0"/>
+              <a:buChar char="•"/>
+            </a:pPr>
+            <a:r>
+              <a:rPr kumimoji="1" lang="ja-JP" altLang="en-US"/>
+              <a:t>影山らの提案手法</a:t>
+            </a:r>
+            <a:endParaRPr kumimoji="1" lang="en-US" altLang="ja-JP" dirty="0"/>
+          </a:p>
+          <a:p>
+            <a:pPr marL="628650" lvl="1" indent="-171450">
+              <a:buFont typeface="Arial" panose="020B0604020202020204" pitchFamily="34" charset="0"/>
+              <a:buChar char="•"/>
+            </a:pPr>
+            <a:r>
+              <a:rPr kumimoji="1" lang="ja-JP" altLang="en-US"/>
+              <a:t>線型的に増加し続ける</a:t>
+            </a:r>
+            <a:endParaRPr kumimoji="1" lang="en-US" altLang="ja-JP" dirty="0"/>
+          </a:p>
+          <a:p>
+            <a:pPr marL="1085850" lvl="2" indent="-171450">
+              <a:buFont typeface="Arial" panose="020B0604020202020204" pitchFamily="34" charset="0"/>
+              <a:buChar char="•"/>
+            </a:pPr>
+            <a:r>
+              <a:rPr kumimoji="1" lang="ja-JP" altLang="en-US"/>
+              <a:t>全種類のデータがネットワークに生存し続けているから</a:t>
+            </a:r>
+            <a:endParaRPr kumimoji="1" lang="en-US" altLang="ja-JP" dirty="0"/>
+          </a:p>
+          <a:p>
+            <a:pPr marL="171450" lvl="0" indent="-171450">
+              <a:buFont typeface="Arial" panose="020B0604020202020204" pitchFamily="34" charset="0"/>
+              <a:buChar char="•"/>
+            </a:pPr>
+            <a:r>
+              <a:rPr kumimoji="1" lang="ja-JP" altLang="en-US"/>
+              <a:t>本提案手法</a:t>
+            </a:r>
+            <a:endParaRPr kumimoji="1" lang="en-US" altLang="ja-JP" dirty="0"/>
+          </a:p>
+          <a:p>
+            <a:pPr marL="628650" lvl="1" indent="-171450">
+              <a:buFont typeface="Arial" panose="020B0604020202020204" pitchFamily="34" charset="0"/>
+              <a:buChar char="•"/>
+            </a:pPr>
             <a:r>
               <a:rPr kumimoji="1" lang="en-US" altLang="ja-JP" dirty="0"/>
-              <a:t>Owner Replication</a:t>
+              <a:t>468</a:t>
             </a:r>
             <a:r>
               <a:rPr kumimoji="1" lang="ja-JP" altLang="en-US"/>
-              <a:t>以上</a:t>
+              <a:t>サイクル以降使用量は増えていない</a:t>
             </a:r>
             <a:endParaRPr kumimoji="1" lang="en-US" altLang="ja-JP" dirty="0"/>
           </a:p>
           <a:p>
-            <a:r>
-              <a:rPr kumimoji="1" lang="ja-JP" altLang="en-US" dirty="0"/>
-              <a:t>関連研究は低需要となったデータの複製をネットワークに生存させ続ける手法</a:t>
+            <a:pPr marL="1085850" lvl="2" indent="-171450">
+              <a:buFont typeface="Arial" panose="020B0604020202020204" pitchFamily="34" charset="0"/>
+              <a:buChar char="•"/>
+            </a:pPr>
+            <a:r>
+              <a:rPr kumimoji="1" lang="ja-JP" altLang="en-US"/>
+              <a:t>一定期間データを残すが，やがては消滅するため</a:t>
             </a:r>
             <a:endParaRPr kumimoji="1" lang="en-US" altLang="ja-JP" dirty="0"/>
-          </a:p>
-          <a:p>
-            <a:r>
-              <a:rPr kumimoji="1" lang="ja-JP" altLang="en-US" dirty="0"/>
-              <a:t>本提案手法は複製配置を行ってから一定期間データ要求が発生しないと複製配置を取りやめるという手法をとったから</a:t>
-            </a:r>
           </a:p>
         </p:txBody>
       </p:sp>
@@ -968,6 +1063,90 @@
           <a:bodyPr/>
           <a:lstStyle/>
           <a:p>
+            <a:endParaRPr kumimoji="1" lang="ja-JP" altLang="en-US"/>
+          </a:p>
+        </p:txBody>
+      </p:sp>
+      <p:sp>
+        <p:nvSpPr>
+          <p:cNvPr id="4" name="スライド番号プレースホルダー 3"/>
+          <p:cNvSpPr>
+            <a:spLocks noGrp="1"/>
+          </p:cNvSpPr>
+          <p:nvPr>
+            <p:ph type="sldNum" sz="quarter" idx="10"/>
+          </p:nvPr>
+        </p:nvSpPr>
+        <p:spPr/>
+        <p:txBody>
+          <a:bodyPr/>
+          <a:lstStyle/>
+          <a:p>
+            <a:fld id="{F312A43C-8ADA-4BD0-A945-17B871BA7126}" type="slidenum">
+              <a:rPr kumimoji="1" lang="ja-JP" altLang="en-US" smtClean="0"/>
+              <a:t>13</a:t>
+            </a:fld>
+            <a:endParaRPr kumimoji="1" lang="ja-JP" altLang="en-US"/>
+          </a:p>
+        </p:txBody>
+      </p:sp>
+    </p:spTree>
+    <p:extLst>
+      <p:ext uri="{BB962C8B-B14F-4D97-AF65-F5344CB8AC3E}">
+        <p14:creationId xmlns:p14="http://schemas.microsoft.com/office/powerpoint/2010/main" val="437012357"/>
+      </p:ext>
+    </p:extLst>
+  </p:cSld>
+  <p:clrMapOvr>
+    <a:masterClrMapping/>
+  </p:clrMapOvr>
+</p:notes>
+</file>
+
+<file path=ppt/notesSlides/notesSlide13.xml><?xml version="1.0" encoding="utf-8"?>
+<p:notes xmlns:a="http://schemas.openxmlformats.org/drawingml/2006/main" xmlns:r="http://schemas.openxmlformats.org/officeDocument/2006/relationships" xmlns:p="http://schemas.openxmlformats.org/presentationml/2006/main">
+  <p:cSld>
+    <p:spTree>
+      <p:nvGrpSpPr>
+        <p:cNvPr id="1" name=""/>
+        <p:cNvGrpSpPr/>
+        <p:nvPr/>
+      </p:nvGrpSpPr>
+      <p:grpSpPr>
+        <a:xfrm>
+          <a:off x="0" y="0"/>
+          <a:ext cx="0" cy="0"/>
+          <a:chOff x="0" y="0"/>
+          <a:chExt cx="0" cy="0"/>
+        </a:xfrm>
+      </p:grpSpPr>
+      <p:sp>
+        <p:nvSpPr>
+          <p:cNvPr id="2" name="スライド イメージ プレースホルダー 1"/>
+          <p:cNvSpPr>
+            <a:spLocks noGrp="1" noRot="1" noChangeAspect="1"/>
+          </p:cNvSpPr>
+          <p:nvPr>
+            <p:ph type="sldImg"/>
+          </p:nvPr>
+        </p:nvSpPr>
+        <p:spPr/>
+      </p:sp>
+      <p:sp>
+        <p:nvSpPr>
+          <p:cNvPr id="3" name="ノート プレースホルダー 2"/>
+          <p:cNvSpPr>
+            <a:spLocks noGrp="1"/>
+          </p:cNvSpPr>
+          <p:nvPr>
+            <p:ph type="body" idx="1"/>
+          </p:nvPr>
+        </p:nvSpPr>
+        <p:spPr/>
+        <p:txBody>
+          <a:bodyPr/>
+          <a:lstStyle/>
+          <a:p>
             <a:pPr marL="171450" indent="-171450">
               <a:buFont typeface="Arial" panose="020B0604020202020204" pitchFamily="34" charset="0"/>
               <a:buChar char="•"/>
@@ -1103,7 +1282,55 @@
           <a:bodyPr/>
           <a:lstStyle/>
           <a:p>
-            <a:endParaRPr kumimoji="1" lang="ja-JP" altLang="en-US"/>
+            <a:r>
+              <a:rPr kumimoji="1" lang="ja-JP" altLang="en-US"/>
+              <a:t>アップロードされる情報は主に二つに分けられます．</a:t>
+            </a:r>
+            <a:endParaRPr kumimoji="1" lang="en-US" altLang="ja-JP" dirty="0"/>
+          </a:p>
+          <a:p>
+            <a:endParaRPr kumimoji="1" lang="en-US" altLang="ja-JP" dirty="0"/>
+          </a:p>
+          <a:p>
+            <a:r>
+              <a:rPr kumimoji="1" lang="ja-JP" altLang="en-US"/>
+              <a:t>物資補給情報や復旧情報など</a:t>
+            </a:r>
+            <a:endParaRPr kumimoji="1" lang="en-US" altLang="ja-JP" dirty="0"/>
+          </a:p>
+          <a:p>
+            <a:r>
+              <a:rPr kumimoji="1" lang="ja-JP" altLang="en-US"/>
+              <a:t>これらの情報は必要とする人が多い為，情報のデータ要求数が多くなります．</a:t>
+            </a:r>
+            <a:endParaRPr kumimoji="1" lang="en-US" altLang="ja-JP" dirty="0"/>
+          </a:p>
+          <a:p>
+            <a:endParaRPr kumimoji="1" lang="en-US" altLang="ja-JP" dirty="0"/>
+          </a:p>
+          <a:p>
+            <a:r>
+              <a:rPr kumimoji="1" lang="ja-JP" altLang="en-US"/>
+              <a:t>個人の生存情報など</a:t>
+            </a:r>
+            <a:endParaRPr kumimoji="1" lang="en-US" altLang="ja-JP" dirty="0"/>
+          </a:p>
+          <a:p>
+            <a:r>
+              <a:rPr kumimoji="1" lang="ja-JP" altLang="en-US"/>
+              <a:t>必要とする人は家族や友人や親戚等比較的少数から必要とされる情報で，情報のデータ要求数は少なくなります．</a:t>
+            </a:r>
+            <a:endParaRPr kumimoji="1" lang="en-US" altLang="ja-JP" dirty="0"/>
+          </a:p>
+          <a:p>
+            <a:r>
+              <a:rPr kumimoji="1" lang="ja-JP" altLang="en-US"/>
+              <a:t>その為，既存複製</a:t>
+            </a:r>
+            <a:r>
+              <a:rPr kumimoji="1" lang="en-US" altLang="ja-JP" dirty="0"/>
+              <a:t>〜〜〜</a:t>
+            </a:r>
           </a:p>
         </p:txBody>
       </p:sp>
@@ -1204,6 +1431,66 @@
               <a:tabLst/>
               <a:defRPr/>
             </a:pPr>
+            <a:r>
+              <a:rPr kumimoji="1" lang="ja-JP" altLang="en-US" sz="1200" b="0" i="0" u="none" strike="noStrike" kern="1200">
+                <a:solidFill>
+                  <a:schemeClr val="tx1"/>
+                </a:solidFill>
+                <a:effectLst/>
+                <a:latin typeface="+mn-lt"/>
+                <a:ea typeface="+mn-ea"/>
+                <a:cs typeface="+mn-cs"/>
+              </a:rPr>
+              <a:t>先ほど出てきた既存の複製配置手法というのは主に２つありまして，一つは</a:t>
+            </a:r>
+            <a:r>
+              <a:rPr kumimoji="1" lang="en-US" altLang="ja-JP" sz="1200" b="0" i="0" u="none" strike="noStrike" kern="1200" dirty="0">
+                <a:solidFill>
+                  <a:schemeClr val="tx1"/>
+                </a:solidFill>
+                <a:effectLst/>
+                <a:latin typeface="+mn-lt"/>
+                <a:ea typeface="+mn-ea"/>
+                <a:cs typeface="+mn-cs"/>
+              </a:rPr>
+              <a:t>〜〜</a:t>
+            </a:r>
+            <a:r>
+              <a:rPr kumimoji="1" lang="ja-JP" altLang="en-US" sz="1200" b="0" i="0" u="none" strike="noStrike" kern="1200">
+                <a:solidFill>
+                  <a:schemeClr val="tx1"/>
+                </a:solidFill>
+                <a:effectLst/>
+                <a:latin typeface="+mn-lt"/>
+                <a:ea typeface="+mn-ea"/>
+                <a:cs typeface="+mn-cs"/>
+              </a:rPr>
+              <a:t>，二つ目は</a:t>
+            </a:r>
+            <a:r>
+              <a:rPr kumimoji="1" lang="en-US" altLang="ja-JP" sz="1200" b="0" i="0" u="none" strike="noStrike" kern="1200" dirty="0">
+                <a:solidFill>
+                  <a:schemeClr val="tx1"/>
+                </a:solidFill>
+                <a:effectLst/>
+                <a:latin typeface="+mn-lt"/>
+                <a:ea typeface="+mn-ea"/>
+                <a:cs typeface="+mn-cs"/>
+              </a:rPr>
+              <a:t>〜〜</a:t>
+            </a:r>
+            <a:r>
+              <a:rPr kumimoji="1" lang="ja-JP" altLang="en-US" sz="1200" b="0" i="0" u="none" strike="noStrike" kern="1200">
+                <a:solidFill>
+                  <a:schemeClr val="tx1"/>
+                </a:solidFill>
+                <a:effectLst/>
+                <a:latin typeface="+mn-lt"/>
+                <a:ea typeface="+mn-ea"/>
+                <a:cs typeface="+mn-cs"/>
+              </a:rPr>
+              <a:t>．</a:t>
+            </a:r>
             <a:endParaRPr kumimoji="1" lang="en-US" altLang="ja-JP" sz="1200" b="0" i="0" u="none" strike="noStrike" kern="1200" dirty="0">
               <a:solidFill>
                 <a:schemeClr val="tx1"/>
@@ -1315,7 +1602,7 @@
             </a:pPr>
             <a:r>
               <a:rPr lang="ja-JP" altLang="en-US"/>
-              <a:t>データ要求が成功した場合に行われる複製配置手法であり，</a:t>
+              <a:t>既存の複製配置手法はデータ要求が成功した場合に行われる複製配置手法であり，</a:t>
             </a:r>
             <a:endParaRPr lang="en-US" altLang="ja-JP" dirty="0"/>
           </a:p>
@@ -1339,7 +1626,7 @@
             </a:pPr>
             <a:r>
               <a:rPr lang="ja-JP" altLang="en-US"/>
-              <a:t>データ要求が多いデータ，つまり需要の高いデータは，ネットワーク上に多くの複製が作成される．</a:t>
+              <a:t>データ要求が多いデータ，つまり需要の高いデータは，多くの複製が作成されます．</a:t>
             </a:r>
             <a:endParaRPr lang="en-US" altLang="ja-JP" dirty="0"/>
           </a:p>
@@ -1354,7 +1641,7 @@
                 <a:ea typeface="+mn-ea"/>
                 <a:cs typeface="+mn-cs"/>
               </a:rPr>
-              <a:t>データ要求の少ないデータ，つまり需要の低いデータは，ネットワークに作成される複製が少なく，ユーザの離脱や削除でネットワークから消滅しやすい．</a:t>
+              <a:t>一方，データ要求の少ないデータ，つまり需要の低いデータは，作成される複製が少なく，ユーザの離脱や削除でネットワークから消滅しやすい．</a:t>
             </a:r>
             <a:endParaRPr kumimoji="1" lang="en-US" altLang="ja-JP" sz="1200" b="0" i="0" u="none" strike="noStrike" kern="1200" dirty="0">
               <a:solidFill>
@@ -1377,7 +1664,53 @@
                 <a:ea typeface="+mn-ea"/>
                 <a:cs typeface="+mn-cs"/>
               </a:rPr>
-              <a:t>この特徴は，必要性の高い情報であっても同様</a:t>
+              <a:t>先ほどの個人の生存情報のような低需要・高必要性の情報であっても同様に，ネットワークから消滅しやすいです．</a:t>
+            </a:r>
+            <a:endParaRPr kumimoji="1" lang="en-US" altLang="ja-JP" sz="1200" b="0" i="0" u="none" strike="noStrike" kern="1200" dirty="0">
+              <a:solidFill>
+                <a:schemeClr val="tx1"/>
+              </a:solidFill>
+              <a:effectLst/>
+              <a:latin typeface="+mn-lt"/>
+              <a:ea typeface="+mn-ea"/>
+              <a:cs typeface="+mn-cs"/>
+            </a:endParaRPr>
+          </a:p>
+          <a:p>
+            <a:r>
+              <a:rPr kumimoji="1" lang="ja-JP" altLang="en-US" sz="1200" b="0" i="0" u="none" strike="noStrike" kern="1200">
+                <a:solidFill>
+                  <a:schemeClr val="tx1"/>
+                </a:solidFill>
+                <a:effectLst/>
+                <a:latin typeface="+mn-lt"/>
+                <a:ea typeface="+mn-ea"/>
+                <a:cs typeface="+mn-cs"/>
+              </a:rPr>
+              <a:t>必要性の高い情報は，たとえ高需要でなくとも，一定期間ネットワークに生存させておくべきであると考えます．</a:t>
+            </a:r>
+            <a:endParaRPr kumimoji="1" lang="en-US" altLang="ja-JP" sz="1200" b="0" i="0" u="none" strike="noStrike" kern="1200" dirty="0">
+              <a:solidFill>
+                <a:schemeClr val="tx1"/>
+              </a:solidFill>
+              <a:effectLst/>
+              <a:latin typeface="+mn-lt"/>
+              <a:ea typeface="+mn-ea"/>
+              <a:cs typeface="+mn-cs"/>
+            </a:endParaRPr>
+          </a:p>
+          <a:p>
+            <a:r>
+              <a:rPr kumimoji="1" lang="ja-JP" altLang="en-US" sz="1200" b="0" i="0" u="none" strike="noStrike" kern="1200">
+                <a:solidFill>
+                  <a:schemeClr val="tx1"/>
+                </a:solidFill>
+                <a:effectLst/>
+                <a:latin typeface="+mn-lt"/>
+                <a:ea typeface="+mn-ea"/>
+                <a:cs typeface="+mn-cs"/>
+              </a:rPr>
+              <a:t>そのため，低需要情報の生存を考慮した複製配置手法を提案することが今回の目的となります．</a:t>
             </a:r>
             <a:endParaRPr kumimoji="1" lang="en-US" altLang="ja-JP" sz="1200" b="0" i="0" u="none" strike="noStrike" kern="1200" dirty="0">
               <a:solidFill>
@@ -1474,23 +1807,252 @@
           <a:bodyPr/>
           <a:lstStyle/>
           <a:p>
+            <a:pPr marL="0" marR="0" lvl="0" indent="0" algn="l" defTabSz="914400" rtl="0" eaLnBrk="1" fontAlgn="auto" latinLnBrk="0" hangingPunct="1">
+              <a:lnSpc>
+                <a:spcPct val="100000"/>
+              </a:lnSpc>
+              <a:spcBef>
+                <a:spcPts val="0"/>
+              </a:spcBef>
+              <a:spcAft>
+                <a:spcPts val="0"/>
+              </a:spcAft>
+              <a:buClrTx/>
+              <a:buSzTx/>
+              <a:buFont typeface="Arial" panose="020B0604020202020204" pitchFamily="34" charset="0"/>
+              <a:buNone/>
+              <a:tabLst/>
+              <a:defRPr/>
+            </a:pPr>
+            <a:r>
+              <a:rPr kumimoji="1" lang="ja-JP" altLang="en-US" sz="1200" kern="1200">
+                <a:solidFill>
+                  <a:schemeClr val="tx1"/>
+                </a:solidFill>
+                <a:effectLst/>
+                <a:latin typeface="+mn-lt"/>
+                <a:ea typeface="+mn-ea"/>
+                <a:cs typeface="+mn-cs"/>
+              </a:rPr>
+              <a:t>先ほどの問題点に対し，提案を行った関連研究がある．</a:t>
+            </a:r>
+            <a:endParaRPr kumimoji="1" lang="en-US" altLang="ja-JP" sz="1200" kern="1200" dirty="0">
+              <a:solidFill>
+                <a:schemeClr val="tx1"/>
+              </a:solidFill>
+              <a:effectLst/>
+              <a:latin typeface="+mn-lt"/>
+              <a:ea typeface="+mn-ea"/>
+              <a:cs typeface="+mn-cs"/>
+            </a:endParaRPr>
+          </a:p>
+          <a:p>
+            <a:pPr marL="0" marR="0" lvl="0" indent="0" algn="l" defTabSz="914400" rtl="0" eaLnBrk="1" fontAlgn="auto" latinLnBrk="0" hangingPunct="1">
+              <a:lnSpc>
+                <a:spcPct val="100000"/>
+              </a:lnSpc>
+              <a:spcBef>
+                <a:spcPts val="0"/>
+              </a:spcBef>
+              <a:spcAft>
+                <a:spcPts val="0"/>
+              </a:spcAft>
+              <a:buClrTx/>
+              <a:buSzTx/>
+              <a:buFont typeface="Arial" panose="020B0604020202020204" pitchFamily="34" charset="0"/>
+              <a:buNone/>
+              <a:tabLst/>
+              <a:defRPr/>
+            </a:pPr>
+            <a:r>
+              <a:rPr kumimoji="1" lang="ja-JP" altLang="en-US" sz="1200" kern="1200">
+                <a:solidFill>
+                  <a:schemeClr val="tx1"/>
+                </a:solidFill>
+                <a:effectLst/>
+                <a:latin typeface="+mn-lt"/>
+                <a:ea typeface="+mn-ea"/>
+                <a:cs typeface="+mn-cs"/>
+              </a:rPr>
+              <a:t>それは影山らによって提案された低需要データの生存を考慮した複製配置手法です．</a:t>
+            </a:r>
+            <a:endParaRPr kumimoji="1" lang="en-US" altLang="ja-JP" sz="1200" kern="1200" dirty="0">
+              <a:solidFill>
+                <a:schemeClr val="tx1"/>
+              </a:solidFill>
+              <a:effectLst/>
+              <a:latin typeface="+mn-lt"/>
+              <a:ea typeface="+mn-ea"/>
+              <a:cs typeface="+mn-cs"/>
+            </a:endParaRPr>
+          </a:p>
+          <a:p>
+            <a:pPr marL="0" marR="0" lvl="0" indent="0" algn="l" defTabSz="914400" rtl="0" eaLnBrk="1" fontAlgn="auto" latinLnBrk="0" hangingPunct="1">
+              <a:lnSpc>
+                <a:spcPct val="100000"/>
+              </a:lnSpc>
+              <a:spcBef>
+                <a:spcPts val="0"/>
+              </a:spcBef>
+              <a:spcAft>
+                <a:spcPts val="0"/>
+              </a:spcAft>
+              <a:buClrTx/>
+              <a:buSzTx/>
+              <a:buFont typeface="Arial" panose="020B0604020202020204" pitchFamily="34" charset="0"/>
+              <a:buNone/>
+              <a:tabLst/>
+              <a:defRPr/>
+            </a:pPr>
             <a:r>
               <a:rPr kumimoji="1" lang="ja-JP" altLang="en-US"/>
-              <a:t>信頼度</a:t>
-            </a:r>
-            <a:r>
-              <a:rPr kumimoji="1" lang="ja-JP" altLang="en-US" dirty="0"/>
-              <a:t>：生存率と貢献度を元</a:t>
+              <a:t>データ要求時の</a:t>
+            </a:r>
+            <a:r>
+              <a:rPr kumimoji="1" lang="en-US" altLang="ja-JP" dirty="0"/>
+              <a:t>〜〜〜〜</a:t>
             </a:r>
             <a:r>
               <a:rPr kumimoji="1" lang="ja-JP" altLang="en-US"/>
-              <a:t>に算出</a:t>
+              <a:t>．</a:t>
             </a:r>
             <a:endParaRPr kumimoji="1" lang="en-US" altLang="ja-JP" dirty="0"/>
           </a:p>
           <a:p>
-            <a:pPr lvl="1"/>
-            <a:endParaRPr lang="en-US" altLang="ja-JP" dirty="0"/>
+            <a:pPr marL="0" marR="0" lvl="0" indent="0" algn="l" defTabSz="914400" rtl="0" eaLnBrk="1" fontAlgn="auto" latinLnBrk="0" hangingPunct="1">
+              <a:lnSpc>
+                <a:spcPct val="100000"/>
+              </a:lnSpc>
+              <a:spcBef>
+                <a:spcPts val="0"/>
+              </a:spcBef>
+              <a:spcAft>
+                <a:spcPts val="0"/>
+              </a:spcAft>
+              <a:buClrTx/>
+              <a:buSzTx/>
+              <a:buFont typeface="Arial" panose="020B0604020202020204" pitchFamily="34" charset="0"/>
+              <a:buNone/>
+              <a:tabLst/>
+              <a:defRPr/>
+            </a:pPr>
+            <a:endParaRPr kumimoji="1" lang="en-US" altLang="ja-JP" dirty="0"/>
+          </a:p>
+          <a:p>
+            <a:pPr marL="0" marR="0" lvl="0" indent="0" algn="l" defTabSz="914400" rtl="0" eaLnBrk="1" fontAlgn="auto" latinLnBrk="0" hangingPunct="1">
+              <a:lnSpc>
+                <a:spcPct val="100000"/>
+              </a:lnSpc>
+              <a:spcBef>
+                <a:spcPts val="0"/>
+              </a:spcBef>
+              <a:spcAft>
+                <a:spcPts val="0"/>
+              </a:spcAft>
+              <a:buClrTx/>
+              <a:buSzTx/>
+              <a:buFont typeface="Arial" panose="020B0604020202020204" pitchFamily="34" charset="0"/>
+              <a:buNone/>
+              <a:tabLst/>
+              <a:defRPr/>
+            </a:pPr>
+            <a:r>
+              <a:rPr kumimoji="1" lang="ja-JP" altLang="en-US"/>
+              <a:t>この提案手法はストレージ使用量の増加が問題とされています．この手法では，全種類のデータの複製をネットワークに生存させ続けるため，アップロードされるデータの種類が増えるとストレージ使用量も線型的に増加し続けるからです．</a:t>
+            </a:r>
+            <a:endParaRPr kumimoji="1" lang="en-US" altLang="ja-JP" dirty="0"/>
+          </a:p>
+          <a:p>
+            <a:r>
+              <a:rPr kumimoji="1" lang="ja-JP" altLang="en-US"/>
+              <a:t>また，ノードの参加離脱が考慮されていません．アドホックネットワークではノードの参加離脱が発生します．</a:t>
+            </a:r>
+            <a:endParaRPr kumimoji="1" lang="en-US" altLang="ja-JP" dirty="0"/>
+          </a:p>
+          <a:p>
+            <a:r>
+              <a:rPr kumimoji="1" lang="ja-JP" altLang="en-US" sz="1200" kern="1200">
+                <a:solidFill>
+                  <a:schemeClr val="tx1"/>
+                </a:solidFill>
+                <a:effectLst/>
+                <a:latin typeface="+mn-lt"/>
+                <a:ea typeface="+mn-ea"/>
+                <a:cs typeface="+mn-cs"/>
+              </a:rPr>
+              <a:t>また，この提案手法はピュア型</a:t>
+            </a:r>
+            <a:r>
+              <a:rPr kumimoji="1" lang="en-US" altLang="ja-JP" sz="1200" kern="1200" dirty="0">
+                <a:solidFill>
+                  <a:schemeClr val="tx1"/>
+                </a:solidFill>
+                <a:effectLst/>
+                <a:latin typeface="+mn-lt"/>
+                <a:ea typeface="+mn-ea"/>
+                <a:cs typeface="+mn-cs"/>
+              </a:rPr>
+              <a:t>P2P</a:t>
+            </a:r>
+            <a:r>
+              <a:rPr kumimoji="1" lang="ja-JP" altLang="en-US" sz="1200" kern="1200">
+                <a:solidFill>
+                  <a:schemeClr val="tx1"/>
+                </a:solidFill>
+                <a:effectLst/>
+                <a:latin typeface="+mn-lt"/>
+                <a:ea typeface="+mn-ea"/>
+                <a:cs typeface="+mn-cs"/>
+              </a:rPr>
+              <a:t>ネットワークでの実験が行われていません．今回想定するのは携帯端末で構成されるネットワークであり，端末間に大きな差はないと考えられるため，スーパーノード型ネットワークではなく，ピュア型</a:t>
+            </a:r>
+            <a:r>
+              <a:rPr kumimoji="1" lang="en-US" altLang="ja-JP" sz="1200" kern="1200" dirty="0">
+                <a:solidFill>
+                  <a:schemeClr val="tx1"/>
+                </a:solidFill>
+                <a:effectLst/>
+                <a:latin typeface="+mn-lt"/>
+                <a:ea typeface="+mn-ea"/>
+                <a:cs typeface="+mn-cs"/>
+              </a:rPr>
+              <a:t>P2P</a:t>
+            </a:r>
+            <a:r>
+              <a:rPr kumimoji="1" lang="ja-JP" altLang="en-US" sz="1200" kern="1200">
+                <a:solidFill>
+                  <a:schemeClr val="tx1"/>
+                </a:solidFill>
+                <a:effectLst/>
+                <a:latin typeface="+mn-lt"/>
+                <a:ea typeface="+mn-ea"/>
+                <a:cs typeface="+mn-cs"/>
+              </a:rPr>
+              <a:t>ネットワークベースのアドホックネットワークを用います．</a:t>
+            </a:r>
+            <a:endParaRPr kumimoji="1" lang="en-US" altLang="ja-JP" sz="1200" kern="1200" dirty="0">
+              <a:solidFill>
+                <a:schemeClr val="tx1"/>
+              </a:solidFill>
+              <a:effectLst/>
+              <a:latin typeface="+mn-lt"/>
+              <a:ea typeface="+mn-ea"/>
+              <a:cs typeface="+mn-cs"/>
+            </a:endParaRPr>
+          </a:p>
+          <a:p>
+            <a:endParaRPr kumimoji="1" lang="en-US" altLang="ja-JP" sz="1200" kern="1200" dirty="0">
+              <a:solidFill>
+                <a:schemeClr val="tx1"/>
+              </a:solidFill>
+              <a:effectLst/>
+              <a:latin typeface="+mn-lt"/>
+              <a:ea typeface="+mn-ea"/>
+              <a:cs typeface="+mn-cs"/>
+            </a:endParaRPr>
+          </a:p>
+          <a:p>
+            <a:endParaRPr kumimoji="1" lang="en-US" altLang="ja-JP" dirty="0"/>
           </a:p>
           <a:p>
             <a:pPr marL="171450" marR="0" lvl="0" indent="-171450" algn="l" defTabSz="914400" rtl="0" eaLnBrk="1" fontAlgn="auto" latinLnBrk="0" hangingPunct="1">
@@ -1631,18 +2193,6 @@
               <a:defRPr/>
             </a:pPr>
             <a:r>
-              <a:rPr kumimoji="1" lang="ja-JP" altLang="en-US" sz="1200" kern="1200" dirty="0">
-                <a:solidFill>
-                  <a:schemeClr val="tx1"/>
-                </a:solidFill>
-                <a:effectLst/>
-                <a:latin typeface="+mn-lt"/>
-                <a:ea typeface="+mn-ea"/>
-                <a:cs typeface="+mn-cs"/>
-              </a:rPr>
-              <a:t>コンテンツの探索は</a:t>
-            </a:r>
-            <a:r>
               <a:rPr kumimoji="1" lang="ja-JP" altLang="en-US" sz="1200" kern="1200">
                 <a:solidFill>
                   <a:schemeClr val="tx1"/>
@@ -1652,7 +2202,7 @@
                 <a:ea typeface="+mn-ea"/>
                 <a:cs typeface="+mn-cs"/>
               </a:rPr>
-              <a:t>スーパーノードが代行して行う</a:t>
+              <a:t>コンテンツの探索はスーパーノードが代行して行う</a:t>
             </a:r>
             <a:endParaRPr kumimoji="1" lang="en-US" altLang="ja-JP" sz="1200" kern="1200" dirty="0">
               <a:solidFill>
@@ -1683,18 +2233,6 @@
               <a:defRPr/>
             </a:pPr>
             <a:r>
-              <a:rPr kumimoji="1" lang="ja-JP" altLang="en-US" sz="1200" kern="1200" dirty="0">
-                <a:solidFill>
-                  <a:schemeClr val="tx1"/>
-                </a:solidFill>
-                <a:effectLst/>
-                <a:latin typeface="+mn-lt"/>
-                <a:ea typeface="+mn-ea"/>
-                <a:cs typeface="+mn-cs"/>
-              </a:rPr>
-              <a:t>コンテンツの取得はノー</a:t>
-            </a:r>
-            <a:r>
               <a:rPr kumimoji="1" lang="ja-JP" altLang="en-US" sz="1200" kern="1200">
                 <a:solidFill>
                   <a:schemeClr val="tx1"/>
@@ -1704,7 +2242,7 @@
                 <a:ea typeface="+mn-ea"/>
                 <a:cs typeface="+mn-cs"/>
               </a:rPr>
-              <a:t>ド同士が直接行う </a:t>
+              <a:t>コンテンツの取得はノード同士が直接行う　</a:t>
             </a:r>
             <a:endParaRPr kumimoji="1" lang="en-US" altLang="ja-JP" sz="1200" kern="1200" dirty="0">
               <a:solidFill>
@@ -1717,7 +2255,7 @@
             </a:endParaRPr>
           </a:p>
           <a:p>
-            <a:pPr marL="0" marR="0" lvl="0" indent="0" algn="l" defTabSz="914400" rtl="0" eaLnBrk="1" fontAlgn="auto" latinLnBrk="0" hangingPunct="1">
+            <a:pPr marL="628650" marR="0" lvl="1" indent="-171450" algn="l" defTabSz="914400" rtl="0" eaLnBrk="1" fontAlgn="auto" latinLnBrk="0" hangingPunct="1">
               <a:lnSpc>
                 <a:spcPct val="100000"/>
               </a:lnSpc>
@@ -1730,75 +2268,7 @@
               <a:buClrTx/>
               <a:buSzTx/>
               <a:buFont typeface="Arial" panose="020B0604020202020204" pitchFamily="34" charset="0"/>
-              <a:buNone/>
-              <a:tabLst/>
-              <a:defRPr/>
-            </a:pPr>
-            <a:endParaRPr kumimoji="1" lang="en-US" altLang="ja-JP" sz="1200" kern="1200" dirty="0">
-              <a:solidFill>
-                <a:schemeClr val="tx1"/>
-              </a:solidFill>
-              <a:effectLst/>
-              <a:latin typeface="+mn-lt"/>
-              <a:ea typeface="+mn-ea"/>
-              <a:cs typeface="+mn-cs"/>
-            </a:endParaRPr>
-          </a:p>
-          <a:p>
-            <a:pPr marL="0" marR="0" lvl="0" indent="0" algn="l" defTabSz="914400" rtl="0" eaLnBrk="1" fontAlgn="auto" latinLnBrk="0" hangingPunct="1">
-              <a:lnSpc>
-                <a:spcPct val="100000"/>
-              </a:lnSpc>
-              <a:spcBef>
-                <a:spcPts val="0"/>
-              </a:spcBef>
-              <a:spcAft>
-                <a:spcPts val="0"/>
-              </a:spcAft>
-              <a:buClrTx/>
-              <a:buSzTx/>
-              <a:buFont typeface="Arial" panose="020B0604020202020204" pitchFamily="34" charset="0"/>
-              <a:buNone/>
-              <a:tabLst/>
-              <a:defRPr/>
-            </a:pPr>
-            <a:r>
-              <a:rPr kumimoji="1" lang="ja-JP" altLang="en-US" sz="1200" kern="1200">
-                <a:solidFill>
-                  <a:schemeClr val="tx1"/>
-                </a:solidFill>
-                <a:effectLst/>
-                <a:latin typeface="+mn-lt"/>
-                <a:ea typeface="+mn-ea"/>
-                <a:cs typeface="+mn-cs"/>
-              </a:rPr>
-              <a:t>今回想定するのは携帯端末で構成されるネットワークであり，端末間に大きな差はないと考えられるため，スーパーノード型ネットワークではなく，アドホックネットワークを用いる</a:t>
-            </a:r>
-            <a:endParaRPr kumimoji="1" lang="en-US" altLang="ja-JP" sz="1200" kern="1200" dirty="0">
-              <a:solidFill>
-                <a:schemeClr val="tx1"/>
-              </a:solidFill>
-              <a:effectLst/>
-              <a:latin typeface="+mn-lt"/>
-              <a:ea typeface="+mn-ea"/>
-              <a:cs typeface="+mn-cs"/>
-            </a:endParaRPr>
-          </a:p>
-          <a:p>
-            <a:pPr marL="0" marR="0" lvl="0" indent="0" algn="l" defTabSz="914400" rtl="0" eaLnBrk="1" fontAlgn="auto" latinLnBrk="0" hangingPunct="1">
-              <a:lnSpc>
-                <a:spcPct val="100000"/>
-              </a:lnSpc>
-              <a:spcBef>
-                <a:spcPts val="0"/>
-              </a:spcBef>
-              <a:spcAft>
-                <a:spcPts val="0"/>
-              </a:spcAft>
-              <a:buClrTx/>
-              <a:buSzTx/>
-              <a:buFont typeface="Arial" panose="020B0604020202020204" pitchFamily="34" charset="0"/>
-              <a:buNone/>
+              <a:buChar char="•"/>
               <a:tabLst/>
               <a:defRPr/>
             </a:pPr>
@@ -1912,19 +2382,7 @@
                 <a:ea typeface="+mn-ea"/>
                 <a:cs typeface="+mn-cs"/>
               </a:rPr>
-              <a:t>インデクス</a:t>
-            </a:r>
-            <a:r>
-              <a:rPr kumimoji="1" lang="ja-JP" altLang="en-US" sz="1200" kern="1200" dirty="0">
-                <a:solidFill>
-                  <a:schemeClr val="tx1"/>
-                </a:solidFill>
-                <a:effectLst/>
-                <a:latin typeface="+mn-lt"/>
-                <a:ea typeface="+mn-ea"/>
-                <a:cs typeface="+mn-cs"/>
-              </a:rPr>
-              <a:t>情報は各ノードが分散して所持</a:t>
+              <a:t>インデクス情報は各ノードが分散して所持</a:t>
             </a:r>
             <a:endParaRPr kumimoji="1" lang="en-US" altLang="ja-JP" sz="1200" kern="1200" dirty="0">
               <a:solidFill>
@@ -1955,7 +2413,7 @@
               <a:defRPr/>
             </a:pPr>
             <a:r>
-              <a:rPr kumimoji="1" lang="ja-JP" altLang="en-US" sz="1200" kern="1200" dirty="0">
+              <a:rPr kumimoji="1" lang="ja-JP" altLang="en-US" sz="1200" kern="1200">
                 <a:solidFill>
                   <a:schemeClr val="tx1"/>
                 </a:solidFill>
@@ -1977,39 +2435,23 @@
             </a:endParaRPr>
           </a:p>
           <a:p>
-            <a:endParaRPr kumimoji="1" lang="en-US" altLang="ja-JP" dirty="0"/>
-          </a:p>
-          <a:p>
-            <a:r>
-              <a:rPr kumimoji="1" lang="ja-JP" altLang="en-US"/>
-              <a:t>全種類のデータの複製をネットワークに生存させるため，アップロードされるデータの種類が増えるとストレージ使用量も線型的に増加する</a:t>
-            </a:r>
-            <a:endParaRPr kumimoji="1" lang="en-US" altLang="ja-JP" dirty="0"/>
-          </a:p>
-          <a:p>
-            <a:endParaRPr kumimoji="1" lang="en-US" altLang="ja-JP" dirty="0"/>
-          </a:p>
-          <a:p>
-            <a:r>
-              <a:rPr kumimoji="1" lang="ja-JP" altLang="en-US"/>
-              <a:t>本研究では</a:t>
-            </a:r>
-            <a:r>
-              <a:rPr kumimoji="1" lang="en-US" altLang="ja-JP" dirty="0"/>
-              <a:t>pure</a:t>
-            </a:r>
-            <a:r>
-              <a:rPr kumimoji="1" lang="ja-JP" altLang="en-US"/>
-              <a:t>型の</a:t>
-            </a:r>
-            <a:r>
-              <a:rPr kumimoji="1" lang="en-US" altLang="ja-JP" dirty="0"/>
-              <a:t>P2P</a:t>
-            </a:r>
-            <a:r>
-              <a:rPr kumimoji="1" lang="ja-JP" altLang="en-US"/>
-              <a:t>をベースにしたアドホックネットワークで実装</a:t>
-            </a:r>
+            <a:pPr marL="628650" marR="0" lvl="1" indent="-171450" algn="l" defTabSz="914400" rtl="0" eaLnBrk="1" fontAlgn="auto" latinLnBrk="0" hangingPunct="1">
+              <a:lnSpc>
+                <a:spcPct val="100000"/>
+              </a:lnSpc>
+              <a:spcBef>
+                <a:spcPts val="0"/>
+              </a:spcBef>
+              <a:spcAft>
+                <a:spcPts val="0"/>
+              </a:spcAft>
+              <a:buClrTx/>
+              <a:buSzTx/>
+              <a:buFont typeface="Arial" panose="020B0604020202020204" pitchFamily="34" charset="0"/>
+              <a:buChar char="•"/>
+              <a:tabLst/>
+              <a:defRPr/>
+            </a:pPr>
             <a:endParaRPr kumimoji="1" lang="en-US" altLang="ja-JP" dirty="0"/>
           </a:p>
         </p:txBody>
@@ -2113,16 +2555,113 @@
             </a:pPr>
             <a:r>
               <a:rPr kumimoji="1" lang="ja-JP" altLang="en-US"/>
-              <a:t>ストレージ容量節約のため，</a:t>
+              <a:t>そこで今回提案するのが，低需要情報を一定期間生存させる複製配置手法です．</a:t>
+            </a:r>
+            <a:endParaRPr kumimoji="1" lang="en-US" altLang="ja-JP" dirty="0"/>
+          </a:p>
+          <a:p>
+            <a:pPr marL="0" marR="0" lvl="0" indent="0" algn="l" defTabSz="914400" rtl="0" eaLnBrk="1" fontAlgn="auto" latinLnBrk="0" hangingPunct="1">
+              <a:lnSpc>
+                <a:spcPct val="100000"/>
+              </a:lnSpc>
+              <a:spcBef>
+                <a:spcPts val="0"/>
+              </a:spcBef>
+              <a:spcAft>
+                <a:spcPts val="0"/>
+              </a:spcAft>
+              <a:buClrTx/>
+              <a:buSzTx/>
+              <a:buFontTx/>
+              <a:buNone/>
+              <a:tabLst/>
+              <a:defRPr/>
+            </a:pPr>
+            <a:r>
+              <a:rPr kumimoji="1" lang="ja-JP" altLang="en-US"/>
+              <a:t>データ要求時の</a:t>
+            </a:r>
+            <a:r>
+              <a:rPr kumimoji="1" lang="en-US" altLang="ja-JP" dirty="0"/>
+              <a:t>〜〜〜</a:t>
+            </a:r>
+            <a:r>
+              <a:rPr kumimoji="1" lang="ja-JP" altLang="en-US"/>
+              <a:t>．</a:t>
+            </a:r>
+            <a:endParaRPr kumimoji="1" lang="en-US" altLang="ja-JP" dirty="0"/>
+          </a:p>
+          <a:p>
+            <a:pPr marL="0" marR="0" lvl="0" indent="0" algn="l" defTabSz="914400" rtl="0" eaLnBrk="1" fontAlgn="auto" latinLnBrk="0" hangingPunct="1">
+              <a:lnSpc>
+                <a:spcPct val="100000"/>
+              </a:lnSpc>
+              <a:spcBef>
+                <a:spcPts val="0"/>
+              </a:spcBef>
+              <a:spcAft>
+                <a:spcPts val="0"/>
+              </a:spcAft>
+              <a:buClrTx/>
+              <a:buSzTx/>
+              <a:buFontTx/>
+              <a:buNone/>
+              <a:tabLst/>
+              <a:defRPr/>
+            </a:pPr>
+            <a:r>
+              <a:rPr kumimoji="1" lang="ja-JP" altLang="en-US"/>
+              <a:t>ストレージ容量節約のため，低需要情報の複製配置を開始してから一定期間データ要求がない場合，</a:t>
             </a:r>
             <a:r>
               <a:rPr lang="ja-JP" altLang="en-US"/>
-              <a:t>一定期間データ要求がないと複製配置を取りやめる</a:t>
+              <a:t>複製配置を取りやめます．</a:t>
             </a:r>
             <a:endParaRPr lang="en-US" altLang="ja-JP" dirty="0"/>
           </a:p>
           <a:p>
-            <a:endParaRPr kumimoji="1" lang="ja-JP" altLang="en-US"/>
+            <a:pPr marL="0" marR="0" lvl="0" indent="0" algn="l" defTabSz="914400" rtl="0" eaLnBrk="1" fontAlgn="auto" latinLnBrk="0" hangingPunct="1">
+              <a:lnSpc>
+                <a:spcPct val="100000"/>
+              </a:lnSpc>
+              <a:spcBef>
+                <a:spcPts val="0"/>
+              </a:spcBef>
+              <a:spcAft>
+                <a:spcPts val="0"/>
+              </a:spcAft>
+              <a:buClrTx/>
+              <a:buSzTx/>
+              <a:buFontTx/>
+              <a:buNone/>
+              <a:tabLst/>
+              <a:defRPr/>
+            </a:pPr>
+            <a:endParaRPr lang="en-US" altLang="ja-JP" dirty="0"/>
+          </a:p>
+          <a:p>
+            <a:pPr marL="0" marR="0" lvl="0" indent="0" algn="l" defTabSz="914400" rtl="0" eaLnBrk="1" fontAlgn="auto" latinLnBrk="0" hangingPunct="1">
+              <a:lnSpc>
+                <a:spcPct val="100000"/>
+              </a:lnSpc>
+              <a:spcBef>
+                <a:spcPts val="0"/>
+              </a:spcBef>
+              <a:spcAft>
+                <a:spcPts val="0"/>
+              </a:spcAft>
+              <a:buClrTx/>
+              <a:buSzTx/>
+              <a:buFontTx/>
+              <a:buNone/>
+              <a:tabLst/>
+              <a:defRPr/>
+            </a:pPr>
+            <a:r>
+              <a:rPr lang="ja-JP" altLang="en-US"/>
+              <a:t>これにより，情報を一定期間生存させつつ，ストレージ使用量を抑えます</a:t>
+            </a:r>
+            <a:endParaRPr lang="en-US" altLang="ja-JP" dirty="0"/>
           </a:p>
         </p:txBody>
       </p:sp>
@@ -2440,6 +2979,50 @@
           <a:bodyPr/>
           <a:lstStyle/>
           <a:p>
+            <a:r>
+              <a:rPr kumimoji="1" lang="ja-JP" altLang="en-US"/>
+              <a:t>続いて実験の概要についてです．</a:t>
+            </a:r>
+            <a:endParaRPr kumimoji="1" lang="en-US" altLang="ja-JP" dirty="0"/>
+          </a:p>
+          <a:p>
+            <a:r>
+              <a:rPr kumimoji="1" lang="en-US" altLang="ja-JP" dirty="0" err="1"/>
+              <a:t>Peersim</a:t>
+            </a:r>
+            <a:r>
+              <a:rPr kumimoji="1" lang="ja-JP" altLang="en-US"/>
+              <a:t>を用いて提案手法の実装とシミュレーションを行いました．</a:t>
+            </a:r>
+            <a:endParaRPr kumimoji="1" lang="en-US" altLang="ja-JP" dirty="0"/>
+          </a:p>
+          <a:p>
+            <a:r>
+              <a:rPr kumimoji="1" lang="en-US" altLang="ja-JP" dirty="0" err="1"/>
+              <a:t>Peersim</a:t>
+            </a:r>
+            <a:r>
+              <a:rPr kumimoji="1" lang="ja-JP" altLang="en-US"/>
+              <a:t>とは</a:t>
+            </a:r>
+            <a:r>
+              <a:rPr kumimoji="1" lang="en-US" altLang="ja-JP" dirty="0"/>
+              <a:t>〜〜</a:t>
+            </a:r>
+            <a:r>
+              <a:rPr kumimoji="1" lang="ja-JP" altLang="en-US"/>
+              <a:t>．</a:t>
+            </a:r>
+            <a:endParaRPr kumimoji="1" lang="en-US" altLang="ja-JP" dirty="0"/>
+          </a:p>
+          <a:p>
+            <a:endParaRPr kumimoji="1" lang="en-US" altLang="ja-JP" dirty="0"/>
+          </a:p>
+          <a:p>
+            <a:r>
+              <a:rPr kumimoji="1" lang="ja-JP" altLang="en-US"/>
+              <a:t>比較内容は４つの複製配置手法の評価を比較します．</a:t>
+            </a:r>
             <a:endParaRPr kumimoji="1" lang="en-US" altLang="ja-JP" dirty="0"/>
           </a:p>
         </p:txBody>
@@ -2526,7 +3109,25 @@
           <a:p>
             <a:r>
               <a:rPr kumimoji="1" lang="ja-JP" altLang="en-US"/>
-              <a:t>このシナリオが</a:t>
+              <a:t>シミュレーションは以下のシナリオに従い進行します．</a:t>
+            </a:r>
+            <a:endParaRPr kumimoji="1" lang="en-US" altLang="ja-JP" dirty="0"/>
+          </a:p>
+          <a:p>
+            <a:endParaRPr kumimoji="1" lang="en-US" altLang="ja-JP" dirty="0"/>
+          </a:p>
+          <a:p>
+            <a:r>
+              <a:rPr kumimoji="1" lang="ja-JP" altLang="en-US"/>
+              <a:t>シナリオの</a:t>
+            </a:r>
+            <a:r>
+              <a:rPr kumimoji="1" lang="en-US" altLang="ja-JP" dirty="0"/>
+              <a:t>1〜5</a:t>
+            </a:r>
+            <a:r>
+              <a:rPr kumimoji="1" lang="ja-JP" altLang="en-US"/>
+              <a:t>が完了で</a:t>
             </a:r>
             <a:r>
               <a:rPr kumimoji="1" lang="en-US" altLang="ja-JP" dirty="0"/>
@@ -2534,15 +3135,24 @@
             </a:r>
             <a:r>
               <a:rPr kumimoji="1" lang="ja-JP" altLang="en-US"/>
-              <a:t>サイクル．これが</a:t>
-            </a:r>
-            <a:r>
-              <a:rPr kumimoji="1" lang="en-US" altLang="ja-JP" dirty="0"/>
-              <a:t>500</a:t>
-            </a:r>
+              <a:t>サイクル</a:t>
+            </a:r>
+            <a:endParaRPr kumimoji="1" lang="en-US" altLang="ja-JP" dirty="0"/>
+          </a:p>
+          <a:p>
+            <a:endParaRPr kumimoji="1" lang="en-US" altLang="ja-JP" dirty="0"/>
+          </a:p>
+          <a:p>
             <a:r>
               <a:rPr kumimoji="1" lang="ja-JP" altLang="en-US"/>
-              <a:t>サイクル繰り返される</a:t>
+              <a:t>初期のデータ配置は？</a:t>
+            </a:r>
+            <a:endParaRPr kumimoji="1" lang="en-US" altLang="ja-JP" dirty="0"/>
+          </a:p>
+          <a:p>
+            <a:r>
+              <a:rPr kumimoji="1" lang="ja-JP" altLang="en-US"/>
+              <a:t>ネットワーク形成時点ではデータはない．あるデータが初めてデータ要求された（アップロード）サイクルでは，データ検索，複製配置を行わず，直接データ配置を行う</a:t>
             </a:r>
             <a:endParaRPr kumimoji="1" lang="en-US" altLang="ja-JP" dirty="0"/>
           </a:p>
@@ -2753,7 +3363,7 @@
           <a:p>
             <a:fld id="{C83228FC-489A-4ED2-A054-884AAE121656}" type="datetime1">
               <a:rPr kumimoji="1" lang="ja-JP" altLang="en-US" smtClean="0"/>
-              <a:t>2019/2/1</a:t>
+              <a:t>2019/2/11</a:t>
             </a:fld>
             <a:endParaRPr kumimoji="1" lang="ja-JP" altLang="en-US"/>
           </a:p>
@@ -3091,7 +3701,7 @@
           <a:p>
             <a:fld id="{E8EC3151-9D1E-4593-9942-0377CA1966B2}" type="datetime1">
               <a:rPr kumimoji="1" lang="ja-JP" altLang="en-US" smtClean="0"/>
-              <a:t>2019/2/1</a:t>
+              <a:t>2019/2/11</a:t>
             </a:fld>
             <a:endParaRPr kumimoji="1" lang="ja-JP" altLang="en-US"/>
           </a:p>
@@ -3280,7 +3890,7 @@
           <a:p>
             <a:fld id="{ADC24A77-C361-486C-B1D4-6DF26B54BF95}" type="datetime1">
               <a:rPr kumimoji="1" lang="ja-JP" altLang="en-US" smtClean="0"/>
-              <a:t>2019/2/1</a:t>
+              <a:t>2019/2/11</a:t>
             </a:fld>
             <a:endParaRPr kumimoji="1" lang="ja-JP" altLang="en-US"/>
           </a:p>
@@ -3458,7 +4068,7 @@
           <a:p>
             <a:fld id="{E01C7376-A53D-4899-9670-FB190108FC31}" type="datetime1">
               <a:rPr kumimoji="1" lang="ja-JP" altLang="en-US" smtClean="0"/>
-              <a:t>2019/2/1</a:t>
+              <a:t>2019/2/11</a:t>
             </a:fld>
             <a:endParaRPr kumimoji="1" lang="ja-JP" altLang="en-US"/>
           </a:p>
@@ -3772,7 +4382,7 @@
           <a:p>
             <a:fld id="{1C0BAC15-24E2-4529-95B0-614D7D03D21B}" type="datetime1">
               <a:rPr kumimoji="1" lang="ja-JP" altLang="en-US" smtClean="0"/>
-              <a:t>2019/2/1</a:t>
+              <a:t>2019/2/11</a:t>
             </a:fld>
             <a:endParaRPr kumimoji="1" lang="ja-JP" altLang="en-US"/>
           </a:p>
@@ -4182,7 +4792,7 @@
           <a:p>
             <a:fld id="{A4742437-2F5E-4D34-A876-B1B17D5537D4}" type="datetime1">
               <a:rPr kumimoji="1" lang="ja-JP" altLang="en-US" smtClean="0"/>
-              <a:t>2019/2/1</a:t>
+              <a:t>2019/2/11</a:t>
             </a:fld>
             <a:endParaRPr kumimoji="1" lang="ja-JP" altLang="en-US"/>
           </a:p>
@@ -4749,7 +5359,7 @@
           <a:p>
             <a:fld id="{304A8BAA-B7AC-4D6B-824D-F3585913B44C}" type="datetime1">
               <a:rPr kumimoji="1" lang="ja-JP" altLang="en-US" smtClean="0"/>
-              <a:t>2019/2/1</a:t>
+              <a:t>2019/2/11</a:t>
             </a:fld>
             <a:endParaRPr kumimoji="1" lang="ja-JP" altLang="en-US"/>
           </a:p>
@@ -4867,7 +5477,7 @@
           <a:p>
             <a:fld id="{F6C564CF-1606-414A-B5A2-75C75D81B17B}" type="datetime1">
               <a:rPr kumimoji="1" lang="ja-JP" altLang="en-US" smtClean="0"/>
-              <a:t>2019/2/1</a:t>
+              <a:t>2019/2/11</a:t>
             </a:fld>
             <a:endParaRPr kumimoji="1" lang="ja-JP" altLang="en-US"/>
           </a:p>
@@ -4962,7 +5572,7 @@
           <a:p>
             <a:fld id="{B11EBCC9-E4F6-446E-991B-1DF90B6256B0}" type="datetime1">
               <a:rPr kumimoji="1" lang="ja-JP" altLang="en-US" smtClean="0"/>
-              <a:t>2019/2/1</a:t>
+              <a:t>2019/2/11</a:t>
             </a:fld>
             <a:endParaRPr kumimoji="1" lang="ja-JP" altLang="en-US"/>
           </a:p>
@@ -5353,7 +5963,7 @@
           <a:p>
             <a:fld id="{E8EC3151-9D1E-4593-9942-0377CA1966B2}" type="datetime1">
               <a:rPr kumimoji="1" lang="ja-JP" altLang="en-US" smtClean="0"/>
-              <a:t>2019/2/1</a:t>
+              <a:t>2019/2/11</a:t>
             </a:fld>
             <a:endParaRPr kumimoji="1" lang="ja-JP" altLang="en-US"/>
           </a:p>
@@ -5779,7 +6389,7 @@
           <a:p>
             <a:fld id="{CBF9DA8D-45E4-44EC-B6B7-4D4503E62A1A}" type="datetime1">
               <a:rPr kumimoji="1" lang="ja-JP" altLang="en-US" smtClean="0"/>
-              <a:t>2019/2/1</a:t>
+              <a:t>2019/2/11</a:t>
             </a:fld>
             <a:endParaRPr kumimoji="1" lang="ja-JP" altLang="en-US"/>
           </a:p>
@@ -6061,7 +6671,7 @@
           <a:p>
             <a:fld id="{E8EC3151-9D1E-4593-9942-0377CA1966B2}" type="datetime1">
               <a:rPr kumimoji="1" lang="ja-JP" altLang="en-US" smtClean="0"/>
-              <a:t>2019/2/1</a:t>
+              <a:t>2019/2/11</a:t>
             </a:fld>
             <a:endParaRPr kumimoji="1" lang="ja-JP" altLang="en-US"/>
           </a:p>
@@ -6234,7 +6844,7 @@
         </a:spcAft>
         <a:buFont typeface="Wingdings" pitchFamily="2" charset="2"/>
         <a:buChar char="n"/>
-        <a:defRPr kumimoji="1" sz="3200" kern="1200" baseline="0">
+        <a:defRPr kumimoji="1" sz="3000" kern="1200" baseline="0">
           <a:solidFill>
             <a:schemeClr val="tx2"/>
           </a:solidFill>
@@ -6256,7 +6866,7 @@
         <a:buSzPct val="70000"/>
         <a:buFont typeface="システムフォント"/>
         <a:buChar char="—"/>
-        <a:defRPr kumimoji="1" sz="2900" i="1" kern="1200" baseline="0">
+        <a:defRPr kumimoji="1" sz="2700" i="1" kern="1200" baseline="0">
           <a:solidFill>
             <a:schemeClr val="tx2"/>
           </a:solidFill>
@@ -6279,7 +6889,7 @@
         <a:buSzPct val="70000"/>
         <a:buFont typeface="システムフォント"/>
         <a:buChar char="—"/>
-        <a:defRPr kumimoji="1" sz="2700" kern="1200" baseline="0">
+        <a:defRPr kumimoji="1" sz="2500" kern="1200" baseline="0">
           <a:solidFill>
             <a:schemeClr val="tx2"/>
           </a:solidFill>
@@ -6301,7 +6911,7 @@
         <a:buSzPct val="70000"/>
         <a:buFont typeface="システムフォント"/>
         <a:buChar char="—"/>
-        <a:defRPr kumimoji="1" sz="2500" i="1" kern="1200" baseline="0">
+        <a:defRPr kumimoji="1" sz="2300" i="1" kern="1200" baseline="0">
           <a:solidFill>
             <a:schemeClr val="tx2"/>
           </a:solidFill>
@@ -6323,7 +6933,7 @@
         <a:buSzPct val="70000"/>
         <a:buFont typeface="システムフォント"/>
         <a:buChar char="—"/>
-        <a:defRPr kumimoji="1" sz="2300" kern="1200" baseline="0">
+        <a:defRPr kumimoji="1" sz="2100" kern="1200" baseline="0">
           <a:solidFill>
             <a:schemeClr val="tx2"/>
           </a:solidFill>
@@ -6753,12 +7363,12 @@
         </p:spPr>
         <p:txBody>
           <a:bodyPr>
-            <a:normAutofit fontScale="92500" lnSpcReduction="20000"/>
+            <a:normAutofit fontScale="92500" lnSpcReduction="10000"/>
           </a:bodyPr>
           <a:lstStyle/>
           <a:p>
             <a:r>
-              <a:rPr lang="ja-JP" altLang="en-US"/>
+              <a:rPr lang="ja-JP" altLang="en-US" dirty="0"/>
               <a:t>シナリオ</a:t>
             </a:r>
             <a:endParaRPr kumimoji="1" lang="en-US" altLang="ja-JP" dirty="0"/>
@@ -6769,7 +7379,7 @@
               <a:buAutoNum type="arabicPeriod"/>
             </a:pPr>
             <a:r>
-              <a:rPr kumimoji="1" lang="ja-JP" altLang="en-US"/>
+              <a:rPr kumimoji="1" lang="ja-JP" altLang="en-US" dirty="0"/>
               <a:t>各ノードのデータ要求</a:t>
             </a:r>
             <a:endParaRPr kumimoji="1" lang="en-US" altLang="ja-JP" dirty="0"/>
@@ -6780,7 +7390,7 @@
               <a:buAutoNum type="arabicPeriod"/>
             </a:pPr>
             <a:r>
-              <a:rPr lang="ja-JP" altLang="en-US"/>
+              <a:rPr lang="ja-JP" altLang="en-US" dirty="0"/>
               <a:t>複製数の計測</a:t>
             </a:r>
             <a:endParaRPr lang="en-US" altLang="ja-JP" dirty="0"/>
@@ -6791,8 +7401,8 @@
               <a:buAutoNum type="arabicPeriod"/>
             </a:pPr>
             <a:r>
-              <a:rPr lang="ja-JP" altLang="en-US"/>
-              <a:t>関連研究の提案手法と，本提案手法のみ，低需要情報があれば複製配置</a:t>
+              <a:rPr lang="ja-JP" altLang="en-US" dirty="0"/>
+              <a:t>影山らの提案手法と，本提案手法のみ，低需要情報があれば複製配置</a:t>
             </a:r>
             <a:endParaRPr lang="en-US" altLang="ja-JP" dirty="0"/>
           </a:p>
@@ -6802,11 +7412,11 @@
               <a:buAutoNum type="arabicPeriod"/>
             </a:pPr>
             <a:r>
-              <a:rPr lang="ja-JP" altLang="en-US"/>
+              <a:rPr lang="ja-JP" altLang="en-US" dirty="0"/>
               <a:t>情報</a:t>
             </a:r>
             <a:r>
-              <a:rPr kumimoji="1" lang="ja-JP" altLang="en-US"/>
+              <a:rPr kumimoji="1" lang="ja-JP" altLang="en-US" dirty="0"/>
               <a:t>の削除</a:t>
             </a:r>
             <a:endParaRPr kumimoji="1" lang="en-US" altLang="ja-JP" dirty="0"/>
@@ -6817,7 +7427,7 @@
               <a:buAutoNum type="arabicPeriod"/>
             </a:pPr>
             <a:r>
-              <a:rPr lang="ja-JP" altLang="en-US"/>
+              <a:rPr lang="ja-JP" altLang="en-US" dirty="0"/>
               <a:t>ノードの参加・離脱</a:t>
             </a:r>
             <a:endParaRPr kumimoji="1" lang="en-US" altLang="ja-JP" dirty="0"/>
@@ -6830,7 +7440,7 @@
           </a:p>
           <a:p>
             <a:r>
-              <a:rPr kumimoji="1" lang="ja-JP" altLang="en-US"/>
+              <a:rPr kumimoji="1" lang="ja-JP" altLang="en-US" dirty="0"/>
               <a:t>環境</a:t>
             </a:r>
             <a:endParaRPr kumimoji="1" lang="en-US" altLang="ja-JP" dirty="0"/>
@@ -6839,18 +7449,14 @@
             <a:pPr lvl="1"/>
             <a:r>
               <a:rPr lang="ja-JP" altLang="en-US" dirty="0"/>
-              <a:t>ノード数</a:t>
-            </a:r>
-            <a:r>
-              <a:rPr lang="ja-JP" altLang="en-US"/>
-              <a:t>：</a:t>
+              <a:t>ノード数：</a:t>
             </a:r>
             <a:r>
               <a:rPr lang="en-US" altLang="ja-JP" dirty="0"/>
               <a:t>2000</a:t>
             </a:r>
             <a:r>
-              <a:rPr lang="ja-JP" altLang="en-US"/>
+              <a:rPr lang="ja-JP" altLang="en-US" dirty="0"/>
               <a:t>個</a:t>
             </a:r>
             <a:endParaRPr lang="en-US" altLang="ja-JP" dirty="0"/>
@@ -6859,18 +7465,14 @@
             <a:pPr lvl="1"/>
             <a:r>
               <a:rPr kumimoji="1" lang="ja-JP" altLang="en-US" dirty="0"/>
-              <a:t>サイクル数</a:t>
-            </a:r>
-            <a:r>
-              <a:rPr kumimoji="1" lang="ja-JP" altLang="en-US"/>
-              <a:t>：</a:t>
+              <a:t>サイクル数：</a:t>
             </a:r>
             <a:r>
               <a:rPr kumimoji="1" lang="en-US" altLang="ja-JP" dirty="0"/>
               <a:t>500</a:t>
             </a:r>
             <a:r>
-              <a:rPr kumimoji="1" lang="ja-JP" altLang="en-US"/>
+              <a:rPr kumimoji="1" lang="ja-JP" altLang="en-US" dirty="0"/>
               <a:t>サイクル</a:t>
             </a:r>
             <a:endParaRPr kumimoji="1" lang="en-US" altLang="ja-JP" dirty="0"/>
@@ -6878,7 +7480,7 @@
           <a:p>
             <a:pPr lvl="1"/>
             <a:r>
-              <a:rPr lang="ja-JP" altLang="en-US"/>
+              <a:rPr lang="ja-JP" altLang="en-US" dirty="0"/>
               <a:t>情報の種類：</a:t>
             </a:r>
             <a:r>
@@ -6886,7 +7488,7 @@
               <a:t>50</a:t>
             </a:r>
             <a:r>
-              <a:rPr lang="ja-JP" altLang="en-US"/>
+              <a:rPr lang="ja-JP" altLang="en-US" dirty="0"/>
               <a:t>種類</a:t>
             </a:r>
             <a:endParaRPr lang="en-US" altLang="ja-JP" dirty="0"/>
@@ -6982,7 +7584,7 @@
         </p:nvSpPr>
         <p:spPr>
           <a:xfrm>
-            <a:off x="1371600" y="1448206"/>
+            <a:off x="1358171" y="1338631"/>
             <a:ext cx="9601200" cy="1142804"/>
           </a:xfrm>
         </p:spPr>
@@ -6993,154 +7595,17 @@
           <a:lstStyle/>
           <a:p>
             <a:r>
-              <a:rPr lang="ja-JP" altLang="en-US"/>
+              <a:rPr lang="ja-JP" altLang="en-US" dirty="0"/>
               <a:t>複製配置手法ごと</a:t>
             </a:r>
             <a:r>
-              <a:rPr kumimoji="1" lang="ja-JP" altLang="en-US"/>
+              <a:rPr kumimoji="1" lang="ja-JP" altLang="en-US" dirty="0"/>
               <a:t>の複製数の推移</a:t>
             </a:r>
-            <a:endParaRPr kumimoji="1" lang="en-US" altLang="ja-JP" dirty="0"/>
+            <a:endParaRPr lang="en-US" altLang="ja-JP" sz="3000" dirty="0"/>
           </a:p>
         </p:txBody>
       </p:sp>
-      <p:sp>
-        <p:nvSpPr>
-          <p:cNvPr id="4" name="スライド番号プレースホルダー 3"/>
-          <p:cNvSpPr>
-            <a:spLocks noGrp="1"/>
-          </p:cNvSpPr>
-          <p:nvPr>
-            <p:ph type="sldNum" sz="quarter" idx="12"/>
-          </p:nvPr>
-        </p:nvSpPr>
-        <p:spPr/>
-        <p:txBody>
-          <a:bodyPr/>
-          <a:lstStyle/>
-          <a:p>
-            <a:fld id="{174B259E-A4AB-4FC2-896B-65961FDB8F0F}" type="slidenum">
-              <a:rPr kumimoji="1" lang="ja-JP" altLang="en-US" b="1" smtClean="0"/>
-              <a:t>11</a:t>
-            </a:fld>
-            <a:endParaRPr kumimoji="1" lang="ja-JP" altLang="en-US" b="1"/>
-          </a:p>
-        </p:txBody>
-      </p:sp>
-      <p:grpSp>
-        <p:nvGrpSpPr>
-          <p:cNvPr id="9" name="グループ化 8">
-            <a:extLst>
-              <a:ext uri="{FF2B5EF4-FFF2-40B4-BE49-F238E27FC236}">
-                <a16:creationId xmlns:a16="http://schemas.microsoft.com/office/drawing/2014/main" id="{36D2EFFB-FCD6-494F-AA16-DD858F30A6BE}"/>
-              </a:ext>
-            </a:extLst>
-          </p:cNvPr>
-          <p:cNvGrpSpPr/>
-          <p:nvPr/>
-        </p:nvGrpSpPr>
-        <p:grpSpPr>
-          <a:xfrm>
-            <a:off x="439741" y="2019608"/>
-            <a:ext cx="6570102" cy="4686300"/>
-            <a:chOff x="440871" y="2171700"/>
-            <a:chExt cx="6570102" cy="4686300"/>
-          </a:xfrm>
-        </p:grpSpPr>
-        <p:sp>
-          <p:nvSpPr>
-            <p:cNvPr id="5" name="正方形/長方形 4">
-              <a:extLst>
-                <a:ext uri="{FF2B5EF4-FFF2-40B4-BE49-F238E27FC236}">
-                  <a16:creationId xmlns:a16="http://schemas.microsoft.com/office/drawing/2014/main" id="{EE33D5C6-E8AA-A145-A409-98E3900475FE}"/>
-                </a:ext>
-              </a:extLst>
-            </p:cNvPr>
-            <p:cNvSpPr/>
-            <p:nvPr/>
-          </p:nvSpPr>
-          <p:spPr>
-            <a:xfrm>
-              <a:off x="440871" y="2171700"/>
-              <a:ext cx="6568972" cy="4686300"/>
-            </a:xfrm>
-            <a:prstGeom prst="rect">
-              <a:avLst/>
-            </a:prstGeom>
-            <a:solidFill>
-              <a:schemeClr val="bg1"/>
-            </a:solidFill>
-            <a:ln>
-              <a:solidFill>
-                <a:schemeClr val="bg1"/>
-              </a:solidFill>
-            </a:ln>
-          </p:spPr>
-          <p:style>
-            <a:lnRef idx="2">
-              <a:schemeClr val="accent1">
-                <a:shade val="50000"/>
-              </a:schemeClr>
-            </a:lnRef>
-            <a:fillRef idx="1">
-              <a:schemeClr val="accent1"/>
-            </a:fillRef>
-            <a:effectRef idx="0">
-              <a:schemeClr val="accent1"/>
-            </a:effectRef>
-            <a:fontRef idx="minor">
-              <a:schemeClr val="lt1"/>
-            </a:fontRef>
-          </p:style>
-          <p:txBody>
-            <a:bodyPr rtlCol="0" anchor="ctr"/>
-            <a:lstStyle/>
-            <a:p>
-              <a:pPr algn="ctr"/>
-              <a:endParaRPr kumimoji="1" lang="ja-JP" altLang="en-US"/>
-            </a:p>
-          </p:txBody>
-        </p:sp>
-        <p:pic>
-          <p:nvPicPr>
-            <p:cNvPr id="8" name="図 7">
-              <a:extLst>
-                <a:ext uri="{FF2B5EF4-FFF2-40B4-BE49-F238E27FC236}">
-                  <a16:creationId xmlns:a16="http://schemas.microsoft.com/office/drawing/2014/main" id="{9E75FE97-7274-EF43-AD2A-0F3DE848DF1D}"/>
-                </a:ext>
-              </a:extLst>
-            </p:cNvPr>
-            <p:cNvPicPr>
-              <a:picLocks noChangeAspect="1"/>
-            </p:cNvPicPr>
-            <p:nvPr/>
-          </p:nvPicPr>
-          <p:blipFill>
-            <a:blip r:embed="rId3">
-              <a:extLst>
-                <a:ext uri="{28A0092B-C50C-407E-A947-70E740481C1C}">
-                  <a14:useLocalDpi xmlns:a14="http://schemas.microsoft.com/office/drawing/2010/main" val="0"/>
-                </a:ext>
-              </a:extLst>
-            </a:blip>
-            <a:stretch>
-              <a:fillRect/>
-            </a:stretch>
-          </p:blipFill>
-          <p:spPr>
-            <a:xfrm>
-              <a:off x="445741" y="2262338"/>
-              <a:ext cx="6565232" cy="4595662"/>
-            </a:xfrm>
-            <a:prstGeom prst="rect">
-              <a:avLst/>
-            </a:prstGeom>
-            <a:ln>
-              <a:noFill/>
-            </a:ln>
-          </p:spPr>
-        </p:pic>
-      </p:grpSp>
       <p:sp>
         <p:nvSpPr>
           <p:cNvPr id="7" name="コンテンツ プレースホルダー 2">
@@ -7157,7 +7622,7 @@
         </p:nvSpPr>
         <p:spPr>
           <a:xfrm>
-            <a:off x="7009843" y="3795576"/>
+            <a:off x="7385019" y="2067103"/>
             <a:ext cx="4925785" cy="1453244"/>
           </a:xfrm>
           <a:prstGeom prst="rect">
@@ -7367,7 +7832,7 @@
           <a:p>
             <a:pPr marL="457200" indent="-457200"/>
             <a:r>
-              <a:rPr lang="ja-JP" altLang="en-US"/>
+              <a:rPr lang="ja-JP" altLang="en-US" dirty="0"/>
               <a:t>本提案手法</a:t>
             </a:r>
             <a:r>
@@ -7378,7 +7843,7 @@
           <a:p>
             <a:pPr lvl="1"/>
             <a:r>
-              <a:rPr lang="ja-JP" altLang="en-US" sz="2400"/>
+              <a:rPr lang="ja-JP" altLang="en-US" sz="2400" dirty="0"/>
               <a:t>一定期間複製数を維持し続け，その後消滅している</a:t>
             </a:r>
           </a:p>
@@ -7387,6 +7852,956 @@
           </a:p>
         </p:txBody>
       </p:sp>
+      <p:grpSp>
+        <p:nvGrpSpPr>
+          <p:cNvPr id="11" name="グループ化 10">
+            <a:extLst>
+              <a:ext uri="{FF2B5EF4-FFF2-40B4-BE49-F238E27FC236}">
+                <a16:creationId xmlns:a16="http://schemas.microsoft.com/office/drawing/2014/main" id="{7E67E402-E79B-2649-9195-20878EF213FD}"/>
+              </a:ext>
+            </a:extLst>
+          </p:cNvPr>
+          <p:cNvGrpSpPr/>
+          <p:nvPr/>
+        </p:nvGrpSpPr>
+        <p:grpSpPr>
+          <a:xfrm>
+            <a:off x="165880" y="2016735"/>
+            <a:ext cx="6655467" cy="4790540"/>
+            <a:chOff x="778043" y="3353416"/>
+            <a:chExt cx="4467727" cy="3215826"/>
+          </a:xfrm>
+        </p:grpSpPr>
+        <p:sp>
+          <p:nvSpPr>
+            <p:cNvPr id="10" name="正方形/長方形 9">
+              <a:extLst>
+                <a:ext uri="{FF2B5EF4-FFF2-40B4-BE49-F238E27FC236}">
+                  <a16:creationId xmlns:a16="http://schemas.microsoft.com/office/drawing/2014/main" id="{75BF41BE-1DF1-C547-9D31-0650634FFCA5}"/>
+                </a:ext>
+              </a:extLst>
+            </p:cNvPr>
+            <p:cNvSpPr/>
+            <p:nvPr/>
+          </p:nvSpPr>
+          <p:spPr>
+            <a:xfrm>
+              <a:off x="778043" y="3353416"/>
+              <a:ext cx="4467727" cy="3215826"/>
+            </a:xfrm>
+            <a:prstGeom prst="rect">
+              <a:avLst/>
+            </a:prstGeom>
+            <a:solidFill>
+              <a:schemeClr val="bg1"/>
+            </a:solidFill>
+            <a:ln>
+              <a:solidFill>
+                <a:schemeClr val="bg1"/>
+              </a:solidFill>
+            </a:ln>
+          </p:spPr>
+          <p:style>
+            <a:lnRef idx="2">
+              <a:schemeClr val="accent1">
+                <a:shade val="50000"/>
+              </a:schemeClr>
+            </a:lnRef>
+            <a:fillRef idx="1">
+              <a:schemeClr val="accent1"/>
+            </a:fillRef>
+            <a:effectRef idx="0">
+              <a:schemeClr val="accent1"/>
+            </a:effectRef>
+            <a:fontRef idx="minor">
+              <a:schemeClr val="lt1"/>
+            </a:fontRef>
+          </p:style>
+          <p:txBody>
+            <a:bodyPr rtlCol="0" anchor="ctr"/>
+            <a:lstStyle/>
+            <a:p>
+              <a:pPr algn="ctr"/>
+              <a:endParaRPr kumimoji="1" lang="ja-JP" altLang="en-US">
+                <a:ln>
+                  <a:solidFill>
+                    <a:schemeClr val="bg1"/>
+                  </a:solidFill>
+                </a:ln>
+                <a:solidFill>
+                  <a:schemeClr val="bg1"/>
+                </a:solidFill>
+              </a:endParaRPr>
+            </a:p>
+          </p:txBody>
+        </p:sp>
+        <p:pic>
+          <p:nvPicPr>
+            <p:cNvPr id="6" name="図 5">
+              <a:extLst>
+                <a:ext uri="{FF2B5EF4-FFF2-40B4-BE49-F238E27FC236}">
+                  <a16:creationId xmlns:a16="http://schemas.microsoft.com/office/drawing/2014/main" id="{57E880DB-37EA-0940-9594-99A16E6D1133}"/>
+                </a:ext>
+              </a:extLst>
+            </p:cNvPr>
+            <p:cNvPicPr>
+              <a:picLocks noChangeAspect="1"/>
+            </p:cNvPicPr>
+            <p:nvPr/>
+          </p:nvPicPr>
+          <p:blipFill>
+            <a:blip r:embed="rId3">
+              <a:extLst>
+                <a:ext uri="{28A0092B-C50C-407E-A947-70E740481C1C}">
+                  <a14:useLocalDpi xmlns:a14="http://schemas.microsoft.com/office/drawing/2010/main" val="0"/>
+                </a:ext>
+              </a:extLst>
+            </a:blip>
+            <a:stretch>
+              <a:fillRect/>
+            </a:stretch>
+          </p:blipFill>
+          <p:spPr>
+            <a:xfrm>
+              <a:off x="778043" y="3353416"/>
+              <a:ext cx="4467727" cy="3127409"/>
+            </a:xfrm>
+            <a:prstGeom prst="rect">
+              <a:avLst/>
+            </a:prstGeom>
+          </p:spPr>
+        </p:pic>
+      </p:grpSp>
+      <p:sp>
+        <p:nvSpPr>
+          <p:cNvPr id="8" name="正方形/長方形 7">
+            <a:extLst>
+              <a:ext uri="{FF2B5EF4-FFF2-40B4-BE49-F238E27FC236}">
+                <a16:creationId xmlns:a16="http://schemas.microsoft.com/office/drawing/2014/main" id="{1D9DFAE5-3BD0-3C48-BF69-155FF13505BE}"/>
+              </a:ext>
+            </a:extLst>
+          </p:cNvPr>
+          <p:cNvSpPr/>
+          <p:nvPr/>
+        </p:nvSpPr>
+        <p:spPr>
+          <a:xfrm>
+            <a:off x="2456383" y="5824602"/>
+            <a:ext cx="462181" cy="537081"/>
+          </a:xfrm>
+          <a:prstGeom prst="rect">
+            <a:avLst/>
+          </a:prstGeom>
+          <a:noFill/>
+          <a:ln>
+            <a:solidFill>
+              <a:srgbClr val="FF0000"/>
+            </a:solidFill>
+            <a:prstDash val="sysDash"/>
+          </a:ln>
+        </p:spPr>
+        <p:style>
+          <a:lnRef idx="2">
+            <a:schemeClr val="accent1">
+              <a:shade val="50000"/>
+            </a:schemeClr>
+          </a:lnRef>
+          <a:fillRef idx="1">
+            <a:schemeClr val="accent1"/>
+          </a:fillRef>
+          <a:effectRef idx="0">
+            <a:schemeClr val="accent1"/>
+          </a:effectRef>
+          <a:fontRef idx="minor">
+            <a:schemeClr val="lt1"/>
+          </a:fontRef>
+        </p:style>
+        <p:txBody>
+          <a:bodyPr rtlCol="0" anchor="ctr"/>
+          <a:lstStyle/>
+          <a:p>
+            <a:pPr algn="ctr"/>
+            <a:endParaRPr kumimoji="1" lang="ja-JP" altLang="en-US"/>
+          </a:p>
+        </p:txBody>
+      </p:sp>
+      <p:sp>
+        <p:nvSpPr>
+          <p:cNvPr id="14" name="正方形/長方形 13">
+            <a:extLst>
+              <a:ext uri="{FF2B5EF4-FFF2-40B4-BE49-F238E27FC236}">
+                <a16:creationId xmlns:a16="http://schemas.microsoft.com/office/drawing/2014/main" id="{0B44A715-3607-5340-908E-BBBC2ACAC01C}"/>
+              </a:ext>
+            </a:extLst>
+          </p:cNvPr>
+          <p:cNvSpPr/>
+          <p:nvPr/>
+        </p:nvSpPr>
+        <p:spPr>
+          <a:xfrm>
+            <a:off x="3482236" y="6062597"/>
+            <a:ext cx="562681" cy="299086"/>
+          </a:xfrm>
+          <a:prstGeom prst="rect">
+            <a:avLst/>
+          </a:prstGeom>
+          <a:noFill/>
+          <a:ln>
+            <a:solidFill>
+              <a:srgbClr val="FF0000"/>
+            </a:solidFill>
+            <a:prstDash val="sysDash"/>
+          </a:ln>
+        </p:spPr>
+        <p:style>
+          <a:lnRef idx="2">
+            <a:schemeClr val="accent1">
+              <a:shade val="50000"/>
+            </a:schemeClr>
+          </a:lnRef>
+          <a:fillRef idx="1">
+            <a:schemeClr val="accent1"/>
+          </a:fillRef>
+          <a:effectRef idx="0">
+            <a:schemeClr val="accent1"/>
+          </a:effectRef>
+          <a:fontRef idx="minor">
+            <a:schemeClr val="lt1"/>
+          </a:fontRef>
+        </p:style>
+        <p:txBody>
+          <a:bodyPr rtlCol="0" anchor="ctr"/>
+          <a:lstStyle/>
+          <a:p>
+            <a:pPr algn="ctr"/>
+            <a:endParaRPr kumimoji="1" lang="ja-JP" altLang="en-US"/>
+          </a:p>
+        </p:txBody>
+      </p:sp>
+      <p:grpSp>
+        <p:nvGrpSpPr>
+          <p:cNvPr id="23" name="グループ化 22">
+            <a:extLst>
+              <a:ext uri="{FF2B5EF4-FFF2-40B4-BE49-F238E27FC236}">
+                <a16:creationId xmlns:a16="http://schemas.microsoft.com/office/drawing/2014/main" id="{1D351E65-875B-9E41-8540-5FF36D76A420}"/>
+              </a:ext>
+            </a:extLst>
+          </p:cNvPr>
+          <p:cNvGrpSpPr/>
+          <p:nvPr/>
+        </p:nvGrpSpPr>
+        <p:grpSpPr>
+          <a:xfrm>
+            <a:off x="2909570" y="1842566"/>
+            <a:ext cx="4572000" cy="3279013"/>
+            <a:chOff x="2909570" y="1842566"/>
+            <a:chExt cx="4572000" cy="3279013"/>
+          </a:xfrm>
+        </p:grpSpPr>
+        <p:sp>
+          <p:nvSpPr>
+            <p:cNvPr id="22" name="正方形/長方形 21">
+              <a:extLst>
+                <a:ext uri="{FF2B5EF4-FFF2-40B4-BE49-F238E27FC236}">
+                  <a16:creationId xmlns:a16="http://schemas.microsoft.com/office/drawing/2014/main" id="{A1FCC47F-636A-354E-BFEF-4F91A2325769}"/>
+                </a:ext>
+              </a:extLst>
+            </p:cNvPr>
+            <p:cNvSpPr/>
+            <p:nvPr/>
+          </p:nvSpPr>
+          <p:spPr>
+            <a:xfrm>
+              <a:off x="2909570" y="1842566"/>
+              <a:ext cx="4475449" cy="3279013"/>
+            </a:xfrm>
+            <a:prstGeom prst="rect">
+              <a:avLst/>
+            </a:prstGeom>
+            <a:solidFill>
+              <a:schemeClr val="bg1"/>
+            </a:solidFill>
+            <a:ln w="12700">
+              <a:solidFill>
+                <a:schemeClr val="tx1"/>
+              </a:solidFill>
+            </a:ln>
+          </p:spPr>
+          <p:style>
+            <a:lnRef idx="2">
+              <a:schemeClr val="accent1">
+                <a:shade val="50000"/>
+              </a:schemeClr>
+            </a:lnRef>
+            <a:fillRef idx="1">
+              <a:schemeClr val="accent1"/>
+            </a:fillRef>
+            <a:effectRef idx="0">
+              <a:schemeClr val="accent1"/>
+            </a:effectRef>
+            <a:fontRef idx="minor">
+              <a:schemeClr val="lt1"/>
+            </a:fontRef>
+          </p:style>
+          <p:txBody>
+            <a:bodyPr rtlCol="0" anchor="ctr"/>
+            <a:lstStyle/>
+            <a:p>
+              <a:pPr algn="ctr"/>
+              <a:endParaRPr kumimoji="1" lang="ja-JP" altLang="en-US"/>
+            </a:p>
+          </p:txBody>
+        </p:sp>
+        <p:pic>
+          <p:nvPicPr>
+            <p:cNvPr id="21" name="図 20">
+              <a:extLst>
+                <a:ext uri="{FF2B5EF4-FFF2-40B4-BE49-F238E27FC236}">
+                  <a16:creationId xmlns:a16="http://schemas.microsoft.com/office/drawing/2014/main" id="{3CDDF625-8555-1C48-B0FA-058AAF2117BD}"/>
+                </a:ext>
+              </a:extLst>
+            </p:cNvPr>
+            <p:cNvPicPr>
+              <a:picLocks noChangeAspect="1"/>
+            </p:cNvPicPr>
+            <p:nvPr/>
+          </p:nvPicPr>
+          <p:blipFill>
+            <a:blip r:embed="rId4">
+              <a:extLst>
+                <a:ext uri="{28A0092B-C50C-407E-A947-70E740481C1C}">
+                  <a14:useLocalDpi xmlns:a14="http://schemas.microsoft.com/office/drawing/2010/main" val="0"/>
+                </a:ext>
+              </a:extLst>
+            </a:blip>
+            <a:stretch>
+              <a:fillRect/>
+            </a:stretch>
+          </p:blipFill>
+          <p:spPr>
+            <a:xfrm>
+              <a:off x="2909570" y="1842566"/>
+              <a:ext cx="4572000" cy="3200400"/>
+            </a:xfrm>
+            <a:prstGeom prst="rect">
+              <a:avLst/>
+            </a:prstGeom>
+          </p:spPr>
+        </p:pic>
+      </p:grpSp>
+      <p:grpSp>
+        <p:nvGrpSpPr>
+          <p:cNvPr id="25" name="グループ化 24">
+            <a:extLst>
+              <a:ext uri="{FF2B5EF4-FFF2-40B4-BE49-F238E27FC236}">
+                <a16:creationId xmlns:a16="http://schemas.microsoft.com/office/drawing/2014/main" id="{5E3A7DC3-5EC3-EE41-8FF2-EA15ABAE27F3}"/>
+              </a:ext>
+            </a:extLst>
+          </p:cNvPr>
+          <p:cNvGrpSpPr/>
+          <p:nvPr/>
+        </p:nvGrpSpPr>
+        <p:grpSpPr>
+          <a:xfrm>
+            <a:off x="6821347" y="3438449"/>
+            <a:ext cx="4572000" cy="3287647"/>
+            <a:chOff x="7385019" y="3519628"/>
+            <a:chExt cx="4572000" cy="3287647"/>
+          </a:xfrm>
+        </p:grpSpPr>
+        <p:sp>
+          <p:nvSpPr>
+            <p:cNvPr id="24" name="正方形/長方形 23">
+              <a:extLst>
+                <a:ext uri="{FF2B5EF4-FFF2-40B4-BE49-F238E27FC236}">
+                  <a16:creationId xmlns:a16="http://schemas.microsoft.com/office/drawing/2014/main" id="{7104BA59-E50E-7245-923A-E9650045EC8C}"/>
+                </a:ext>
+              </a:extLst>
+            </p:cNvPr>
+            <p:cNvSpPr/>
+            <p:nvPr/>
+          </p:nvSpPr>
+          <p:spPr>
+            <a:xfrm>
+              <a:off x="7385019" y="3519628"/>
+              <a:ext cx="4572000" cy="3287647"/>
+            </a:xfrm>
+            <a:prstGeom prst="rect">
+              <a:avLst/>
+            </a:prstGeom>
+            <a:solidFill>
+              <a:schemeClr val="bg1"/>
+            </a:solidFill>
+            <a:ln w="12700">
+              <a:solidFill>
+                <a:schemeClr val="tx1">
+                  <a:lumMod val="95000"/>
+                  <a:lumOff val="5000"/>
+                </a:schemeClr>
+              </a:solidFill>
+            </a:ln>
+          </p:spPr>
+          <p:style>
+            <a:lnRef idx="2">
+              <a:schemeClr val="accent1">
+                <a:shade val="50000"/>
+              </a:schemeClr>
+            </a:lnRef>
+            <a:fillRef idx="1">
+              <a:schemeClr val="accent1"/>
+            </a:fillRef>
+            <a:effectRef idx="0">
+              <a:schemeClr val="accent1"/>
+            </a:effectRef>
+            <a:fontRef idx="minor">
+              <a:schemeClr val="lt1"/>
+            </a:fontRef>
+          </p:style>
+          <p:txBody>
+            <a:bodyPr rtlCol="0" anchor="ctr"/>
+            <a:lstStyle/>
+            <a:p>
+              <a:pPr algn="ctr"/>
+              <a:endParaRPr kumimoji="1" lang="ja-JP" altLang="en-US"/>
+            </a:p>
+          </p:txBody>
+        </p:sp>
+        <p:pic>
+          <p:nvPicPr>
+            <p:cNvPr id="17" name="図 16">
+              <a:extLst>
+                <a:ext uri="{FF2B5EF4-FFF2-40B4-BE49-F238E27FC236}">
+                  <a16:creationId xmlns:a16="http://schemas.microsoft.com/office/drawing/2014/main" id="{7EE70A68-5B7C-B546-9E3D-CCBAEABC784C}"/>
+                </a:ext>
+              </a:extLst>
+            </p:cNvPr>
+            <p:cNvPicPr>
+              <a:picLocks noChangeAspect="1"/>
+            </p:cNvPicPr>
+            <p:nvPr/>
+          </p:nvPicPr>
+          <p:blipFill>
+            <a:blip r:embed="rId5">
+              <a:extLst>
+                <a:ext uri="{28A0092B-C50C-407E-A947-70E740481C1C}">
+                  <a14:useLocalDpi xmlns:a14="http://schemas.microsoft.com/office/drawing/2010/main" val="0"/>
+                </a:ext>
+              </a:extLst>
+            </a:blip>
+            <a:stretch>
+              <a:fillRect/>
+            </a:stretch>
+          </p:blipFill>
+          <p:spPr>
+            <a:xfrm>
+              <a:off x="7385019" y="3521379"/>
+              <a:ext cx="4572000" cy="3200400"/>
+            </a:xfrm>
+            <a:prstGeom prst="rect">
+              <a:avLst/>
+            </a:prstGeom>
+          </p:spPr>
+        </p:pic>
+      </p:grpSp>
+      <p:sp>
+        <p:nvSpPr>
+          <p:cNvPr id="4" name="スライド番号プレースホルダー 3"/>
+          <p:cNvSpPr>
+            <a:spLocks noGrp="1"/>
+          </p:cNvSpPr>
+          <p:nvPr>
+            <p:ph type="sldNum" sz="quarter" idx="12"/>
+          </p:nvPr>
+        </p:nvSpPr>
+        <p:spPr>
+          <a:xfrm>
+            <a:off x="10349558" y="6342920"/>
+            <a:ext cx="1596292" cy="404614"/>
+          </a:xfrm>
+        </p:spPr>
+        <p:txBody>
+          <a:bodyPr/>
+          <a:lstStyle/>
+          <a:p>
+            <a:fld id="{174B259E-A4AB-4FC2-896B-65961FDB8F0F}" type="slidenum">
+              <a:rPr kumimoji="1" lang="ja-JP" altLang="en-US" b="1" smtClean="0"/>
+              <a:t>11</a:t>
+            </a:fld>
+            <a:endParaRPr kumimoji="1" lang="ja-JP" altLang="en-US" b="1"/>
+          </a:p>
+        </p:txBody>
+      </p:sp>
+      <p:cxnSp>
+        <p:nvCxnSpPr>
+          <p:cNvPr id="27" name="直線コネクタ 26">
+            <a:extLst>
+              <a:ext uri="{FF2B5EF4-FFF2-40B4-BE49-F238E27FC236}">
+                <a16:creationId xmlns:a16="http://schemas.microsoft.com/office/drawing/2014/main" id="{9AC16A00-A105-0841-B90E-1FCBCFAC037B}"/>
+              </a:ext>
+            </a:extLst>
+          </p:cNvPr>
+          <p:cNvCxnSpPr>
+            <a:cxnSpLocks/>
+            <a:stCxn id="8" idx="0"/>
+          </p:cNvCxnSpPr>
+          <p:nvPr/>
+        </p:nvCxnSpPr>
+        <p:spPr>
+          <a:xfrm flipV="1">
+            <a:off x="2687474" y="5178729"/>
+            <a:ext cx="957600" cy="645873"/>
+          </a:xfrm>
+          <a:prstGeom prst="line">
+            <a:avLst/>
+          </a:prstGeom>
+          <a:ln w="38100" cap="flat" cmpd="sng" algn="ctr">
+            <a:solidFill>
+              <a:srgbClr val="FF0000"/>
+            </a:solidFill>
+            <a:prstDash val="solid"/>
+            <a:round/>
+            <a:headEnd type="none" w="med" len="med"/>
+            <a:tailEnd type="arrow" w="med" len="med"/>
+          </a:ln>
+        </p:spPr>
+        <p:style>
+          <a:lnRef idx="0">
+            <a:scrgbClr r="0" g="0" b="0"/>
+          </a:lnRef>
+          <a:fillRef idx="0">
+            <a:scrgbClr r="0" g="0" b="0"/>
+          </a:fillRef>
+          <a:effectRef idx="0">
+            <a:scrgbClr r="0" g="0" b="0"/>
+          </a:effectRef>
+          <a:fontRef idx="minor">
+            <a:schemeClr val="tx1"/>
+          </a:fontRef>
+        </p:style>
+      </p:cxnSp>
+      <p:cxnSp>
+        <p:nvCxnSpPr>
+          <p:cNvPr id="29" name="直線コネクタ 28">
+            <a:extLst>
+              <a:ext uri="{FF2B5EF4-FFF2-40B4-BE49-F238E27FC236}">
+                <a16:creationId xmlns:a16="http://schemas.microsoft.com/office/drawing/2014/main" id="{17DB39BE-A207-474D-8414-25282CE215A8}"/>
+              </a:ext>
+            </a:extLst>
+          </p:cNvPr>
+          <p:cNvCxnSpPr>
+            <a:cxnSpLocks/>
+          </p:cNvCxnSpPr>
+          <p:nvPr/>
+        </p:nvCxnSpPr>
+        <p:spPr>
+          <a:xfrm flipV="1">
+            <a:off x="4044917" y="5611496"/>
+            <a:ext cx="2776430" cy="460584"/>
+          </a:xfrm>
+          <a:prstGeom prst="line">
+            <a:avLst/>
+          </a:prstGeom>
+          <a:ln w="38100" cap="flat" cmpd="sng" algn="ctr">
+            <a:solidFill>
+              <a:srgbClr val="FF0000"/>
+            </a:solidFill>
+            <a:prstDash val="solid"/>
+            <a:round/>
+            <a:headEnd type="none" w="med" len="med"/>
+            <a:tailEnd type="arrow" w="med" len="med"/>
+          </a:ln>
+        </p:spPr>
+        <p:style>
+          <a:lnRef idx="0">
+            <a:scrgbClr r="0" g="0" b="0"/>
+          </a:lnRef>
+          <a:fillRef idx="0">
+            <a:scrgbClr r="0" g="0" b="0"/>
+          </a:fillRef>
+          <a:effectRef idx="0">
+            <a:scrgbClr r="0" g="0" b="0"/>
+          </a:effectRef>
+          <a:fontRef idx="minor">
+            <a:schemeClr val="tx1"/>
+          </a:fontRef>
+        </p:style>
+      </p:cxnSp>
+      <p:sp>
+        <p:nvSpPr>
+          <p:cNvPr id="36" name="テキスト ボックス 35">
+            <a:extLst>
+              <a:ext uri="{FF2B5EF4-FFF2-40B4-BE49-F238E27FC236}">
+                <a16:creationId xmlns:a16="http://schemas.microsoft.com/office/drawing/2014/main" id="{C7F7876B-C988-0C44-9D98-480121D730C3}"/>
+              </a:ext>
+            </a:extLst>
+          </p:cNvPr>
+          <p:cNvSpPr txBox="1"/>
+          <p:nvPr/>
+        </p:nvSpPr>
+        <p:spPr>
+          <a:xfrm>
+            <a:off x="3343546" y="3297406"/>
+            <a:ext cx="633060" cy="369332"/>
+          </a:xfrm>
+          <a:prstGeom prst="rect">
+            <a:avLst/>
+          </a:prstGeom>
+          <a:solidFill>
+            <a:srgbClr val="FF40FF">
+              <a:alpha val="25098"/>
+            </a:srgbClr>
+          </a:solidFill>
+          <a:ln w="19050">
+            <a:solidFill>
+              <a:srgbClr val="7030A0"/>
+            </a:solidFill>
+          </a:ln>
+        </p:spPr>
+        <p:txBody>
+          <a:bodyPr wrap="square" rtlCol="0">
+            <a:spAutoFit/>
+          </a:bodyPr>
+          <a:lstStyle/>
+          <a:p>
+            <a:pPr algn="ctr"/>
+            <a:r>
+              <a:rPr kumimoji="1" lang="en-US" altLang="ja-JP" dirty="0"/>
+              <a:t>Path</a:t>
+            </a:r>
+            <a:endParaRPr kumimoji="1" lang="ja-JP" altLang="en-US"/>
+          </a:p>
+        </p:txBody>
+      </p:sp>
+      <p:cxnSp>
+        <p:nvCxnSpPr>
+          <p:cNvPr id="37" name="直線コネクタ 36">
+            <a:extLst>
+              <a:ext uri="{FF2B5EF4-FFF2-40B4-BE49-F238E27FC236}">
+                <a16:creationId xmlns:a16="http://schemas.microsoft.com/office/drawing/2014/main" id="{6822F7FB-2AC4-4F40-A6D6-1D622572067A}"/>
+              </a:ext>
+            </a:extLst>
+          </p:cNvPr>
+          <p:cNvCxnSpPr>
+            <a:cxnSpLocks/>
+            <a:stCxn id="36" idx="0"/>
+          </p:cNvCxnSpPr>
+          <p:nvPr/>
+        </p:nvCxnSpPr>
+        <p:spPr>
+          <a:xfrm flipH="1" flipV="1">
+            <a:off x="3473242" y="2909952"/>
+            <a:ext cx="186834" cy="387454"/>
+          </a:xfrm>
+          <a:prstGeom prst="line">
+            <a:avLst/>
+          </a:prstGeom>
+          <a:ln w="38100" cap="flat" cmpd="sng" algn="ctr">
+            <a:solidFill>
+              <a:srgbClr val="7030A0"/>
+            </a:solidFill>
+            <a:prstDash val="solid"/>
+            <a:round/>
+            <a:headEnd type="none" w="med" len="med"/>
+            <a:tailEnd type="arrow" w="med" len="med"/>
+          </a:ln>
+        </p:spPr>
+        <p:style>
+          <a:lnRef idx="0">
+            <a:scrgbClr r="0" g="0" b="0"/>
+          </a:lnRef>
+          <a:fillRef idx="0">
+            <a:scrgbClr r="0" g="0" b="0"/>
+          </a:fillRef>
+          <a:effectRef idx="0">
+            <a:scrgbClr r="0" g="0" b="0"/>
+          </a:effectRef>
+          <a:fontRef idx="minor">
+            <a:schemeClr val="tx1"/>
+          </a:fontRef>
+        </p:style>
+      </p:cxnSp>
+      <p:sp>
+        <p:nvSpPr>
+          <p:cNvPr id="40" name="テキスト ボックス 39">
+            <a:extLst>
+              <a:ext uri="{FF2B5EF4-FFF2-40B4-BE49-F238E27FC236}">
+                <a16:creationId xmlns:a16="http://schemas.microsoft.com/office/drawing/2014/main" id="{77DA78CF-1395-7A4B-8337-5FE7CF5780A5}"/>
+              </a:ext>
+            </a:extLst>
+          </p:cNvPr>
+          <p:cNvSpPr txBox="1"/>
+          <p:nvPr/>
+        </p:nvSpPr>
+        <p:spPr>
+          <a:xfrm>
+            <a:off x="3500617" y="2222792"/>
+            <a:ext cx="845916" cy="369332"/>
+          </a:xfrm>
+          <a:prstGeom prst="rect">
+            <a:avLst/>
+          </a:prstGeom>
+          <a:solidFill>
+            <a:srgbClr val="0432FF">
+              <a:alpha val="25490"/>
+            </a:srgbClr>
+          </a:solidFill>
+          <a:ln w="19050">
+            <a:solidFill>
+              <a:srgbClr val="0432FF"/>
+            </a:solidFill>
+          </a:ln>
+        </p:spPr>
+        <p:txBody>
+          <a:bodyPr wrap="square" rtlCol="0">
+            <a:spAutoFit/>
+          </a:bodyPr>
+          <a:lstStyle/>
+          <a:p>
+            <a:pPr algn="ctr"/>
+            <a:r>
+              <a:rPr lang="en-US" altLang="ja-JP" dirty="0"/>
+              <a:t>Owner</a:t>
+            </a:r>
+            <a:endParaRPr kumimoji="1" lang="ja-JP" altLang="en-US"/>
+          </a:p>
+        </p:txBody>
+      </p:sp>
+      <p:cxnSp>
+        <p:nvCxnSpPr>
+          <p:cNvPr id="41" name="直線コネクタ 40">
+            <a:extLst>
+              <a:ext uri="{FF2B5EF4-FFF2-40B4-BE49-F238E27FC236}">
+                <a16:creationId xmlns:a16="http://schemas.microsoft.com/office/drawing/2014/main" id="{75425C6E-451A-2344-972D-CC693678E605}"/>
+              </a:ext>
+            </a:extLst>
+          </p:cNvPr>
+          <p:cNvCxnSpPr>
+            <a:cxnSpLocks/>
+          </p:cNvCxnSpPr>
+          <p:nvPr/>
+        </p:nvCxnSpPr>
+        <p:spPr>
+          <a:xfrm flipH="1">
+            <a:off x="3482237" y="2592124"/>
+            <a:ext cx="424981" cy="186115"/>
+          </a:xfrm>
+          <a:prstGeom prst="line">
+            <a:avLst/>
+          </a:prstGeom>
+          <a:ln w="38100" cap="flat" cmpd="sng" algn="ctr">
+            <a:solidFill>
+              <a:srgbClr val="0432FF"/>
+            </a:solidFill>
+            <a:prstDash val="solid"/>
+            <a:round/>
+            <a:headEnd type="none" w="med" len="med"/>
+            <a:tailEnd type="arrow" w="med" len="med"/>
+          </a:ln>
+        </p:spPr>
+        <p:style>
+          <a:lnRef idx="0">
+            <a:scrgbClr r="0" g="0" b="0"/>
+          </a:lnRef>
+          <a:fillRef idx="0">
+            <a:scrgbClr r="0" g="0" b="0"/>
+          </a:fillRef>
+          <a:effectRef idx="0">
+            <a:scrgbClr r="0" g="0" b="0"/>
+          </a:effectRef>
+          <a:fontRef idx="minor">
+            <a:schemeClr val="tx1"/>
+          </a:fontRef>
+        </p:style>
+      </p:cxnSp>
+      <p:sp>
+        <p:nvSpPr>
+          <p:cNvPr id="45" name="テキスト ボックス 44">
+            <a:extLst>
+              <a:ext uri="{FF2B5EF4-FFF2-40B4-BE49-F238E27FC236}">
+                <a16:creationId xmlns:a16="http://schemas.microsoft.com/office/drawing/2014/main" id="{5B0039A0-EC88-0A41-B00E-8C0B15D037D0}"/>
+              </a:ext>
+            </a:extLst>
+          </p:cNvPr>
+          <p:cNvSpPr txBox="1"/>
+          <p:nvPr/>
+        </p:nvSpPr>
+        <p:spPr>
+          <a:xfrm>
+            <a:off x="8268922" y="5824602"/>
+            <a:ext cx="950234" cy="369332"/>
+          </a:xfrm>
+          <a:prstGeom prst="rect">
+            <a:avLst/>
+          </a:prstGeom>
+          <a:solidFill>
+            <a:srgbClr val="FF2600">
+              <a:alpha val="24706"/>
+            </a:srgbClr>
+          </a:solidFill>
+          <a:ln w="19050">
+            <a:solidFill>
+              <a:srgbClr val="FF2600"/>
+            </a:solidFill>
+          </a:ln>
+        </p:spPr>
+        <p:txBody>
+          <a:bodyPr wrap="square" rtlCol="0">
+            <a:spAutoFit/>
+          </a:bodyPr>
+          <a:lstStyle/>
+          <a:p>
+            <a:pPr algn="ctr"/>
+            <a:r>
+              <a:rPr lang="en-US" altLang="ja-JP" dirty="0"/>
+              <a:t>Cuckoo</a:t>
+            </a:r>
+            <a:endParaRPr kumimoji="1" lang="ja-JP" altLang="en-US"/>
+          </a:p>
+        </p:txBody>
+      </p:sp>
+      <p:cxnSp>
+        <p:nvCxnSpPr>
+          <p:cNvPr id="46" name="直線コネクタ 45">
+            <a:extLst>
+              <a:ext uri="{FF2B5EF4-FFF2-40B4-BE49-F238E27FC236}">
+                <a16:creationId xmlns:a16="http://schemas.microsoft.com/office/drawing/2014/main" id="{69537300-B1AA-CF47-8C85-2592A774E910}"/>
+              </a:ext>
+            </a:extLst>
+          </p:cNvPr>
+          <p:cNvCxnSpPr>
+            <a:cxnSpLocks/>
+            <a:stCxn id="45" idx="0"/>
+          </p:cNvCxnSpPr>
+          <p:nvPr/>
+        </p:nvCxnSpPr>
+        <p:spPr>
+          <a:xfrm flipV="1">
+            <a:off x="8744039" y="5486400"/>
+            <a:ext cx="212071" cy="338202"/>
+          </a:xfrm>
+          <a:prstGeom prst="line">
+            <a:avLst/>
+          </a:prstGeom>
+          <a:ln w="38100" cap="flat" cmpd="sng" algn="ctr">
+            <a:solidFill>
+              <a:srgbClr val="FF2600"/>
+            </a:solidFill>
+            <a:prstDash val="solid"/>
+            <a:round/>
+            <a:headEnd type="none" w="med" len="med"/>
+            <a:tailEnd type="arrow" w="med" len="med"/>
+          </a:ln>
+        </p:spPr>
+        <p:style>
+          <a:lnRef idx="0">
+            <a:scrgbClr r="0" g="0" b="0"/>
+          </a:lnRef>
+          <a:fillRef idx="0">
+            <a:scrgbClr r="0" g="0" b="0"/>
+          </a:fillRef>
+          <a:effectRef idx="0">
+            <a:scrgbClr r="0" g="0" b="0"/>
+          </a:effectRef>
+          <a:fontRef idx="minor">
+            <a:schemeClr val="tx1"/>
+          </a:fontRef>
+        </p:style>
+      </p:cxnSp>
+      <p:sp>
+        <p:nvSpPr>
+          <p:cNvPr id="49" name="テキスト ボックス 48">
+            <a:extLst>
+              <a:ext uri="{FF2B5EF4-FFF2-40B4-BE49-F238E27FC236}">
+                <a16:creationId xmlns:a16="http://schemas.microsoft.com/office/drawing/2014/main" id="{1EC21817-CE91-DB43-BE75-ED7DC9575EB3}"/>
+              </a:ext>
+            </a:extLst>
+          </p:cNvPr>
+          <p:cNvSpPr txBox="1"/>
+          <p:nvPr/>
+        </p:nvSpPr>
+        <p:spPr>
+          <a:xfrm>
+            <a:off x="9464037" y="4208820"/>
+            <a:ext cx="1193805" cy="369332"/>
+          </a:xfrm>
+          <a:prstGeom prst="rect">
+            <a:avLst/>
+          </a:prstGeom>
+          <a:solidFill>
+            <a:schemeClr val="accent4">
+              <a:lumMod val="75000"/>
+              <a:alpha val="25098"/>
+            </a:schemeClr>
+          </a:solidFill>
+          <a:ln w="19050">
+            <a:solidFill>
+              <a:srgbClr val="00B050"/>
+            </a:solidFill>
+          </a:ln>
+        </p:spPr>
+        <p:txBody>
+          <a:bodyPr wrap="square" rtlCol="0">
+            <a:spAutoFit/>
+          </a:bodyPr>
+          <a:lstStyle/>
+          <a:p>
+            <a:pPr algn="ctr"/>
+            <a:r>
+              <a:rPr kumimoji="1" lang="en-US" altLang="ja-JP" dirty="0" err="1"/>
+              <a:t>Kageyama</a:t>
+            </a:r>
+            <a:endParaRPr kumimoji="1" lang="ja-JP" altLang="en-US"/>
+          </a:p>
+        </p:txBody>
+      </p:sp>
+      <p:cxnSp>
+        <p:nvCxnSpPr>
+          <p:cNvPr id="50" name="直線コネクタ 49">
+            <a:extLst>
+              <a:ext uri="{FF2B5EF4-FFF2-40B4-BE49-F238E27FC236}">
+                <a16:creationId xmlns:a16="http://schemas.microsoft.com/office/drawing/2014/main" id="{2AEE60ED-FD41-0645-934E-60AD2A6DA2C4}"/>
+              </a:ext>
+            </a:extLst>
+          </p:cNvPr>
+          <p:cNvCxnSpPr>
+            <a:cxnSpLocks/>
+            <a:stCxn id="49" idx="2"/>
+          </p:cNvCxnSpPr>
+          <p:nvPr/>
+        </p:nvCxnSpPr>
+        <p:spPr>
+          <a:xfrm>
+            <a:off x="10060940" y="4578152"/>
+            <a:ext cx="129" cy="352517"/>
+          </a:xfrm>
+          <a:prstGeom prst="line">
+            <a:avLst/>
+          </a:prstGeom>
+          <a:ln w="38100" cap="flat" cmpd="sng" algn="ctr">
+            <a:solidFill>
+              <a:srgbClr val="00B050"/>
+            </a:solidFill>
+            <a:prstDash val="solid"/>
+            <a:round/>
+            <a:headEnd type="none" w="med" len="med"/>
+            <a:tailEnd type="arrow" w="med" len="med"/>
+          </a:ln>
+        </p:spPr>
+        <p:style>
+          <a:lnRef idx="0">
+            <a:scrgbClr r="0" g="0" b="0"/>
+          </a:lnRef>
+          <a:fillRef idx="0">
+            <a:scrgbClr r="0" g="0" b="0"/>
+          </a:fillRef>
+          <a:effectRef idx="0">
+            <a:scrgbClr r="0" g="0" b="0"/>
+          </a:effectRef>
+          <a:fontRef idx="minor">
+            <a:schemeClr val="tx1"/>
+          </a:fontRef>
+        </p:style>
+      </p:cxnSp>
     </p:spTree>
     <p:extLst>
       <p:ext uri="{BB962C8B-B14F-4D97-AF65-F5344CB8AC3E}">
@@ -7458,7 +8873,7 @@
         </p:nvSpPr>
         <p:spPr>
           <a:xfrm>
-            <a:off x="1371600" y="1315641"/>
+            <a:off x="1616743" y="1443577"/>
             <a:ext cx="9601200" cy="994422"/>
           </a:xfrm>
         </p:spPr>
@@ -7469,12 +8884,12 @@
           <a:lstStyle/>
           <a:p>
             <a:r>
-              <a:rPr lang="ja-JP" altLang="en-US"/>
-              <a:t>複製配置手法ごとのストレージ使用率</a:t>
-            </a:r>
-            <a:r>
-              <a:rPr kumimoji="1" lang="ja-JP" altLang="en-US"/>
-              <a:t>の推移</a:t>
+              <a:rPr lang="ja-JP" altLang="en-US" dirty="0"/>
+              <a:t>複製配置手法ごとのストレージ使用量</a:t>
+            </a:r>
+            <a:r>
+              <a:rPr kumimoji="1" lang="ja-JP" altLang="en-US" dirty="0"/>
+              <a:t>の累積値</a:t>
             </a:r>
             <a:endParaRPr kumimoji="1" lang="en-US" altLang="ja-JP" dirty="0"/>
           </a:p>
@@ -7499,121 +8914,10 @@
               <a:rPr kumimoji="1" lang="ja-JP" altLang="en-US" b="1" smtClean="0"/>
               <a:t>12</a:t>
             </a:fld>
-            <a:endParaRPr kumimoji="1" lang="ja-JP" altLang="en-US" b="1"/>
+            <a:endParaRPr kumimoji="1" lang="ja-JP" altLang="en-US" b="1" dirty="0"/>
           </a:p>
         </p:txBody>
       </p:sp>
-      <p:grpSp>
-        <p:nvGrpSpPr>
-          <p:cNvPr id="9" name="グループ化 8">
-            <a:extLst>
-              <a:ext uri="{FF2B5EF4-FFF2-40B4-BE49-F238E27FC236}">
-                <a16:creationId xmlns:a16="http://schemas.microsoft.com/office/drawing/2014/main" id="{16736E17-5D4A-E447-A78C-D06A9E8DADE3}"/>
-              </a:ext>
-            </a:extLst>
-          </p:cNvPr>
-          <p:cNvGrpSpPr/>
-          <p:nvPr/>
-        </p:nvGrpSpPr>
-        <p:grpSpPr>
-          <a:xfrm>
-            <a:off x="263851" y="2193695"/>
-            <a:ext cx="6498772" cy="4547937"/>
-            <a:chOff x="263851" y="2332058"/>
-            <a:chExt cx="6498772" cy="4547937"/>
-          </a:xfrm>
-        </p:grpSpPr>
-        <p:sp>
-          <p:nvSpPr>
-            <p:cNvPr id="5" name="正方形/長方形 4">
-              <a:extLst>
-                <a:ext uri="{FF2B5EF4-FFF2-40B4-BE49-F238E27FC236}">
-                  <a16:creationId xmlns:a16="http://schemas.microsoft.com/office/drawing/2014/main" id="{D106BDA5-3926-444C-B6AD-5A567102ECFC}"/>
-                </a:ext>
-              </a:extLst>
-            </p:cNvPr>
-            <p:cNvSpPr/>
-            <p:nvPr/>
-          </p:nvSpPr>
-          <p:spPr>
-            <a:xfrm>
-              <a:off x="263851" y="2332058"/>
-              <a:ext cx="6498772" cy="4547937"/>
-            </a:xfrm>
-            <a:prstGeom prst="rect">
-              <a:avLst/>
-            </a:prstGeom>
-            <a:solidFill>
-              <a:schemeClr val="bg1"/>
-            </a:solidFill>
-            <a:ln>
-              <a:solidFill>
-                <a:schemeClr val="bg1"/>
-              </a:solidFill>
-            </a:ln>
-          </p:spPr>
-          <p:style>
-            <a:lnRef idx="2">
-              <a:schemeClr val="accent1">
-                <a:shade val="50000"/>
-              </a:schemeClr>
-            </a:lnRef>
-            <a:fillRef idx="1">
-              <a:schemeClr val="accent1"/>
-            </a:fillRef>
-            <a:effectRef idx="0">
-              <a:schemeClr val="accent1"/>
-            </a:effectRef>
-            <a:fontRef idx="minor">
-              <a:schemeClr val="lt1"/>
-            </a:fontRef>
-          </p:style>
-          <p:txBody>
-            <a:bodyPr rtlCol="0" anchor="ctr"/>
-            <a:lstStyle/>
-            <a:p>
-              <a:pPr algn="ctr"/>
-              <a:endParaRPr kumimoji="1" lang="ja-JP" altLang="en-US"/>
-            </a:p>
-          </p:txBody>
-        </p:sp>
-        <p:pic>
-          <p:nvPicPr>
-            <p:cNvPr id="6" name="図 5">
-              <a:extLst>
-                <a:ext uri="{FF2B5EF4-FFF2-40B4-BE49-F238E27FC236}">
-                  <a16:creationId xmlns:a16="http://schemas.microsoft.com/office/drawing/2014/main" id="{8A0AE233-CD14-DE4E-97FB-7242108A9826}"/>
-                </a:ext>
-              </a:extLst>
-            </p:cNvPr>
-            <p:cNvPicPr>
-              <a:picLocks noChangeAspect="1"/>
-            </p:cNvPicPr>
-            <p:nvPr/>
-          </p:nvPicPr>
-          <p:blipFill>
-            <a:blip r:embed="rId3">
-              <a:extLst>
-                <a:ext uri="{28A0092B-C50C-407E-A947-70E740481C1C}">
-                  <a14:useLocalDpi xmlns:a14="http://schemas.microsoft.com/office/drawing/2010/main" val="0"/>
-                </a:ext>
-              </a:extLst>
-            </a:blip>
-            <a:stretch>
-              <a:fillRect/>
-            </a:stretch>
-          </p:blipFill>
-          <p:spPr>
-            <a:xfrm>
-              <a:off x="265570" y="2332058"/>
-              <a:ext cx="6497053" cy="4547937"/>
-            </a:xfrm>
-            <a:prstGeom prst="rect">
-              <a:avLst/>
-            </a:prstGeom>
-          </p:spPr>
-        </p:pic>
-      </p:grpSp>
       <p:sp>
         <p:nvSpPr>
           <p:cNvPr id="8" name="コンテンツ プレースホルダー 2">
@@ -7630,8 +8934,8 @@
         </p:nvSpPr>
         <p:spPr>
           <a:xfrm>
-            <a:off x="6762623" y="3287280"/>
-            <a:ext cx="5420226" cy="2188888"/>
+            <a:off x="7394811" y="2186113"/>
+            <a:ext cx="4976085" cy="3166107"/>
           </a:xfrm>
           <a:prstGeom prst="rect">
             <a:avLst/>
@@ -7839,39 +9143,931 @@
           </a:lstStyle>
           <a:p>
             <a:r>
-              <a:rPr lang="ja-JP" altLang="en-US"/>
+              <a:rPr lang="ja-JP" altLang="en-US" sz="3000" dirty="0"/>
               <a:t>本提案手法</a:t>
             </a:r>
             <a:r>
+              <a:rPr lang="en-US" altLang="ja-JP" sz="3000" dirty="0"/>
+              <a:t>(Cuckoo)</a:t>
+            </a:r>
+          </a:p>
+          <a:p>
+            <a:pPr lvl="1"/>
+            <a:r>
+              <a:rPr lang="en-US" altLang="ja-JP" sz="2700" dirty="0"/>
+              <a:t>468</a:t>
+            </a:r>
+            <a:r>
+              <a:rPr lang="ja-JP" altLang="en-US" sz="2700"/>
+              <a:t>サイクルから</a:t>
+            </a:r>
+            <a:r>
+              <a:rPr lang="ja-JP" altLang="en-US" sz="2700" dirty="0"/>
+              <a:t>使用量は増えていない</a:t>
+            </a:r>
+            <a:endParaRPr lang="en-US" altLang="ja-JP" sz="2700" dirty="0"/>
+          </a:p>
+          <a:p>
+            <a:pPr lvl="1"/>
+            <a:r>
+              <a:rPr lang="en-US" altLang="ja-JP" sz="2700" dirty="0"/>
+              <a:t>Owner Replication</a:t>
+            </a:r>
+            <a:r>
+              <a:rPr lang="ja-JP" altLang="en-US" sz="2700" dirty="0"/>
+              <a:t>より使</a:t>
+            </a:r>
+            <a:r>
+              <a:rPr lang="ja-JP" altLang="en-US" sz="2700"/>
+              <a:t>用量が</a:t>
+            </a:r>
+            <a:r>
+              <a:rPr lang="en-US" altLang="ja-JP" sz="2700" dirty="0"/>
+              <a:t>12%</a:t>
+            </a:r>
+            <a:r>
+              <a:rPr lang="ja-JP" altLang="en-US" sz="2700"/>
+              <a:t>増加</a:t>
+            </a:r>
+            <a:endParaRPr lang="en-US" altLang="ja-JP" sz="2700" dirty="0"/>
+          </a:p>
+          <a:p>
+            <a:pPr lvl="1"/>
+            <a:r>
+              <a:rPr lang="en-US" altLang="ja-JP" sz="2700" dirty="0"/>
+              <a:t> </a:t>
+            </a:r>
+            <a:r>
+              <a:rPr lang="ja-JP" altLang="en-US" sz="2700" dirty="0"/>
+              <a:t>影山らの</a:t>
+            </a:r>
+            <a:r>
+              <a:rPr lang="ja-JP" altLang="en-US" sz="2700"/>
+              <a:t>提案手法より使用量が</a:t>
+            </a:r>
+            <a:r>
+              <a:rPr lang="en-US" altLang="ja-JP" sz="2700" dirty="0"/>
+              <a:t>22%</a:t>
+            </a:r>
+            <a:r>
+              <a:rPr lang="ja-JP" altLang="en-US" sz="2700"/>
+              <a:t>減少</a:t>
+            </a:r>
+            <a:endParaRPr lang="en-US" altLang="ja-JP" sz="2700" dirty="0"/>
+          </a:p>
+        </p:txBody>
+      </p:sp>
+      <p:grpSp>
+        <p:nvGrpSpPr>
+          <p:cNvPr id="14" name="グループ化 13">
+            <a:extLst>
+              <a:ext uri="{FF2B5EF4-FFF2-40B4-BE49-F238E27FC236}">
+                <a16:creationId xmlns:a16="http://schemas.microsoft.com/office/drawing/2014/main" id="{D5E1FADC-A2DF-F84B-B34E-ED7C5E06FC2A}"/>
+              </a:ext>
+            </a:extLst>
+          </p:cNvPr>
+          <p:cNvGrpSpPr/>
+          <p:nvPr/>
+        </p:nvGrpSpPr>
+        <p:grpSpPr>
+          <a:xfrm>
+            <a:off x="106220" y="1940788"/>
+            <a:ext cx="5778385" cy="4023990"/>
+            <a:chOff x="878556" y="3482641"/>
+            <a:chExt cx="4572000" cy="3200400"/>
+          </a:xfrm>
+        </p:grpSpPr>
+        <p:sp>
+          <p:nvSpPr>
+            <p:cNvPr id="10" name="正方形/長方形 9">
+              <a:extLst>
+                <a:ext uri="{FF2B5EF4-FFF2-40B4-BE49-F238E27FC236}">
+                  <a16:creationId xmlns:a16="http://schemas.microsoft.com/office/drawing/2014/main" id="{465C4007-6BA2-D54B-8F5F-1D17D774E0DC}"/>
+                </a:ext>
+              </a:extLst>
+            </p:cNvPr>
+            <p:cNvSpPr/>
+            <p:nvPr/>
+          </p:nvSpPr>
+          <p:spPr>
+            <a:xfrm>
+              <a:off x="878556" y="3482641"/>
+              <a:ext cx="4571749" cy="3200400"/>
+            </a:xfrm>
+            <a:prstGeom prst="rect">
+              <a:avLst/>
+            </a:prstGeom>
+            <a:solidFill>
+              <a:schemeClr val="bg1"/>
+            </a:solidFill>
+            <a:ln>
+              <a:solidFill>
+                <a:schemeClr val="bg1"/>
+              </a:solidFill>
+            </a:ln>
+          </p:spPr>
+          <p:style>
+            <a:lnRef idx="2">
+              <a:schemeClr val="accent1">
+                <a:shade val="50000"/>
+              </a:schemeClr>
+            </a:lnRef>
+            <a:fillRef idx="1">
+              <a:schemeClr val="accent1"/>
+            </a:fillRef>
+            <a:effectRef idx="0">
+              <a:schemeClr val="accent1"/>
+            </a:effectRef>
+            <a:fontRef idx="minor">
+              <a:schemeClr val="lt1"/>
+            </a:fontRef>
+          </p:style>
+          <p:txBody>
+            <a:bodyPr rtlCol="0" anchor="ctr"/>
+            <a:lstStyle/>
+            <a:p>
+              <a:pPr algn="ctr"/>
+              <a:endParaRPr kumimoji="1" lang="ja-JP" altLang="en-US">
+                <a:ln>
+                  <a:solidFill>
+                    <a:schemeClr val="bg1"/>
+                  </a:solidFill>
+                </a:ln>
+                <a:solidFill>
+                  <a:schemeClr val="bg1"/>
+                </a:solidFill>
+              </a:endParaRPr>
+            </a:p>
+          </p:txBody>
+        </p:sp>
+        <p:pic>
+          <p:nvPicPr>
+            <p:cNvPr id="6" name="図 5">
+              <a:extLst>
+                <a:ext uri="{FF2B5EF4-FFF2-40B4-BE49-F238E27FC236}">
+                  <a16:creationId xmlns:a16="http://schemas.microsoft.com/office/drawing/2014/main" id="{8E7DC9C3-B70B-874B-9807-53CE73584353}"/>
+                </a:ext>
+              </a:extLst>
+            </p:cNvPr>
+            <p:cNvPicPr>
+              <a:picLocks noChangeAspect="1"/>
+            </p:cNvPicPr>
+            <p:nvPr/>
+          </p:nvPicPr>
+          <p:blipFill>
+            <a:blip r:embed="rId3">
+              <a:extLst>
+                <a:ext uri="{28A0092B-C50C-407E-A947-70E740481C1C}">
+                  <a14:useLocalDpi xmlns:a14="http://schemas.microsoft.com/office/drawing/2010/main" val="0"/>
+                </a:ext>
+              </a:extLst>
+            </a:blip>
+            <a:stretch>
+              <a:fillRect/>
+            </a:stretch>
+          </p:blipFill>
+          <p:spPr>
+            <a:xfrm>
+              <a:off x="878556" y="3482641"/>
+              <a:ext cx="4572000" cy="3200400"/>
+            </a:xfrm>
+            <a:prstGeom prst="rect">
+              <a:avLst/>
+            </a:prstGeom>
+          </p:spPr>
+        </p:pic>
+      </p:grpSp>
+      <p:sp>
+        <p:nvSpPr>
+          <p:cNvPr id="11" name="正方形/長方形 10">
+            <a:extLst>
+              <a:ext uri="{FF2B5EF4-FFF2-40B4-BE49-F238E27FC236}">
+                <a16:creationId xmlns:a16="http://schemas.microsoft.com/office/drawing/2014/main" id="{239268B9-210E-4148-8503-6A5AB017ACF5}"/>
+              </a:ext>
+            </a:extLst>
+          </p:cNvPr>
+          <p:cNvSpPr/>
+          <p:nvPr/>
+        </p:nvSpPr>
+        <p:spPr>
+          <a:xfrm>
+            <a:off x="3422958" y="3180535"/>
+            <a:ext cx="4548315" cy="3633738"/>
+          </a:xfrm>
+          <a:prstGeom prst="rect">
+            <a:avLst/>
+          </a:prstGeom>
+          <a:ln/>
+        </p:spPr>
+        <p:style>
+          <a:lnRef idx="2">
+            <a:schemeClr val="accent1"/>
+          </a:lnRef>
+          <a:fillRef idx="1">
+            <a:schemeClr val="lt1"/>
+          </a:fillRef>
+          <a:effectRef idx="0">
+            <a:schemeClr val="accent1"/>
+          </a:effectRef>
+          <a:fontRef idx="minor">
+            <a:schemeClr val="dk1"/>
+          </a:fontRef>
+        </p:style>
+        <p:txBody>
+          <a:bodyPr rtlCol="0" anchor="ctr"/>
+          <a:lstStyle/>
+          <a:p>
+            <a:pPr algn="ctr"/>
+            <a:endParaRPr kumimoji="1" lang="ja-JP" altLang="en-US">
+              <a:ln>
+                <a:solidFill>
+                  <a:schemeClr val="bg1"/>
+                </a:solidFill>
+              </a:ln>
+              <a:solidFill>
+                <a:schemeClr val="bg1"/>
+              </a:solidFill>
+            </a:endParaRPr>
+          </a:p>
+        </p:txBody>
+      </p:sp>
+      <p:pic>
+        <p:nvPicPr>
+          <p:cNvPr id="19" name="図 18">
+            <a:extLst>
+              <a:ext uri="{FF2B5EF4-FFF2-40B4-BE49-F238E27FC236}">
+                <a16:creationId xmlns:a16="http://schemas.microsoft.com/office/drawing/2014/main" id="{5B56D880-7024-174C-84C8-8EC352847CB0}"/>
+              </a:ext>
+            </a:extLst>
+          </p:cNvPr>
+          <p:cNvPicPr>
+            <a:picLocks noChangeAspect="1"/>
+          </p:cNvPicPr>
+          <p:nvPr/>
+        </p:nvPicPr>
+        <p:blipFill>
+          <a:blip r:embed="rId4">
+            <a:extLst>
+              <a:ext uri="{28A0092B-C50C-407E-A947-70E740481C1C}">
+                <a14:useLocalDpi xmlns:a14="http://schemas.microsoft.com/office/drawing/2010/main" val="0"/>
+              </a:ext>
+            </a:extLst>
+          </a:blip>
+          <a:stretch>
+            <a:fillRect/>
+          </a:stretch>
+        </p:blipFill>
+        <p:spPr>
+          <a:xfrm>
+            <a:off x="3422958" y="3173781"/>
+            <a:ext cx="4572000" cy="3637697"/>
+          </a:xfrm>
+          <a:prstGeom prst="rect">
+            <a:avLst/>
+          </a:prstGeom>
+        </p:spPr>
+      </p:pic>
+      <p:sp>
+        <p:nvSpPr>
+          <p:cNvPr id="17" name="正方形/長方形 16">
+            <a:extLst>
+              <a:ext uri="{FF2B5EF4-FFF2-40B4-BE49-F238E27FC236}">
+                <a16:creationId xmlns:a16="http://schemas.microsoft.com/office/drawing/2014/main" id="{63705D1E-1C87-304D-B081-1FFD3BA48318}"/>
+              </a:ext>
+            </a:extLst>
+          </p:cNvPr>
+          <p:cNvSpPr/>
+          <p:nvPr/>
+        </p:nvSpPr>
+        <p:spPr>
+          <a:xfrm>
+            <a:off x="3598606" y="1937041"/>
+            <a:ext cx="2278873" cy="652416"/>
+          </a:xfrm>
+          <a:prstGeom prst="rect">
+            <a:avLst/>
+          </a:prstGeom>
+          <a:noFill/>
+          <a:ln>
+            <a:solidFill>
+              <a:srgbClr val="FF0000"/>
+            </a:solidFill>
+            <a:prstDash val="sysDash"/>
+          </a:ln>
+        </p:spPr>
+        <p:style>
+          <a:lnRef idx="2">
+            <a:schemeClr val="accent1">
+              <a:shade val="50000"/>
+            </a:schemeClr>
+          </a:lnRef>
+          <a:fillRef idx="1">
+            <a:schemeClr val="accent1"/>
+          </a:fillRef>
+          <a:effectRef idx="0">
+            <a:schemeClr val="accent1"/>
+          </a:effectRef>
+          <a:fontRef idx="minor">
+            <a:schemeClr val="lt1"/>
+          </a:fontRef>
+        </p:style>
+        <p:txBody>
+          <a:bodyPr rtlCol="0" anchor="ctr"/>
+          <a:lstStyle/>
+          <a:p>
+            <a:pPr algn="ctr"/>
+            <a:endParaRPr kumimoji="1" lang="ja-JP" altLang="en-US"/>
+          </a:p>
+        </p:txBody>
+      </p:sp>
+      <p:cxnSp>
+        <p:nvCxnSpPr>
+          <p:cNvPr id="18" name="直線コネクタ 17">
+            <a:extLst>
+              <a:ext uri="{FF2B5EF4-FFF2-40B4-BE49-F238E27FC236}">
+                <a16:creationId xmlns:a16="http://schemas.microsoft.com/office/drawing/2014/main" id="{F9B9DF29-1BCC-3A4B-9BEC-6BD81FE0DB7C}"/>
+              </a:ext>
+            </a:extLst>
+          </p:cNvPr>
+          <p:cNvCxnSpPr>
+            <a:cxnSpLocks/>
+            <a:stCxn id="17" idx="2"/>
+          </p:cNvCxnSpPr>
+          <p:nvPr/>
+        </p:nvCxnSpPr>
+        <p:spPr>
+          <a:xfrm>
+            <a:off x="4738043" y="2589457"/>
+            <a:ext cx="0" cy="574813"/>
+          </a:xfrm>
+          <a:prstGeom prst="line">
+            <a:avLst/>
+          </a:prstGeom>
+          <a:ln w="38100" cap="flat" cmpd="sng" algn="ctr">
+            <a:solidFill>
+              <a:srgbClr val="FF0000"/>
+            </a:solidFill>
+            <a:prstDash val="solid"/>
+            <a:round/>
+            <a:headEnd type="none" w="med" len="med"/>
+            <a:tailEnd type="arrow" w="med" len="med"/>
+          </a:ln>
+        </p:spPr>
+        <p:style>
+          <a:lnRef idx="0">
+            <a:scrgbClr r="0" g="0" b="0"/>
+          </a:lnRef>
+          <a:fillRef idx="0">
+            <a:scrgbClr r="0" g="0" b="0"/>
+          </a:fillRef>
+          <a:effectRef idx="0">
+            <a:scrgbClr r="0" g="0" b="0"/>
+          </a:effectRef>
+          <a:fontRef idx="minor">
+            <a:schemeClr val="tx1"/>
+          </a:fontRef>
+        </p:style>
+      </p:cxnSp>
+      <p:sp>
+        <p:nvSpPr>
+          <p:cNvPr id="23" name="テキスト ボックス 22">
+            <a:extLst>
+              <a:ext uri="{FF2B5EF4-FFF2-40B4-BE49-F238E27FC236}">
+                <a16:creationId xmlns:a16="http://schemas.microsoft.com/office/drawing/2014/main" id="{1A05DAC4-FFC4-5945-969D-B2E006EC8538}"/>
+              </a:ext>
+            </a:extLst>
+          </p:cNvPr>
+          <p:cNvSpPr txBox="1"/>
+          <p:nvPr/>
+        </p:nvSpPr>
+        <p:spPr>
+          <a:xfrm>
+            <a:off x="5067290" y="4144440"/>
+            <a:ext cx="633060" cy="369332"/>
+          </a:xfrm>
+          <a:prstGeom prst="rect">
+            <a:avLst/>
+          </a:prstGeom>
+          <a:solidFill>
+            <a:srgbClr val="FF40FF">
+              <a:alpha val="25098"/>
+            </a:srgbClr>
+          </a:solidFill>
+          <a:ln w="19050">
+            <a:solidFill>
+              <a:srgbClr val="7030A0"/>
+            </a:solidFill>
+          </a:ln>
+        </p:spPr>
+        <p:txBody>
+          <a:bodyPr wrap="square" rtlCol="0">
+            <a:spAutoFit/>
+          </a:bodyPr>
+          <a:lstStyle/>
+          <a:p>
+            <a:pPr algn="ctr"/>
+            <a:r>
+              <a:rPr kumimoji="1" lang="en-US" altLang="ja-JP" dirty="0"/>
+              <a:t>Path</a:t>
+            </a:r>
+            <a:endParaRPr kumimoji="1" lang="ja-JP" altLang="en-US"/>
+          </a:p>
+        </p:txBody>
+      </p:sp>
+      <p:cxnSp>
+        <p:nvCxnSpPr>
+          <p:cNvPr id="24" name="直線コネクタ 23">
+            <a:extLst>
+              <a:ext uri="{FF2B5EF4-FFF2-40B4-BE49-F238E27FC236}">
+                <a16:creationId xmlns:a16="http://schemas.microsoft.com/office/drawing/2014/main" id="{7A41F351-284A-9248-9683-E55A14D4C391}"/>
+              </a:ext>
+            </a:extLst>
+          </p:cNvPr>
+          <p:cNvCxnSpPr>
+            <a:cxnSpLocks/>
+            <a:stCxn id="23" idx="0"/>
+          </p:cNvCxnSpPr>
+          <p:nvPr/>
+        </p:nvCxnSpPr>
+        <p:spPr>
+          <a:xfrm flipV="1">
+            <a:off x="5383820" y="3713341"/>
+            <a:ext cx="0" cy="431099"/>
+          </a:xfrm>
+          <a:prstGeom prst="line">
+            <a:avLst/>
+          </a:prstGeom>
+          <a:ln w="38100" cap="flat" cmpd="sng" algn="ctr">
+            <a:solidFill>
+              <a:srgbClr val="7030A0"/>
+            </a:solidFill>
+            <a:prstDash val="solid"/>
+            <a:round/>
+            <a:headEnd type="none" w="med" len="med"/>
+            <a:tailEnd type="arrow" w="med" len="med"/>
+          </a:ln>
+        </p:spPr>
+        <p:style>
+          <a:lnRef idx="0">
+            <a:scrgbClr r="0" g="0" b="0"/>
+          </a:lnRef>
+          <a:fillRef idx="0">
+            <a:scrgbClr r="0" g="0" b="0"/>
+          </a:fillRef>
+          <a:effectRef idx="0">
+            <a:scrgbClr r="0" g="0" b="0"/>
+          </a:effectRef>
+          <a:fontRef idx="minor">
+            <a:schemeClr val="tx1"/>
+          </a:fontRef>
+        </p:style>
+      </p:cxnSp>
+      <p:sp>
+        <p:nvSpPr>
+          <p:cNvPr id="25" name="テキスト ボックス 24">
+            <a:extLst>
+              <a:ext uri="{FF2B5EF4-FFF2-40B4-BE49-F238E27FC236}">
+                <a16:creationId xmlns:a16="http://schemas.microsoft.com/office/drawing/2014/main" id="{430FBA8E-65D0-CA48-A613-70DF19B2F23C}"/>
+              </a:ext>
+            </a:extLst>
+          </p:cNvPr>
+          <p:cNvSpPr txBox="1"/>
+          <p:nvPr/>
+        </p:nvSpPr>
+        <p:spPr>
+          <a:xfrm>
+            <a:off x="3451432" y="6182247"/>
+            <a:ext cx="845916" cy="369332"/>
+          </a:xfrm>
+          <a:prstGeom prst="rect">
+            <a:avLst/>
+          </a:prstGeom>
+          <a:solidFill>
+            <a:srgbClr val="0432FF">
+              <a:alpha val="25490"/>
+            </a:srgbClr>
+          </a:solidFill>
+          <a:ln w="19050">
+            <a:solidFill>
+              <a:srgbClr val="0432FF"/>
+            </a:solidFill>
+          </a:ln>
+        </p:spPr>
+        <p:txBody>
+          <a:bodyPr wrap="square" rtlCol="0">
+            <a:spAutoFit/>
+          </a:bodyPr>
+          <a:lstStyle/>
+          <a:p>
+            <a:pPr algn="ctr"/>
+            <a:r>
               <a:rPr lang="en-US" altLang="ja-JP" dirty="0"/>
-              <a:t>(Cuckoo)</a:t>
-            </a:r>
-          </a:p>
-          <a:p>
-            <a:pPr lvl="1"/>
+              <a:t>Owner</a:t>
+            </a:r>
+            <a:endParaRPr kumimoji="1" lang="ja-JP" altLang="en-US"/>
+          </a:p>
+        </p:txBody>
+      </p:sp>
+      <p:cxnSp>
+        <p:nvCxnSpPr>
+          <p:cNvPr id="26" name="直線コネクタ 25">
+            <a:extLst>
+              <a:ext uri="{FF2B5EF4-FFF2-40B4-BE49-F238E27FC236}">
+                <a16:creationId xmlns:a16="http://schemas.microsoft.com/office/drawing/2014/main" id="{9332BF2C-B65F-264C-8042-DD2D9ADF843B}"/>
+              </a:ext>
+            </a:extLst>
+          </p:cNvPr>
+          <p:cNvCxnSpPr>
+            <a:cxnSpLocks/>
+            <a:stCxn id="25" idx="3"/>
+          </p:cNvCxnSpPr>
+          <p:nvPr/>
+        </p:nvCxnSpPr>
+        <p:spPr>
+          <a:xfrm flipV="1">
+            <a:off x="4297348" y="6172607"/>
+            <a:ext cx="581677" cy="194306"/>
+          </a:xfrm>
+          <a:prstGeom prst="line">
+            <a:avLst/>
+          </a:prstGeom>
+          <a:ln w="38100" cap="flat" cmpd="sng" algn="ctr">
+            <a:solidFill>
+              <a:srgbClr val="0432FF"/>
+            </a:solidFill>
+            <a:prstDash val="solid"/>
+            <a:round/>
+            <a:headEnd type="none" w="med" len="med"/>
+            <a:tailEnd type="arrow" w="med" len="med"/>
+          </a:ln>
+        </p:spPr>
+        <p:style>
+          <a:lnRef idx="0">
+            <a:scrgbClr r="0" g="0" b="0"/>
+          </a:lnRef>
+          <a:fillRef idx="0">
+            <a:scrgbClr r="0" g="0" b="0"/>
+          </a:fillRef>
+          <a:effectRef idx="0">
+            <a:scrgbClr r="0" g="0" b="0"/>
+          </a:effectRef>
+          <a:fontRef idx="minor">
+            <a:schemeClr val="tx1"/>
+          </a:fontRef>
+        </p:style>
+      </p:cxnSp>
+      <p:sp>
+        <p:nvSpPr>
+          <p:cNvPr id="27" name="テキスト ボックス 26">
+            <a:extLst>
+              <a:ext uri="{FF2B5EF4-FFF2-40B4-BE49-F238E27FC236}">
+                <a16:creationId xmlns:a16="http://schemas.microsoft.com/office/drawing/2014/main" id="{85EB4C7C-3707-AE47-B4AA-146924313B02}"/>
+              </a:ext>
+            </a:extLst>
+          </p:cNvPr>
+          <p:cNvSpPr txBox="1"/>
+          <p:nvPr/>
+        </p:nvSpPr>
+        <p:spPr>
+          <a:xfrm>
+            <a:off x="3399273" y="5690200"/>
+            <a:ext cx="950234" cy="369332"/>
+          </a:xfrm>
+          <a:prstGeom prst="rect">
+            <a:avLst/>
+          </a:prstGeom>
+          <a:solidFill>
+            <a:srgbClr val="FF2600">
+              <a:alpha val="24706"/>
+            </a:srgbClr>
+          </a:solidFill>
+          <a:ln w="19050">
+            <a:solidFill>
+              <a:srgbClr val="FF2600"/>
+            </a:solidFill>
+          </a:ln>
+        </p:spPr>
+        <p:txBody>
+          <a:bodyPr wrap="square" rtlCol="0">
+            <a:spAutoFit/>
+          </a:bodyPr>
+          <a:lstStyle/>
+          <a:p>
+            <a:pPr algn="ctr"/>
+            <a:r>
+              <a:rPr lang="en-US" altLang="ja-JP" dirty="0"/>
+              <a:t>Cuckoo</a:t>
+            </a:r>
+            <a:endParaRPr kumimoji="1" lang="ja-JP" altLang="en-US"/>
+          </a:p>
+        </p:txBody>
+      </p:sp>
+      <p:cxnSp>
+        <p:nvCxnSpPr>
+          <p:cNvPr id="30" name="直線コネクタ 29">
+            <a:extLst>
+              <a:ext uri="{FF2B5EF4-FFF2-40B4-BE49-F238E27FC236}">
+                <a16:creationId xmlns:a16="http://schemas.microsoft.com/office/drawing/2014/main" id="{A5D3B54C-F135-C34F-BD00-47944CC69084}"/>
+              </a:ext>
+            </a:extLst>
+          </p:cNvPr>
+          <p:cNvCxnSpPr>
+            <a:cxnSpLocks/>
+            <a:stCxn id="27" idx="3"/>
+          </p:cNvCxnSpPr>
+          <p:nvPr/>
+        </p:nvCxnSpPr>
+        <p:spPr>
+          <a:xfrm flipV="1">
+            <a:off x="4349507" y="5870748"/>
+            <a:ext cx="576239" cy="4118"/>
+          </a:xfrm>
+          <a:prstGeom prst="line">
+            <a:avLst/>
+          </a:prstGeom>
+          <a:ln w="38100" cap="flat" cmpd="sng" algn="ctr">
+            <a:solidFill>
+              <a:srgbClr val="FF2600"/>
+            </a:solidFill>
+            <a:prstDash val="solid"/>
+            <a:round/>
+            <a:headEnd type="none" w="med" len="med"/>
+            <a:tailEnd type="arrow" w="med" len="med"/>
+          </a:ln>
+        </p:spPr>
+        <p:style>
+          <a:lnRef idx="0">
+            <a:scrgbClr r="0" g="0" b="0"/>
+          </a:lnRef>
+          <a:fillRef idx="0">
+            <a:scrgbClr r="0" g="0" b="0"/>
+          </a:fillRef>
+          <a:effectRef idx="0">
+            <a:scrgbClr r="0" g="0" b="0"/>
+          </a:effectRef>
+          <a:fontRef idx="minor">
+            <a:schemeClr val="tx1"/>
+          </a:fontRef>
+        </p:style>
+      </p:cxnSp>
+      <p:sp>
+        <p:nvSpPr>
+          <p:cNvPr id="31" name="テキスト ボックス 30">
+            <a:extLst>
+              <a:ext uri="{FF2B5EF4-FFF2-40B4-BE49-F238E27FC236}">
+                <a16:creationId xmlns:a16="http://schemas.microsoft.com/office/drawing/2014/main" id="{C25B8DB6-9CD5-624A-82E6-A00C33967637}"/>
+              </a:ext>
+            </a:extLst>
+          </p:cNvPr>
+          <p:cNvSpPr txBox="1"/>
+          <p:nvPr/>
+        </p:nvSpPr>
+        <p:spPr>
+          <a:xfrm>
+            <a:off x="4786917" y="4849708"/>
+            <a:ext cx="1193805" cy="369332"/>
+          </a:xfrm>
+          <a:prstGeom prst="rect">
+            <a:avLst/>
+          </a:prstGeom>
+          <a:solidFill>
+            <a:schemeClr val="accent4">
+              <a:lumMod val="75000"/>
+              <a:alpha val="25098"/>
+            </a:schemeClr>
+          </a:solidFill>
+          <a:ln w="19050">
+            <a:solidFill>
+              <a:srgbClr val="00B050"/>
+            </a:solidFill>
+          </a:ln>
+        </p:spPr>
+        <p:txBody>
+          <a:bodyPr wrap="square" rtlCol="0">
+            <a:spAutoFit/>
+          </a:bodyPr>
+          <a:lstStyle/>
+          <a:p>
+            <a:pPr algn="ctr"/>
+            <a:r>
+              <a:rPr kumimoji="1" lang="en-US" altLang="ja-JP" dirty="0" err="1"/>
+              <a:t>Kageyama</a:t>
+            </a:r>
+            <a:endParaRPr kumimoji="1" lang="ja-JP" altLang="en-US"/>
+          </a:p>
+        </p:txBody>
+      </p:sp>
+      <p:cxnSp>
+        <p:nvCxnSpPr>
+          <p:cNvPr id="32" name="直線コネクタ 31">
+            <a:extLst>
+              <a:ext uri="{FF2B5EF4-FFF2-40B4-BE49-F238E27FC236}">
+                <a16:creationId xmlns:a16="http://schemas.microsoft.com/office/drawing/2014/main" id="{64D012DC-412B-7545-8FA2-148BEEBBA563}"/>
+              </a:ext>
+            </a:extLst>
+          </p:cNvPr>
+          <p:cNvCxnSpPr>
+            <a:cxnSpLocks/>
+            <a:stCxn id="31" idx="2"/>
+          </p:cNvCxnSpPr>
+          <p:nvPr/>
+        </p:nvCxnSpPr>
+        <p:spPr>
+          <a:xfrm>
+            <a:off x="5383820" y="5219040"/>
+            <a:ext cx="129" cy="352517"/>
+          </a:xfrm>
+          <a:prstGeom prst="line">
+            <a:avLst/>
+          </a:prstGeom>
+          <a:ln w="38100" cap="flat" cmpd="sng" algn="ctr">
+            <a:solidFill>
+              <a:srgbClr val="00B050"/>
+            </a:solidFill>
+            <a:prstDash val="solid"/>
+            <a:round/>
+            <a:headEnd type="none" w="med" len="med"/>
+            <a:tailEnd type="arrow" w="med" len="med"/>
+          </a:ln>
+        </p:spPr>
+        <p:style>
+          <a:lnRef idx="0">
+            <a:scrgbClr r="0" g="0" b="0"/>
+          </a:lnRef>
+          <a:fillRef idx="0">
+            <a:scrgbClr r="0" g="0" b="0"/>
+          </a:fillRef>
+          <a:effectRef idx="0">
+            <a:scrgbClr r="0" g="0" b="0"/>
+          </a:effectRef>
+          <a:fontRef idx="minor">
+            <a:schemeClr val="tx1"/>
+          </a:fontRef>
+        </p:style>
+      </p:cxnSp>
+      <p:cxnSp>
+        <p:nvCxnSpPr>
+          <p:cNvPr id="28" name="直線コネクタ 27">
+            <a:extLst>
+              <a:ext uri="{FF2B5EF4-FFF2-40B4-BE49-F238E27FC236}">
+                <a16:creationId xmlns:a16="http://schemas.microsoft.com/office/drawing/2014/main" id="{A70AE49B-F941-414E-BE58-064F51CAE807}"/>
+              </a:ext>
+            </a:extLst>
+          </p:cNvPr>
+          <p:cNvCxnSpPr>
+            <a:cxnSpLocks/>
+          </p:cNvCxnSpPr>
+          <p:nvPr/>
+        </p:nvCxnSpPr>
+        <p:spPr>
+          <a:xfrm flipV="1">
+            <a:off x="7409280" y="5848375"/>
+            <a:ext cx="0" cy="333872"/>
+          </a:xfrm>
+          <a:prstGeom prst="line">
+            <a:avLst/>
+          </a:prstGeom>
+          <a:ln w="38100" cap="flat" cmpd="sng" algn="ctr">
+            <a:solidFill>
+              <a:srgbClr val="FF0000"/>
+            </a:solidFill>
+            <a:prstDash val="solid"/>
+            <a:round/>
+            <a:headEnd type="none" w="med" len="med"/>
+            <a:tailEnd type="arrow" w="med" len="med"/>
+          </a:ln>
+        </p:spPr>
+        <p:style>
+          <a:lnRef idx="0">
+            <a:scrgbClr r="0" g="0" b="0"/>
+          </a:lnRef>
+          <a:fillRef idx="0">
+            <a:scrgbClr r="0" g="0" b="0"/>
+          </a:fillRef>
+          <a:effectRef idx="0">
+            <a:scrgbClr r="0" g="0" b="0"/>
+          </a:effectRef>
+          <a:fontRef idx="minor">
+            <a:schemeClr val="tx1"/>
+          </a:fontRef>
+        </p:style>
+      </p:cxnSp>
+      <p:cxnSp>
+        <p:nvCxnSpPr>
+          <p:cNvPr id="29" name="直線コネクタ 28">
+            <a:extLst>
+              <a:ext uri="{FF2B5EF4-FFF2-40B4-BE49-F238E27FC236}">
+                <a16:creationId xmlns:a16="http://schemas.microsoft.com/office/drawing/2014/main" id="{65B584B1-8F7F-A64F-8DAB-ABFC3A8232B4}"/>
+              </a:ext>
+            </a:extLst>
+          </p:cNvPr>
+          <p:cNvCxnSpPr>
+            <a:cxnSpLocks/>
+          </p:cNvCxnSpPr>
+          <p:nvPr/>
+        </p:nvCxnSpPr>
+        <p:spPr>
+          <a:xfrm flipV="1">
+            <a:off x="7840205" y="5186337"/>
+            <a:ext cx="0" cy="662038"/>
+          </a:xfrm>
+          <a:prstGeom prst="line">
+            <a:avLst/>
+          </a:prstGeom>
+          <a:ln w="38100" cap="flat" cmpd="sng" algn="ctr">
+            <a:solidFill>
+              <a:srgbClr val="00B050"/>
+            </a:solidFill>
+            <a:prstDash val="solid"/>
+            <a:round/>
+            <a:headEnd type="none" w="med" len="med"/>
+            <a:tailEnd type="arrow" w="med" len="med"/>
+          </a:ln>
+        </p:spPr>
+        <p:style>
+          <a:lnRef idx="0">
+            <a:scrgbClr r="0" g="0" b="0"/>
+          </a:lnRef>
+          <a:fillRef idx="0">
+            <a:scrgbClr r="0" g="0" b="0"/>
+          </a:fillRef>
+          <a:effectRef idx="0">
+            <a:scrgbClr r="0" g="0" b="0"/>
+          </a:effectRef>
+          <a:fontRef idx="minor">
+            <a:schemeClr val="tx1"/>
+          </a:fontRef>
+        </p:style>
+      </p:cxnSp>
+      <p:sp>
+        <p:nvSpPr>
+          <p:cNvPr id="44" name="テキスト ボックス 43">
+            <a:extLst>
+              <a:ext uri="{FF2B5EF4-FFF2-40B4-BE49-F238E27FC236}">
+                <a16:creationId xmlns:a16="http://schemas.microsoft.com/office/drawing/2014/main" id="{3E49E2B6-19B0-0049-B2E9-4B2851FD7920}"/>
+              </a:ext>
+            </a:extLst>
+          </p:cNvPr>
+          <p:cNvSpPr txBox="1"/>
+          <p:nvPr/>
+        </p:nvSpPr>
+        <p:spPr>
+          <a:xfrm>
+            <a:off x="6548293" y="5797230"/>
+            <a:ext cx="880652" cy="461665"/>
+          </a:xfrm>
+          <a:prstGeom prst="rect">
+            <a:avLst/>
+          </a:prstGeom>
+          <a:noFill/>
+        </p:spPr>
+        <p:txBody>
+          <a:bodyPr wrap="square" rtlCol="0">
+            <a:spAutoFit/>
+          </a:bodyPr>
+          <a:lstStyle/>
+          <a:p>
             <a:r>
               <a:rPr lang="en-US" altLang="ja-JP" sz="2400" dirty="0"/>
-              <a:t>Owner Replication</a:t>
-            </a:r>
-            <a:r>
-              <a:rPr lang="ja-JP" altLang="en-US" sz="2400"/>
-              <a:t>より使用率が高いサイクルもある</a:t>
-            </a:r>
-            <a:endParaRPr lang="en-US" altLang="ja-JP" sz="2400" dirty="0"/>
-          </a:p>
-          <a:p>
-            <a:pPr lvl="1"/>
+              <a:t>+12%</a:t>
+            </a:r>
+            <a:endParaRPr kumimoji="1" lang="ja-JP" altLang="en-US" sz="2400"/>
+          </a:p>
+        </p:txBody>
+      </p:sp>
+      <p:sp>
+        <p:nvSpPr>
+          <p:cNvPr id="45" name="テキスト ボックス 44">
+            <a:extLst>
+              <a:ext uri="{FF2B5EF4-FFF2-40B4-BE49-F238E27FC236}">
+                <a16:creationId xmlns:a16="http://schemas.microsoft.com/office/drawing/2014/main" id="{4BA706AA-F0AA-794E-AF2A-701E9EE792AE}"/>
+              </a:ext>
+            </a:extLst>
+          </p:cNvPr>
+          <p:cNvSpPr txBox="1"/>
+          <p:nvPr/>
+        </p:nvSpPr>
+        <p:spPr>
+          <a:xfrm>
+            <a:off x="6978355" y="5310062"/>
+            <a:ext cx="861850" cy="461665"/>
+          </a:xfrm>
+          <a:prstGeom prst="rect">
+            <a:avLst/>
+          </a:prstGeom>
+          <a:noFill/>
+        </p:spPr>
+        <p:txBody>
+          <a:bodyPr wrap="square" rtlCol="0">
+            <a:spAutoFit/>
+          </a:bodyPr>
+          <a:lstStyle/>
+          <a:p>
             <a:r>
               <a:rPr lang="en-US" altLang="ja-JP" sz="2400" dirty="0"/>
-              <a:t> 100</a:t>
-            </a:r>
-            <a:r>
-              <a:rPr lang="ja-JP" altLang="en-US" sz="2400"/>
-              <a:t>サイクル少し前あたりから関連研究の提案手法より低い</a:t>
-            </a:r>
-          </a:p>
-          <a:p>
-            <a:endParaRPr lang="en-US" altLang="ja-JP" dirty="0"/>
+              <a:t>+22%</a:t>
+            </a:r>
+            <a:endParaRPr kumimoji="1" lang="ja-JP" altLang="en-US" sz="2400"/>
           </a:p>
         </p:txBody>
       </p:sp>
@@ -7938,10 +10134,15 @@
             <p:ph idx="1"/>
           </p:nvPr>
         </p:nvSpPr>
-        <p:spPr/>
+        <p:spPr>
+          <a:xfrm>
+            <a:off x="1371600" y="2286000"/>
+            <a:ext cx="9601200" cy="4167386"/>
+          </a:xfrm>
+        </p:spPr>
         <p:txBody>
           <a:bodyPr>
-            <a:normAutofit fontScale="92500" lnSpcReduction="10000"/>
+            <a:normAutofit/>
           </a:bodyPr>
           <a:lstStyle/>
           <a:p>
@@ -7992,7 +10193,7 @@
             <a:pPr lvl="1"/>
             <a:r>
               <a:rPr lang="ja-JP" altLang="en-US" dirty="0"/>
-              <a:t>本提案手法で一定期間のデータの生存を確認できた</a:t>
+              <a:t>本提案手法で一定期間のデータの生存を確認</a:t>
             </a:r>
             <a:endParaRPr lang="en-US" altLang="ja-JP" dirty="0"/>
           </a:p>
@@ -8000,15 +10201,15 @@
             <a:pPr lvl="1"/>
             <a:r>
               <a:rPr lang="ja-JP" altLang="en-US" dirty="0"/>
-              <a:t>ストレージ</a:t>
-            </a:r>
-            <a:r>
-              <a:rPr lang="ja-JP" altLang="en-US"/>
-              <a:t>使用率は関連研究以下であること</a:t>
+              <a:t>本提案手法のストレージ使用量は、影山らの提案手法、</a:t>
+            </a:r>
+            <a:r>
+              <a:rPr lang="en-US" altLang="ja-JP" dirty="0"/>
+              <a:t>Path Replication</a:t>
             </a:r>
             <a:r>
               <a:rPr lang="ja-JP" altLang="en-US" dirty="0"/>
-              <a:t>が確認できた</a:t>
+              <a:t>の使用量以下</a:t>
             </a:r>
             <a:endParaRPr lang="en-US" altLang="ja-JP" dirty="0"/>
           </a:p>
@@ -8094,7 +10295,7 @@
               <a:t>(</a:t>
             </a:r>
             <a:r>
-              <a:rPr lang="ja-JP" altLang="en-US"/>
+              <a:rPr lang="ja-JP" altLang="en-US" dirty="0"/>
               <a:t>補足</a:t>
             </a:r>
             <a:r>
@@ -8102,14 +10303,14 @@
               <a:t>)</a:t>
             </a:r>
             <a:r>
-              <a:rPr kumimoji="1" lang="ja-JP" altLang="en-US"/>
+              <a:rPr kumimoji="1" lang="ja-JP" altLang="en-US" dirty="0"/>
               <a:t>カッコウ探索のアルゴリズム</a:t>
             </a:r>
             <a:r>
               <a:rPr kumimoji="1" lang="en-US" altLang="ja-JP" dirty="0"/>
-              <a:t>[5]</a:t>
-            </a:r>
-            <a:endParaRPr kumimoji="1" lang="ja-JP" altLang="en-US"/>
+              <a:t>[6]</a:t>
+            </a:r>
+            <a:endParaRPr kumimoji="1" lang="ja-JP" altLang="en-US" dirty="0"/>
           </a:p>
         </p:txBody>
       </p:sp>
@@ -8170,7 +10371,7 @@
             <a:pPr lvl="1"/>
             <a:r>
               <a:rPr lang="ja-JP" altLang="en-US"/>
-              <a:t>卵のある場所</a:t>
+              <a:t>卵がある場所</a:t>
             </a:r>
             <a:endParaRPr kumimoji="1" lang="en-US" altLang="ja-JP" dirty="0"/>
           </a:p>
@@ -8273,18 +10474,22 @@
           <a:p>
             <a:r>
               <a:rPr lang="en-US" altLang="ja-JP" sz="1400" dirty="0"/>
-              <a:t>[5]</a:t>
+              <a:t>[6] </a:t>
             </a:r>
             <a:r>
               <a:rPr lang="ja-JP" altLang="en-US" sz="1400"/>
-              <a:t>大谷紀子</a:t>
+              <a:t>大谷</a:t>
+            </a:r>
+            <a:r>
+              <a:rPr lang="ja-JP" altLang="en-US" sz="1400" dirty="0"/>
+              <a:t>紀子</a:t>
             </a:r>
             <a:r>
               <a:rPr lang="en-US" altLang="ja-JP" sz="1400" dirty="0"/>
               <a:t>, “</a:t>
             </a:r>
             <a:r>
-              <a:rPr lang="ja-JP" altLang="en-US" sz="1400">
+              <a:rPr lang="ja-JP" altLang="en-US" sz="1400" dirty="0">
                 <a:hlinkClick r:id="rId4"/>
               </a:rPr>
               <a:t>進化計算アルゴリズム入門 </a:t>
@@ -8296,7 +10501,7 @@
               <a:t> </a:t>
             </a:r>
             <a:r>
-              <a:rPr lang="ja-JP" altLang="en-US" sz="1400">
+              <a:rPr lang="ja-JP" altLang="en-US" sz="1400" dirty="0">
                 <a:hlinkClick r:id="rId4"/>
               </a:rPr>
               <a:t>生物の行動科学から導く最適解</a:t>
@@ -8306,7 +10511,7 @@
               <a:t>”</a:t>
             </a:r>
             <a:r>
-              <a:rPr lang="ja-JP" altLang="en-US" sz="1400"/>
+              <a:rPr lang="ja-JP" altLang="en-US" sz="1400" dirty="0"/>
               <a:t>の</a:t>
             </a:r>
             <a:r>
@@ -8314,7 +10519,7 @@
               <a:t>Google</a:t>
             </a:r>
             <a:r>
-              <a:rPr lang="ja-JP" altLang="en-US" sz="1400"/>
+              <a:rPr lang="ja-JP" altLang="en-US" sz="1400" dirty="0"/>
               <a:t>ブックプレビュー</a:t>
             </a:r>
             <a:r>
@@ -8322,14 +10527,14 @@
               <a:t>, </a:t>
             </a:r>
             <a:r>
-              <a:rPr lang="ja-JP" altLang="en-US" sz="1400"/>
+              <a:rPr lang="ja-JP" altLang="en-US" sz="1400" dirty="0"/>
               <a:t>オーム社</a:t>
             </a:r>
             <a:r>
               <a:rPr lang="en-US" altLang="ja-JP" sz="1400" dirty="0"/>
               <a:t>, 2018.6</a:t>
             </a:r>
-            <a:endParaRPr lang="ja-JP" altLang="en-US" sz="1400"/>
+            <a:endParaRPr lang="ja-JP" altLang="en-US" sz="1400" dirty="0"/>
           </a:p>
         </p:txBody>
       </p:sp>
@@ -8399,19 +10604,21 @@
         <p:spPr>
           <a:xfrm>
             <a:off x="1371600" y="1372928"/>
-            <a:ext cx="9601200" cy="3581400"/>
+            <a:ext cx="9601200" cy="2750651"/>
           </a:xfrm>
         </p:spPr>
         <p:txBody>
-          <a:bodyPr/>
+          <a:bodyPr>
+            <a:normAutofit lnSpcReduction="10000"/>
+          </a:bodyPr>
           <a:lstStyle/>
           <a:p>
             <a:r>
-              <a:rPr kumimoji="1" lang="ja-JP" altLang="en-US"/>
+              <a:rPr kumimoji="1" lang="ja-JP" altLang="en-US" dirty="0"/>
               <a:t>災害時</a:t>
             </a:r>
             <a:r>
-              <a:rPr lang="ja-JP" altLang="en-US"/>
+              <a:rPr lang="ja-JP" altLang="en-US" dirty="0"/>
               <a:t>の情報共有</a:t>
             </a:r>
             <a:endParaRPr lang="en-US" altLang="ja-JP" dirty="0"/>
@@ -8419,12 +10626,8 @@
           <a:p>
             <a:pPr lvl="1"/>
             <a:r>
-              <a:rPr kumimoji="1" lang="ja-JP" altLang="en-US"/>
-              <a:t>ネットワークインフラ</a:t>
-            </a:r>
-            <a:r>
               <a:rPr kumimoji="1" lang="ja-JP" altLang="en-US" dirty="0"/>
-              <a:t>が利用できない</a:t>
+              <a:t>ネットワークインフラが利用できない</a:t>
             </a:r>
             <a:r>
               <a:rPr lang="ja-JP" altLang="en-US" dirty="0"/>
@@ -8438,6 +10641,10 @@
               <a:rPr kumimoji="1" lang="ja-JP" altLang="en-US" dirty="0"/>
               <a:t>携帯端末でアドホックネットワークを構成</a:t>
             </a:r>
+            <a:r>
+              <a:rPr kumimoji="1" lang="en-US" altLang="ja-JP" i="0" dirty="0"/>
+              <a:t>[1]</a:t>
+            </a:r>
             <a:endParaRPr kumimoji="1" lang="en-US" altLang="ja-JP" dirty="0"/>
           </a:p>
           <a:p>
@@ -8452,13 +10659,23 @@
             <a:pPr lvl="2"/>
             <a:r>
               <a:rPr lang="ja-JP" altLang="en-US" dirty="0"/>
-              <a:t>補給物資情報、復旧情報、個人の生存情報などがアップロードされ、共有される</a:t>
+              <a:t>補給物資情報、復旧情報、個人の生存</a:t>
+            </a:r>
+            <a:r>
+              <a:rPr lang="ja-JP" altLang="en-US"/>
+              <a:t>情報などが</a:t>
+            </a:r>
+            <a:endParaRPr lang="en-US" altLang="ja-JP" dirty="0"/>
+          </a:p>
+          <a:p>
+            <a:pPr marL="987552" lvl="2" indent="0">
+              <a:buNone/>
+            </a:pPr>
+            <a:r>
+              <a:rPr lang="ja-JP" altLang="en-US" dirty="0"/>
+              <a:t>　アップロードされ、共有される</a:t>
             </a:r>
             <a:endParaRPr kumimoji="1" lang="en-US" altLang="ja-JP" dirty="0"/>
-          </a:p>
-          <a:p>
-            <a:pPr lvl="2"/>
-            <a:endParaRPr kumimoji="1" lang="ja-JP" altLang="en-US" dirty="0"/>
           </a:p>
         </p:txBody>
       </p:sp>
@@ -8485,581 +10702,1012 @@
           </a:p>
         </p:txBody>
       </p:sp>
+      <p:pic>
+        <p:nvPicPr>
+          <p:cNvPr id="5" name="図 4"/>
+          <p:cNvPicPr>
+            <a:picLocks noChangeAspect="1"/>
+          </p:cNvPicPr>
+          <p:nvPr/>
+        </p:nvPicPr>
+        <p:blipFill>
+          <a:blip r:embed="rId3">
+            <a:extLst>
+              <a:ext uri="{28A0092B-C50C-407E-A947-70E740481C1C}">
+                <a14:useLocalDpi xmlns:a14="http://schemas.microsoft.com/office/drawing/2010/main" val="0"/>
+              </a:ext>
+            </a:extLst>
+          </a:blip>
+          <a:stretch>
+            <a:fillRect/>
+          </a:stretch>
+        </p:blipFill>
+        <p:spPr>
+          <a:xfrm>
+            <a:off x="1813872" y="3999184"/>
+            <a:ext cx="3709659" cy="2256710"/>
+          </a:xfrm>
+          <a:prstGeom prst="rect">
+            <a:avLst/>
+          </a:prstGeom>
+        </p:spPr>
+      </p:pic>
       <p:grpSp>
         <p:nvGrpSpPr>
-          <p:cNvPr id="61" name="グループ化 60">
-            <a:extLst>
-              <a:ext uri="{FF2B5EF4-FFF2-40B4-BE49-F238E27FC236}">
-                <a16:creationId xmlns:a16="http://schemas.microsoft.com/office/drawing/2014/main" id="{5BA8ED72-6984-864D-85A9-55C14A2EFA6F}"/>
-              </a:ext>
-            </a:extLst>
-          </p:cNvPr>
+          <p:cNvPr id="51" name="グループ化 50"/>
           <p:cNvGrpSpPr/>
           <p:nvPr/>
         </p:nvGrpSpPr>
         <p:grpSpPr>
           <a:xfrm>
-            <a:off x="3635507" y="4167776"/>
-            <a:ext cx="5073385" cy="2690224"/>
-            <a:chOff x="5557131" y="3323766"/>
-            <a:chExt cx="5943738" cy="3352295"/>
+            <a:off x="7140552" y="4216502"/>
+            <a:ext cx="3924061" cy="1928224"/>
+            <a:chOff x="5404296" y="4186082"/>
+            <a:chExt cx="5073385" cy="2690224"/>
           </a:xfrm>
         </p:grpSpPr>
-        <p:cxnSp>
-          <p:nvCxnSpPr>
-            <p:cNvPr id="56" name="直線コネクタ 55">
+        <p:grpSp>
+          <p:nvGrpSpPr>
+            <p:cNvPr id="61" name="グループ化 60">
               <a:extLst>
                 <a:ext uri="{FF2B5EF4-FFF2-40B4-BE49-F238E27FC236}">
-                  <a16:creationId xmlns:a16="http://schemas.microsoft.com/office/drawing/2014/main" id="{2EC518BD-9F77-4A4F-8F44-2D713B3C871F}"/>
+                  <a16:creationId xmlns:a16="http://schemas.microsoft.com/office/drawing/2014/main" id="{5BA8ED72-6984-864D-85A9-55C14A2EFA6F}"/>
                 </a:ext>
               </a:extLst>
             </p:cNvPr>
+            <p:cNvGrpSpPr/>
+            <p:nvPr/>
+          </p:nvGrpSpPr>
+          <p:grpSpPr>
+            <a:xfrm>
+              <a:off x="5404296" y="4186082"/>
+              <a:ext cx="5073385" cy="2690224"/>
+              <a:chOff x="5557131" y="3323766"/>
+              <a:chExt cx="5943738" cy="3352295"/>
+            </a:xfrm>
+          </p:grpSpPr>
+          <p:cxnSp>
+            <p:nvCxnSpPr>
+              <p:cNvPr id="56" name="直線コネクタ 55">
+                <a:extLst>
+                  <a:ext uri="{FF2B5EF4-FFF2-40B4-BE49-F238E27FC236}">
+                    <a16:creationId xmlns:a16="http://schemas.microsoft.com/office/drawing/2014/main" id="{2EC518BD-9F77-4A4F-8F44-2D713B3C871F}"/>
+                  </a:ext>
+                </a:extLst>
+              </p:cNvPr>
+              <p:cNvCxnSpPr>
+                <a:cxnSpLocks/>
+              </p:cNvCxnSpPr>
+              <p:nvPr/>
+            </p:nvCxnSpPr>
+            <p:spPr>
+              <a:xfrm>
+                <a:off x="8276555" y="4841884"/>
+                <a:ext cx="1022965" cy="1175944"/>
+              </a:xfrm>
+              <a:prstGeom prst="line">
+                <a:avLst/>
+              </a:prstGeom>
+              <a:ln w="57150">
+                <a:solidFill>
+                  <a:srgbClr val="0070C0"/>
+                </a:solidFill>
+              </a:ln>
+            </p:spPr>
+            <p:style>
+              <a:lnRef idx="3">
+                <a:schemeClr val="accent5"/>
+              </a:lnRef>
+              <a:fillRef idx="0">
+                <a:schemeClr val="accent5"/>
+              </a:fillRef>
+              <a:effectRef idx="2">
+                <a:schemeClr val="accent5"/>
+              </a:effectRef>
+              <a:fontRef idx="minor">
+                <a:schemeClr val="tx1"/>
+              </a:fontRef>
+            </p:style>
+          </p:cxnSp>
+          <p:cxnSp>
+            <p:nvCxnSpPr>
+              <p:cNvPr id="18" name="直線コネクタ 17">
+                <a:extLst>
+                  <a:ext uri="{FF2B5EF4-FFF2-40B4-BE49-F238E27FC236}">
+                    <a16:creationId xmlns:a16="http://schemas.microsoft.com/office/drawing/2014/main" id="{22C3AA59-BC27-2A4E-B5C3-C3D161FE8791}"/>
+                  </a:ext>
+                </a:extLst>
+              </p:cNvPr>
+              <p:cNvCxnSpPr>
+                <a:cxnSpLocks/>
+              </p:cNvCxnSpPr>
+              <p:nvPr/>
+            </p:nvCxnSpPr>
+            <p:spPr>
+              <a:xfrm flipV="1">
+                <a:off x="6166519" y="3656169"/>
+                <a:ext cx="561193" cy="1652388"/>
+              </a:xfrm>
+              <a:prstGeom prst="line">
+                <a:avLst/>
+              </a:prstGeom>
+              <a:ln w="57150">
+                <a:solidFill>
+                  <a:srgbClr val="0070C0"/>
+                </a:solidFill>
+              </a:ln>
+            </p:spPr>
+            <p:style>
+              <a:lnRef idx="3">
+                <a:schemeClr val="accent5"/>
+              </a:lnRef>
+              <a:fillRef idx="0">
+                <a:schemeClr val="accent5"/>
+              </a:fillRef>
+              <a:effectRef idx="2">
+                <a:schemeClr val="accent5"/>
+              </a:effectRef>
+              <a:fontRef idx="minor">
+                <a:schemeClr val="tx1"/>
+              </a:fontRef>
+            </p:style>
+          </p:cxnSp>
+          <p:cxnSp>
+            <p:nvCxnSpPr>
+              <p:cNvPr id="24" name="直線コネクタ 23">
+                <a:extLst>
+                  <a:ext uri="{FF2B5EF4-FFF2-40B4-BE49-F238E27FC236}">
+                    <a16:creationId xmlns:a16="http://schemas.microsoft.com/office/drawing/2014/main" id="{4049DCB9-E5CE-8A4E-95A9-30CAA475A0C3}"/>
+                  </a:ext>
+                </a:extLst>
+              </p:cNvPr>
+              <p:cNvCxnSpPr>
+                <a:cxnSpLocks/>
+              </p:cNvCxnSpPr>
+              <p:nvPr/>
+            </p:nvCxnSpPr>
+            <p:spPr>
+              <a:xfrm flipV="1">
+                <a:off x="7337100" y="4822638"/>
+                <a:ext cx="1226076" cy="1060254"/>
+              </a:xfrm>
+              <a:prstGeom prst="line">
+                <a:avLst/>
+              </a:prstGeom>
+              <a:ln w="57150">
+                <a:solidFill>
+                  <a:srgbClr val="0070C0"/>
+                </a:solidFill>
+              </a:ln>
+            </p:spPr>
+            <p:style>
+              <a:lnRef idx="3">
+                <a:schemeClr val="accent5"/>
+              </a:lnRef>
+              <a:fillRef idx="0">
+                <a:schemeClr val="accent5"/>
+              </a:fillRef>
+              <a:effectRef idx="2">
+                <a:schemeClr val="accent5"/>
+              </a:effectRef>
+              <a:fontRef idx="minor">
+                <a:schemeClr val="tx1"/>
+              </a:fontRef>
+            </p:style>
+          </p:cxnSp>
+          <p:cxnSp>
+            <p:nvCxnSpPr>
+              <p:cNvPr id="32" name="直線コネクタ 31">
+                <a:extLst>
+                  <a:ext uri="{FF2B5EF4-FFF2-40B4-BE49-F238E27FC236}">
+                    <a16:creationId xmlns:a16="http://schemas.microsoft.com/office/drawing/2014/main" id="{27D6F292-76FE-9742-BFD1-2E1B18D648FC}"/>
+                  </a:ext>
+                </a:extLst>
+              </p:cNvPr>
+              <p:cNvCxnSpPr>
+                <a:cxnSpLocks/>
+              </p:cNvCxnSpPr>
+              <p:nvPr/>
+            </p:nvCxnSpPr>
+            <p:spPr>
+              <a:xfrm>
+                <a:off x="7173856" y="3830825"/>
+                <a:ext cx="1130556" cy="693126"/>
+              </a:xfrm>
+              <a:prstGeom prst="line">
+                <a:avLst/>
+              </a:prstGeom>
+              <a:ln w="57150">
+                <a:solidFill>
+                  <a:srgbClr val="0070C0"/>
+                </a:solidFill>
+              </a:ln>
+            </p:spPr>
+            <p:style>
+              <a:lnRef idx="3">
+                <a:schemeClr val="accent5"/>
+              </a:lnRef>
+              <a:fillRef idx="0">
+                <a:schemeClr val="accent5"/>
+              </a:fillRef>
+              <a:effectRef idx="2">
+                <a:schemeClr val="accent5"/>
+              </a:effectRef>
+              <a:fontRef idx="minor">
+                <a:schemeClr val="tx1"/>
+              </a:fontRef>
+            </p:style>
+          </p:cxnSp>
+          <p:cxnSp>
+            <p:nvCxnSpPr>
+              <p:cNvPr id="34" name="直線コネクタ 33">
+                <a:extLst>
+                  <a:ext uri="{FF2B5EF4-FFF2-40B4-BE49-F238E27FC236}">
+                    <a16:creationId xmlns:a16="http://schemas.microsoft.com/office/drawing/2014/main" id="{6F9AC7D6-2D39-B447-82C7-2174BE223601}"/>
+                  </a:ext>
+                </a:extLst>
+              </p:cNvPr>
+              <p:cNvCxnSpPr>
+                <a:cxnSpLocks/>
+              </p:cNvCxnSpPr>
+              <p:nvPr/>
+            </p:nvCxnSpPr>
+            <p:spPr>
+              <a:xfrm flipV="1">
+                <a:off x="8509732" y="3778064"/>
+                <a:ext cx="1472468" cy="719663"/>
+              </a:xfrm>
+              <a:prstGeom prst="line">
+                <a:avLst/>
+              </a:prstGeom>
+              <a:ln w="57150">
+                <a:solidFill>
+                  <a:srgbClr val="0070C0"/>
+                </a:solidFill>
+              </a:ln>
+            </p:spPr>
+            <p:style>
+              <a:lnRef idx="3">
+                <a:schemeClr val="accent5"/>
+              </a:lnRef>
+              <a:fillRef idx="0">
+                <a:schemeClr val="accent5"/>
+              </a:fillRef>
+              <a:effectRef idx="2">
+                <a:schemeClr val="accent5"/>
+              </a:effectRef>
+              <a:fontRef idx="minor">
+                <a:schemeClr val="tx1"/>
+              </a:fontRef>
+            </p:style>
+          </p:cxnSp>
+          <p:cxnSp>
+            <p:nvCxnSpPr>
+              <p:cNvPr id="35" name="直線コネクタ 34">
+                <a:extLst>
+                  <a:ext uri="{FF2B5EF4-FFF2-40B4-BE49-F238E27FC236}">
+                    <a16:creationId xmlns:a16="http://schemas.microsoft.com/office/drawing/2014/main" id="{48060567-1BE1-6845-AB50-4C1AB6A4F524}"/>
+                  </a:ext>
+                </a:extLst>
+              </p:cNvPr>
+              <p:cNvCxnSpPr>
+                <a:cxnSpLocks/>
+              </p:cNvCxnSpPr>
+              <p:nvPr/>
+            </p:nvCxnSpPr>
+            <p:spPr>
+              <a:xfrm flipV="1">
+                <a:off x="9573606" y="4558572"/>
+                <a:ext cx="1577973" cy="1324319"/>
+              </a:xfrm>
+              <a:prstGeom prst="line">
+                <a:avLst/>
+              </a:prstGeom>
+              <a:ln w="57150">
+                <a:solidFill>
+                  <a:srgbClr val="0070C0"/>
+                </a:solidFill>
+              </a:ln>
+            </p:spPr>
+            <p:style>
+              <a:lnRef idx="3">
+                <a:schemeClr val="accent5"/>
+              </a:lnRef>
+              <a:fillRef idx="0">
+                <a:schemeClr val="accent5"/>
+              </a:fillRef>
+              <a:effectRef idx="2">
+                <a:schemeClr val="accent5"/>
+              </a:effectRef>
+              <a:fontRef idx="minor">
+                <a:schemeClr val="tx1"/>
+              </a:fontRef>
+            </p:style>
+          </p:cxnSp>
+          <p:cxnSp>
+            <p:nvCxnSpPr>
+              <p:cNvPr id="36" name="直線コネクタ 35">
+                <a:extLst>
+                  <a:ext uri="{FF2B5EF4-FFF2-40B4-BE49-F238E27FC236}">
+                    <a16:creationId xmlns:a16="http://schemas.microsoft.com/office/drawing/2014/main" id="{3D3FE44D-1034-4041-9114-F39BF5B78FDD}"/>
+                  </a:ext>
+                </a:extLst>
+              </p:cNvPr>
+              <p:cNvCxnSpPr>
+                <a:cxnSpLocks/>
+              </p:cNvCxnSpPr>
+              <p:nvPr/>
+            </p:nvCxnSpPr>
+            <p:spPr>
+              <a:xfrm flipH="1">
+                <a:off x="9344149" y="4416056"/>
+                <a:ext cx="638051" cy="980350"/>
+              </a:xfrm>
+              <a:prstGeom prst="line">
+                <a:avLst/>
+              </a:prstGeom>
+              <a:ln w="57150">
+                <a:solidFill>
+                  <a:srgbClr val="0070C0"/>
+                </a:solidFill>
+              </a:ln>
+            </p:spPr>
+            <p:style>
+              <a:lnRef idx="3">
+                <a:schemeClr val="accent5"/>
+              </a:lnRef>
+              <a:fillRef idx="0">
+                <a:schemeClr val="accent5"/>
+              </a:fillRef>
+              <a:effectRef idx="2">
+                <a:schemeClr val="accent5"/>
+              </a:effectRef>
+              <a:fontRef idx="minor">
+                <a:schemeClr val="tx1"/>
+              </a:fontRef>
+            </p:style>
+          </p:cxnSp>
+          <p:cxnSp>
+            <p:nvCxnSpPr>
+              <p:cNvPr id="37" name="直線コネクタ 36">
+                <a:extLst>
+                  <a:ext uri="{FF2B5EF4-FFF2-40B4-BE49-F238E27FC236}">
+                    <a16:creationId xmlns:a16="http://schemas.microsoft.com/office/drawing/2014/main" id="{93A96840-9468-D748-993D-137E77CA4842}"/>
+                  </a:ext>
+                </a:extLst>
+              </p:cNvPr>
+              <p:cNvCxnSpPr>
+                <a:cxnSpLocks/>
+              </p:cNvCxnSpPr>
+              <p:nvPr/>
+            </p:nvCxnSpPr>
+            <p:spPr>
+              <a:xfrm>
+                <a:off x="5941057" y="5023049"/>
+                <a:ext cx="1592248" cy="1288450"/>
+              </a:xfrm>
+              <a:prstGeom prst="line">
+                <a:avLst/>
+              </a:prstGeom>
+              <a:ln w="57150">
+                <a:solidFill>
+                  <a:srgbClr val="0070C0"/>
+                </a:solidFill>
+              </a:ln>
+            </p:spPr>
+            <p:style>
+              <a:lnRef idx="3">
+                <a:schemeClr val="accent5"/>
+              </a:lnRef>
+              <a:fillRef idx="0">
+                <a:schemeClr val="accent5"/>
+              </a:fillRef>
+              <a:effectRef idx="2">
+                <a:schemeClr val="accent5"/>
+              </a:effectRef>
+              <a:fontRef idx="minor">
+                <a:schemeClr val="tx1"/>
+              </a:fontRef>
+            </p:style>
+          </p:cxnSp>
+          <p:pic>
+            <p:nvPicPr>
+              <p:cNvPr id="9" name="図 8">
+                <a:extLst>
+                  <a:ext uri="{FF2B5EF4-FFF2-40B4-BE49-F238E27FC236}">
+                    <a16:creationId xmlns:a16="http://schemas.microsoft.com/office/drawing/2014/main" id="{A159B71A-5A38-4646-91B2-A16C9E389F1C}"/>
+                  </a:ext>
+                </a:extLst>
+              </p:cNvPr>
+              <p:cNvPicPr>
+                <a:picLocks noChangeAspect="1"/>
+              </p:cNvPicPr>
+              <p:nvPr/>
+            </p:nvPicPr>
+            <p:blipFill>
+              <a:blip r:embed="rId4"/>
+              <a:stretch>
+                <a:fillRect/>
+              </a:stretch>
+            </p:blipFill>
+            <p:spPr>
+              <a:xfrm>
+                <a:off x="5557131" y="4543254"/>
+                <a:ext cx="698580" cy="1216446"/>
+              </a:xfrm>
+              <a:prstGeom prst="rect">
+                <a:avLst/>
+              </a:prstGeom>
+            </p:spPr>
+          </p:pic>
+          <p:pic>
+            <p:nvPicPr>
+              <p:cNvPr id="11" name="図 10">
+                <a:extLst>
+                  <a:ext uri="{FF2B5EF4-FFF2-40B4-BE49-F238E27FC236}">
+                    <a16:creationId xmlns:a16="http://schemas.microsoft.com/office/drawing/2014/main" id="{0A91B5D0-EB11-BE43-9092-D1F5BDB33B55}"/>
+                  </a:ext>
+                </a:extLst>
+              </p:cNvPr>
+              <p:cNvPicPr>
+                <a:picLocks noChangeAspect="1"/>
+              </p:cNvPicPr>
+              <p:nvPr/>
+            </p:nvPicPr>
+            <p:blipFill>
+              <a:blip r:embed="rId4"/>
+              <a:stretch>
+                <a:fillRect/>
+              </a:stretch>
+            </p:blipFill>
+            <p:spPr>
+              <a:xfrm>
+                <a:off x="9512757" y="3393071"/>
+                <a:ext cx="698580" cy="1216446"/>
+              </a:xfrm>
+              <a:prstGeom prst="rect">
+                <a:avLst/>
+              </a:prstGeom>
+            </p:spPr>
+          </p:pic>
+          <p:pic>
+            <p:nvPicPr>
+              <p:cNvPr id="12" name="図 11">
+                <a:extLst>
+                  <a:ext uri="{FF2B5EF4-FFF2-40B4-BE49-F238E27FC236}">
+                    <a16:creationId xmlns:a16="http://schemas.microsoft.com/office/drawing/2014/main" id="{21D601D3-6C8C-DB4C-8E1C-7AB70CB00055}"/>
+                  </a:ext>
+                </a:extLst>
+              </p:cNvPr>
+              <p:cNvPicPr>
+                <a:picLocks noChangeAspect="1"/>
+              </p:cNvPicPr>
+              <p:nvPr/>
+            </p:nvPicPr>
+            <p:blipFill>
+              <a:blip r:embed="rId4"/>
+              <a:stretch>
+                <a:fillRect/>
+              </a:stretch>
+            </p:blipFill>
+            <p:spPr>
+              <a:xfrm>
+                <a:off x="10802289" y="4214415"/>
+                <a:ext cx="698580" cy="1216446"/>
+              </a:xfrm>
+              <a:prstGeom prst="rect">
+                <a:avLst/>
+              </a:prstGeom>
+            </p:spPr>
+          </p:pic>
+          <p:pic>
+            <p:nvPicPr>
+              <p:cNvPr id="13" name="図 12">
+                <a:extLst>
+                  <a:ext uri="{FF2B5EF4-FFF2-40B4-BE49-F238E27FC236}">
+                    <a16:creationId xmlns:a16="http://schemas.microsoft.com/office/drawing/2014/main" id="{F99C9E47-8529-C44F-9215-AD69E5D55E2C}"/>
+                  </a:ext>
+                </a:extLst>
+              </p:cNvPr>
+              <p:cNvPicPr>
+                <a:picLocks noChangeAspect="1"/>
+              </p:cNvPicPr>
+              <p:nvPr/>
+            </p:nvPicPr>
+            <p:blipFill>
+              <a:blip r:embed="rId4"/>
+              <a:stretch>
+                <a:fillRect/>
+              </a:stretch>
+            </p:blipFill>
+            <p:spPr>
+              <a:xfrm>
+                <a:off x="9081399" y="5195689"/>
+                <a:ext cx="698580" cy="1216446"/>
+              </a:xfrm>
+              <a:prstGeom prst="rect">
+                <a:avLst/>
+              </a:prstGeom>
+            </p:spPr>
+          </p:pic>
+          <p:pic>
+            <p:nvPicPr>
+              <p:cNvPr id="14" name="図 13">
+                <a:extLst>
+                  <a:ext uri="{FF2B5EF4-FFF2-40B4-BE49-F238E27FC236}">
+                    <a16:creationId xmlns:a16="http://schemas.microsoft.com/office/drawing/2014/main" id="{F125F795-454C-1C47-8459-83C5D29CF687}"/>
+                  </a:ext>
+                </a:extLst>
+              </p:cNvPr>
+              <p:cNvPicPr>
+                <a:picLocks noChangeAspect="1"/>
+              </p:cNvPicPr>
+              <p:nvPr/>
+            </p:nvPicPr>
+            <p:blipFill>
+              <a:blip r:embed="rId4"/>
+              <a:stretch>
+                <a:fillRect/>
+              </a:stretch>
+            </p:blipFill>
+            <p:spPr>
+              <a:xfrm>
+                <a:off x="7192096" y="5459615"/>
+                <a:ext cx="698580" cy="1216446"/>
+              </a:xfrm>
+              <a:prstGeom prst="rect">
+                <a:avLst/>
+              </a:prstGeom>
+            </p:spPr>
+          </p:pic>
+          <p:pic>
+            <p:nvPicPr>
+              <p:cNvPr id="15" name="図 14">
+                <a:extLst>
+                  <a:ext uri="{FF2B5EF4-FFF2-40B4-BE49-F238E27FC236}">
+                    <a16:creationId xmlns:a16="http://schemas.microsoft.com/office/drawing/2014/main" id="{9F4CFB6B-4A62-F248-A528-D45A08C3C3A0}"/>
+                  </a:ext>
+                </a:extLst>
+              </p:cNvPr>
+              <p:cNvPicPr>
+                <a:picLocks noChangeAspect="1"/>
+              </p:cNvPicPr>
+              <p:nvPr/>
+            </p:nvPicPr>
+            <p:blipFill>
+              <a:blip r:embed="rId4"/>
+              <a:stretch>
+                <a:fillRect/>
+              </a:stretch>
+            </p:blipFill>
+            <p:spPr>
+              <a:xfrm>
+                <a:off x="6621286" y="3323766"/>
+                <a:ext cx="698580" cy="1216446"/>
+              </a:xfrm>
+              <a:prstGeom prst="rect">
+                <a:avLst/>
+              </a:prstGeom>
+            </p:spPr>
+          </p:pic>
+          <p:pic>
+            <p:nvPicPr>
+              <p:cNvPr id="16" name="図 15">
+                <a:extLst>
+                  <a:ext uri="{FF2B5EF4-FFF2-40B4-BE49-F238E27FC236}">
+                    <a16:creationId xmlns:a16="http://schemas.microsoft.com/office/drawing/2014/main" id="{5BC26F7D-1923-5A48-AFFC-A25FE50323D6}"/>
+                  </a:ext>
+                </a:extLst>
+              </p:cNvPr>
+              <p:cNvPicPr>
+                <a:picLocks noChangeAspect="1"/>
+              </p:cNvPicPr>
+              <p:nvPr/>
+            </p:nvPicPr>
+            <p:blipFill>
+              <a:blip r:embed="rId4"/>
+              <a:stretch>
+                <a:fillRect/>
+              </a:stretch>
+            </p:blipFill>
+            <p:spPr>
+              <a:xfrm>
+                <a:off x="8056210" y="3779441"/>
+                <a:ext cx="698580" cy="1216446"/>
+              </a:xfrm>
+              <a:prstGeom prst="rect">
+                <a:avLst/>
+              </a:prstGeom>
+            </p:spPr>
+          </p:pic>
+        </p:grpSp>
+        <p:sp>
+          <p:nvSpPr>
+            <p:cNvPr id="25" name="メモ 24">
+              <a:extLst>
+                <a:ext uri="{FF2B5EF4-FFF2-40B4-BE49-F238E27FC236}">
+                  <a16:creationId xmlns:a16="http://schemas.microsoft.com/office/drawing/2014/main" id="{B3BEF295-D520-ED4B-8ECC-4CAD914E983A}"/>
+                </a:ext>
+              </a:extLst>
+            </p:cNvPr>
+            <p:cNvSpPr/>
+            <p:nvPr/>
+          </p:nvSpPr>
+          <p:spPr>
+            <a:xfrm>
+              <a:off x="6948191" y="4453423"/>
+              <a:ext cx="202011" cy="220759"/>
+            </a:xfrm>
+            <a:prstGeom prst="foldedCorner">
+              <a:avLst/>
+            </a:prstGeom>
+            <a:solidFill>
+              <a:schemeClr val="accent6">
+                <a:lumMod val="75000"/>
+              </a:schemeClr>
+            </a:solidFill>
+            <a:ln>
+              <a:solidFill>
+                <a:schemeClr val="accent6"/>
+              </a:solidFill>
+            </a:ln>
+          </p:spPr>
+          <p:style>
+            <a:lnRef idx="2">
+              <a:schemeClr val="accent1">
+                <a:shade val="50000"/>
+              </a:schemeClr>
+            </a:lnRef>
+            <a:fillRef idx="1">
+              <a:schemeClr val="accent1"/>
+            </a:fillRef>
+            <a:effectRef idx="0">
+              <a:schemeClr val="accent1"/>
+            </a:effectRef>
+            <a:fontRef idx="minor">
+              <a:schemeClr val="lt1"/>
+            </a:fontRef>
+          </p:style>
+          <p:txBody>
+            <a:bodyPr rtlCol="0" anchor="ctr"/>
+            <a:lstStyle/>
+            <a:p>
+              <a:pPr algn="ctr"/>
+              <a:endParaRPr kumimoji="1" lang="ja-JP" altLang="en-US"/>
+            </a:p>
+          </p:txBody>
+        </p:sp>
+        <p:cxnSp>
+          <p:nvCxnSpPr>
+            <p:cNvPr id="41" name="直線コネクタ 40"/>
             <p:cNvCxnSpPr>
-              <a:cxnSpLocks/>
+              <a:stCxn id="25" idx="3"/>
             </p:cNvCxnSpPr>
             <p:nvPr/>
           </p:nvCxnSpPr>
           <p:spPr>
             <a:xfrm>
-              <a:off x="8276555" y="4841884"/>
-              <a:ext cx="1022965" cy="1175944"/>
+              <a:off x="7150202" y="4563803"/>
+              <a:ext cx="366986" cy="213111"/>
             </a:xfrm>
             <a:prstGeom prst="line">
               <a:avLst/>
             </a:prstGeom>
-            <a:ln w="57150">
+            <a:ln w="19050" cap="flat" cmpd="sng" algn="ctr">
               <a:solidFill>
-                <a:srgbClr val="0070C0"/>
+                <a:srgbClr val="FF0000"/>
               </a:solidFill>
+              <a:prstDash val="solid"/>
+              <a:round/>
+              <a:headEnd type="none" w="med" len="med"/>
+              <a:tailEnd type="arrow" w="med" len="med"/>
             </a:ln>
           </p:spPr>
           <p:style>
-            <a:lnRef idx="3">
-              <a:schemeClr val="accent5"/>
+            <a:lnRef idx="0">
+              <a:scrgbClr r="0" g="0" b="0"/>
             </a:lnRef>
             <a:fillRef idx="0">
-              <a:schemeClr val="accent5"/>
+              <a:scrgbClr r="0" g="0" b="0"/>
             </a:fillRef>
-            <a:effectRef idx="2">
-              <a:schemeClr val="accent5"/>
+            <a:effectRef idx="0">
+              <a:scrgbClr r="0" g="0" b="0"/>
             </a:effectRef>
             <a:fontRef idx="minor">
               <a:schemeClr val="tx1"/>
             </a:fontRef>
           </p:style>
         </p:cxnSp>
-        <p:cxnSp>
-          <p:nvCxnSpPr>
-            <p:cNvPr id="18" name="直線コネクタ 17">
+        <p:sp>
+          <p:nvSpPr>
+            <p:cNvPr id="45" name="メモ 44">
               <a:extLst>
                 <a:ext uri="{FF2B5EF4-FFF2-40B4-BE49-F238E27FC236}">
-                  <a16:creationId xmlns:a16="http://schemas.microsoft.com/office/drawing/2014/main" id="{22C3AA59-BC27-2A4E-B5C3-C3D161FE8791}"/>
+                  <a16:creationId xmlns:a16="http://schemas.microsoft.com/office/drawing/2014/main" id="{B3BEF295-D520-ED4B-8ECC-4CAD914E983A}"/>
                 </a:ext>
               </a:extLst>
             </p:cNvPr>
+            <p:cNvSpPr/>
+            <p:nvPr/>
+          </p:nvSpPr>
+          <p:spPr>
+            <a:xfrm>
+              <a:off x="9653414" y="5650354"/>
+              <a:ext cx="202011" cy="220759"/>
+            </a:xfrm>
+            <a:prstGeom prst="foldedCorner">
+              <a:avLst/>
+            </a:prstGeom>
+            <a:solidFill>
+              <a:schemeClr val="accent6">
+                <a:lumMod val="75000"/>
+              </a:schemeClr>
+            </a:solidFill>
+            <a:ln>
+              <a:solidFill>
+                <a:schemeClr val="accent6"/>
+              </a:solidFill>
+            </a:ln>
+          </p:spPr>
+          <p:style>
+            <a:lnRef idx="2">
+              <a:schemeClr val="accent1">
+                <a:shade val="50000"/>
+              </a:schemeClr>
+            </a:lnRef>
+            <a:fillRef idx="1">
+              <a:schemeClr val="accent1"/>
+            </a:fillRef>
+            <a:effectRef idx="0">
+              <a:schemeClr val="accent1"/>
+            </a:effectRef>
+            <a:fontRef idx="minor">
+              <a:schemeClr val="lt1"/>
+            </a:fontRef>
+          </p:style>
+          <p:txBody>
+            <a:bodyPr rtlCol="0" anchor="ctr"/>
+            <a:lstStyle/>
+            <a:p>
+              <a:pPr algn="ctr"/>
+              <a:endParaRPr kumimoji="1" lang="ja-JP" altLang="en-US"/>
+            </a:p>
+          </p:txBody>
+        </p:sp>
+        <p:cxnSp>
+          <p:nvCxnSpPr>
+            <p:cNvPr id="46" name="直線コネクタ 45"/>
             <p:cNvCxnSpPr>
-              <a:cxnSpLocks/>
+              <a:stCxn id="45" idx="1"/>
             </p:cNvCxnSpPr>
             <p:nvPr/>
           </p:nvCxnSpPr>
           <p:spPr>
-            <a:xfrm flipV="1">
-              <a:off x="6166519" y="3656169"/>
-              <a:ext cx="561193" cy="1652388"/>
+            <a:xfrm flipH="1">
+              <a:off x="9006326" y="5760734"/>
+              <a:ext cx="647088" cy="523248"/>
             </a:xfrm>
             <a:prstGeom prst="line">
               <a:avLst/>
             </a:prstGeom>
-            <a:ln w="57150">
+            <a:ln w="19050" cap="flat" cmpd="sng" algn="ctr">
               <a:solidFill>
-                <a:srgbClr val="0070C0"/>
+                <a:srgbClr val="FF0000"/>
               </a:solidFill>
+              <a:prstDash val="solid"/>
+              <a:round/>
+              <a:headEnd type="none" w="med" len="med"/>
+              <a:tailEnd type="arrow" w="med" len="med"/>
             </a:ln>
           </p:spPr>
           <p:style>
-            <a:lnRef idx="3">
-              <a:schemeClr val="accent5"/>
+            <a:lnRef idx="0">
+              <a:scrgbClr r="0" g="0" b="0"/>
             </a:lnRef>
             <a:fillRef idx="0">
-              <a:schemeClr val="accent5"/>
+              <a:scrgbClr r="0" g="0" b="0"/>
             </a:fillRef>
-            <a:effectRef idx="2">
-              <a:schemeClr val="accent5"/>
+            <a:effectRef idx="0">
+              <a:scrgbClr r="0" g="0" b="0"/>
             </a:effectRef>
             <a:fontRef idx="minor">
               <a:schemeClr val="tx1"/>
             </a:fontRef>
           </p:style>
         </p:cxnSp>
-        <p:cxnSp>
-          <p:nvCxnSpPr>
-            <p:cNvPr id="24" name="直線コネクタ 23">
+        <p:sp>
+          <p:nvSpPr>
+            <p:cNvPr id="49" name="メモ 48">
               <a:extLst>
                 <a:ext uri="{FF2B5EF4-FFF2-40B4-BE49-F238E27FC236}">
-                  <a16:creationId xmlns:a16="http://schemas.microsoft.com/office/drawing/2014/main" id="{4049DCB9-E5CE-8A4E-95A9-30CAA475A0C3}"/>
+                  <a16:creationId xmlns:a16="http://schemas.microsoft.com/office/drawing/2014/main" id="{B3BEF295-D520-ED4B-8ECC-4CAD914E983A}"/>
                 </a:ext>
               </a:extLst>
             </p:cNvPr>
+            <p:cNvSpPr/>
+            <p:nvPr/>
+          </p:nvSpPr>
+          <p:spPr>
+            <a:xfrm>
+              <a:off x="6089984" y="5558122"/>
+              <a:ext cx="202011" cy="220759"/>
+            </a:xfrm>
+            <a:prstGeom prst="foldedCorner">
+              <a:avLst/>
+            </a:prstGeom>
+            <a:solidFill>
+              <a:schemeClr val="accent6">
+                <a:lumMod val="75000"/>
+              </a:schemeClr>
+            </a:solidFill>
+            <a:ln>
+              <a:solidFill>
+                <a:schemeClr val="accent6"/>
+              </a:solidFill>
+            </a:ln>
+          </p:spPr>
+          <p:style>
+            <a:lnRef idx="2">
+              <a:schemeClr val="accent1">
+                <a:shade val="50000"/>
+              </a:schemeClr>
+            </a:lnRef>
+            <a:fillRef idx="1">
+              <a:schemeClr val="accent1"/>
+            </a:fillRef>
+            <a:effectRef idx="0">
+              <a:schemeClr val="accent1"/>
+            </a:effectRef>
+            <a:fontRef idx="minor">
+              <a:schemeClr val="lt1"/>
+            </a:fontRef>
+          </p:style>
+          <p:txBody>
+            <a:bodyPr rtlCol="0" anchor="ctr"/>
+            <a:lstStyle/>
+            <a:p>
+              <a:pPr algn="ctr"/>
+              <a:endParaRPr kumimoji="1" lang="ja-JP" altLang="en-US"/>
+            </a:p>
+          </p:txBody>
+        </p:sp>
+        <p:cxnSp>
+          <p:nvCxnSpPr>
+            <p:cNvPr id="50" name="直線コネクタ 49"/>
             <p:cNvCxnSpPr>
-              <a:cxnSpLocks/>
+              <a:stCxn id="49" idx="3"/>
             </p:cNvCxnSpPr>
             <p:nvPr/>
           </p:nvCxnSpPr>
           <p:spPr>
-            <a:xfrm flipV="1">
-              <a:off x="7337100" y="4822638"/>
-              <a:ext cx="1226076" cy="1060254"/>
+            <a:xfrm>
+              <a:off x="6291995" y="5668502"/>
+              <a:ext cx="507855" cy="454893"/>
             </a:xfrm>
             <a:prstGeom prst="line">
               <a:avLst/>
             </a:prstGeom>
-            <a:ln w="57150">
+            <a:ln w="19050" cap="flat" cmpd="sng" algn="ctr">
               <a:solidFill>
-                <a:srgbClr val="0070C0"/>
+                <a:srgbClr val="FF0000"/>
               </a:solidFill>
+              <a:prstDash val="solid"/>
+              <a:round/>
+              <a:headEnd type="none" w="med" len="med"/>
+              <a:tailEnd type="arrow" w="med" len="med"/>
             </a:ln>
           </p:spPr>
           <p:style>
-            <a:lnRef idx="3">
-              <a:schemeClr val="accent5"/>
+            <a:lnRef idx="0">
+              <a:scrgbClr r="0" g="0" b="0"/>
             </a:lnRef>
             <a:fillRef idx="0">
-              <a:schemeClr val="accent5"/>
+              <a:scrgbClr r="0" g="0" b="0"/>
             </a:fillRef>
-            <a:effectRef idx="2">
-              <a:schemeClr val="accent5"/>
+            <a:effectRef idx="0">
+              <a:scrgbClr r="0" g="0" b="0"/>
             </a:effectRef>
             <a:fontRef idx="minor">
               <a:schemeClr val="tx1"/>
             </a:fontRef>
           </p:style>
         </p:cxnSp>
-        <p:cxnSp>
-          <p:nvCxnSpPr>
-            <p:cNvPr id="32" name="直線コネクタ 31">
-              <a:extLst>
-                <a:ext uri="{FF2B5EF4-FFF2-40B4-BE49-F238E27FC236}">
-                  <a16:creationId xmlns:a16="http://schemas.microsoft.com/office/drawing/2014/main" id="{27D6F292-76FE-9742-BFD1-2E1B18D648FC}"/>
-                </a:ext>
-              </a:extLst>
-            </p:cNvPr>
-            <p:cNvCxnSpPr>
-              <a:cxnSpLocks/>
-            </p:cNvCxnSpPr>
-            <p:nvPr/>
-          </p:nvCxnSpPr>
-          <p:spPr>
-            <a:xfrm>
-              <a:off x="7173856" y="3830825"/>
-              <a:ext cx="1130556" cy="693126"/>
-            </a:xfrm>
-            <a:prstGeom prst="line">
-              <a:avLst/>
-            </a:prstGeom>
-            <a:ln w="57150">
-              <a:solidFill>
-                <a:srgbClr val="0070C0"/>
-              </a:solidFill>
-            </a:ln>
-          </p:spPr>
-          <p:style>
-            <a:lnRef idx="3">
-              <a:schemeClr val="accent5"/>
-            </a:lnRef>
-            <a:fillRef idx="0">
-              <a:schemeClr val="accent5"/>
-            </a:fillRef>
-            <a:effectRef idx="2">
-              <a:schemeClr val="accent5"/>
-            </a:effectRef>
-            <a:fontRef idx="minor">
+      </p:grpSp>
+      <p:sp>
+        <p:nvSpPr>
+          <p:cNvPr id="52" name="テキスト ボックス 51"/>
+          <p:cNvSpPr txBox="1"/>
+          <p:nvPr/>
+        </p:nvSpPr>
+        <p:spPr>
+          <a:xfrm>
+            <a:off x="2072919" y="6211006"/>
+            <a:ext cx="8046163" cy="646331"/>
+          </a:xfrm>
+          <a:prstGeom prst="rect">
+            <a:avLst/>
+          </a:prstGeom>
+          <a:noFill/>
+        </p:spPr>
+        <p:txBody>
+          <a:bodyPr wrap="square" rtlCol="0">
+            <a:spAutoFit/>
+          </a:bodyPr>
+          <a:lstStyle/>
+          <a:p>
+            <a:r>
+              <a:rPr kumimoji="1" lang="en-US" altLang="ja-JP" dirty="0"/>
+              <a:t>[1] “</a:t>
+            </a:r>
+            <a:r>
+              <a:rPr kumimoji="1" lang="ja-JP" altLang="en-US" dirty="0"/>
+              <a:t>非常時のアドホックネットワークの活用に</a:t>
+            </a:r>
+            <a:r>
+              <a:rPr lang="ja-JP" altLang="en-US" dirty="0"/>
+              <a:t>関する研究会中間取りまとめ</a:t>
+            </a:r>
+            <a:r>
+              <a:rPr lang="en-US" altLang="ja-JP" dirty="0"/>
+              <a:t>”, </a:t>
+            </a:r>
+          </a:p>
+          <a:p>
+            <a:r>
+              <a:rPr lang="ja-JP" altLang="en-US" dirty="0"/>
+              <a:t>      総務省 総合通信基盤局 電気通信事業部 電気通信技術システム課</a:t>
+            </a:r>
+            <a:r>
+              <a:rPr lang="en-US" altLang="ja-JP" dirty="0"/>
+              <a:t>, 2016</a:t>
+            </a:r>
+            <a:endParaRPr kumimoji="1" lang="ja-JP" altLang="en-US" dirty="0"/>
+          </a:p>
+        </p:txBody>
+      </p:sp>
+      <p:sp>
+        <p:nvSpPr>
+          <p:cNvPr id="8" name="テキスト ボックス 7">
+            <a:extLst>
+              <a:ext uri="{FF2B5EF4-FFF2-40B4-BE49-F238E27FC236}">
+                <a16:creationId xmlns:a16="http://schemas.microsoft.com/office/drawing/2014/main" id="{17EE3244-70FF-E749-8098-D28FEF2AD4C3}"/>
+              </a:ext>
+            </a:extLst>
+          </p:cNvPr>
+          <p:cNvSpPr txBox="1">
+            <a:spLocks/>
+          </p:cNvSpPr>
+          <p:nvPr/>
+        </p:nvSpPr>
+        <p:spPr>
+          <a:xfrm>
+            <a:off x="8397625" y="3870178"/>
+            <a:ext cx="1261120" cy="400110"/>
+          </a:xfrm>
+          <a:prstGeom prst="rect">
+            <a:avLst/>
+          </a:prstGeom>
+          <a:noFill/>
+          <a:ln>
+            <a:solidFill>
               <a:schemeClr val="tx1"/>
-            </a:fontRef>
-          </p:style>
-        </p:cxnSp>
-        <p:cxnSp>
-          <p:nvCxnSpPr>
-            <p:cNvPr id="34" name="直線コネクタ 33">
-              <a:extLst>
-                <a:ext uri="{FF2B5EF4-FFF2-40B4-BE49-F238E27FC236}">
-                  <a16:creationId xmlns:a16="http://schemas.microsoft.com/office/drawing/2014/main" id="{6F9AC7D6-2D39-B447-82C7-2174BE223601}"/>
-                </a:ext>
-              </a:extLst>
-            </p:cNvPr>
-            <p:cNvCxnSpPr>
-              <a:cxnSpLocks/>
-            </p:cNvCxnSpPr>
-            <p:nvPr/>
-          </p:nvCxnSpPr>
-          <p:spPr>
-            <a:xfrm flipV="1">
-              <a:off x="8509732" y="3778064"/>
-              <a:ext cx="1472468" cy="719663"/>
-            </a:xfrm>
-            <a:prstGeom prst="line">
-              <a:avLst/>
-            </a:prstGeom>
-            <a:ln w="57150">
-              <a:solidFill>
-                <a:srgbClr val="0070C0"/>
-              </a:solidFill>
-            </a:ln>
-          </p:spPr>
-          <p:style>
-            <a:lnRef idx="3">
-              <a:schemeClr val="accent5"/>
-            </a:lnRef>
-            <a:fillRef idx="0">
-              <a:schemeClr val="accent5"/>
-            </a:fillRef>
-            <a:effectRef idx="2">
-              <a:schemeClr val="accent5"/>
-            </a:effectRef>
-            <a:fontRef idx="minor">
-              <a:schemeClr val="tx1"/>
-            </a:fontRef>
-          </p:style>
-        </p:cxnSp>
-        <p:cxnSp>
-          <p:nvCxnSpPr>
-            <p:cNvPr id="35" name="直線コネクタ 34">
-              <a:extLst>
-                <a:ext uri="{FF2B5EF4-FFF2-40B4-BE49-F238E27FC236}">
-                  <a16:creationId xmlns:a16="http://schemas.microsoft.com/office/drawing/2014/main" id="{48060567-1BE1-6845-AB50-4C1AB6A4F524}"/>
-                </a:ext>
-              </a:extLst>
-            </p:cNvPr>
-            <p:cNvCxnSpPr>
-              <a:cxnSpLocks/>
-            </p:cNvCxnSpPr>
-            <p:nvPr/>
-          </p:nvCxnSpPr>
-          <p:spPr>
-            <a:xfrm flipV="1">
-              <a:off x="9573606" y="4558572"/>
-              <a:ext cx="1577973" cy="1324319"/>
-            </a:xfrm>
-            <a:prstGeom prst="line">
-              <a:avLst/>
-            </a:prstGeom>
-            <a:ln w="57150">
-              <a:solidFill>
-                <a:srgbClr val="0070C0"/>
-              </a:solidFill>
-            </a:ln>
-          </p:spPr>
-          <p:style>
-            <a:lnRef idx="3">
-              <a:schemeClr val="accent5"/>
-            </a:lnRef>
-            <a:fillRef idx="0">
-              <a:schemeClr val="accent5"/>
-            </a:fillRef>
-            <a:effectRef idx="2">
-              <a:schemeClr val="accent5"/>
-            </a:effectRef>
-            <a:fontRef idx="minor">
-              <a:schemeClr val="tx1"/>
-            </a:fontRef>
-          </p:style>
-        </p:cxnSp>
-        <p:cxnSp>
-          <p:nvCxnSpPr>
-            <p:cNvPr id="36" name="直線コネクタ 35">
-              <a:extLst>
-                <a:ext uri="{FF2B5EF4-FFF2-40B4-BE49-F238E27FC236}">
-                  <a16:creationId xmlns:a16="http://schemas.microsoft.com/office/drawing/2014/main" id="{3D3FE44D-1034-4041-9114-F39BF5B78FDD}"/>
-                </a:ext>
-              </a:extLst>
-            </p:cNvPr>
-            <p:cNvCxnSpPr>
-              <a:cxnSpLocks/>
-            </p:cNvCxnSpPr>
-            <p:nvPr/>
-          </p:nvCxnSpPr>
-          <p:spPr>
-            <a:xfrm flipH="1">
-              <a:off x="9344149" y="4416056"/>
-              <a:ext cx="638051" cy="980350"/>
-            </a:xfrm>
-            <a:prstGeom prst="line">
-              <a:avLst/>
-            </a:prstGeom>
-            <a:ln w="57150">
-              <a:solidFill>
-                <a:srgbClr val="0070C0"/>
-              </a:solidFill>
-            </a:ln>
-          </p:spPr>
-          <p:style>
-            <a:lnRef idx="3">
-              <a:schemeClr val="accent5"/>
-            </a:lnRef>
-            <a:fillRef idx="0">
-              <a:schemeClr val="accent5"/>
-            </a:fillRef>
-            <a:effectRef idx="2">
-              <a:schemeClr val="accent5"/>
-            </a:effectRef>
-            <a:fontRef idx="minor">
-              <a:schemeClr val="tx1"/>
-            </a:fontRef>
-          </p:style>
-        </p:cxnSp>
-        <p:cxnSp>
-          <p:nvCxnSpPr>
-            <p:cNvPr id="37" name="直線コネクタ 36">
-              <a:extLst>
-                <a:ext uri="{FF2B5EF4-FFF2-40B4-BE49-F238E27FC236}">
-                  <a16:creationId xmlns:a16="http://schemas.microsoft.com/office/drawing/2014/main" id="{93A96840-9468-D748-993D-137E77CA4842}"/>
-                </a:ext>
-              </a:extLst>
-            </p:cNvPr>
-            <p:cNvCxnSpPr>
-              <a:cxnSpLocks/>
-            </p:cNvCxnSpPr>
-            <p:nvPr/>
-          </p:nvCxnSpPr>
-          <p:spPr>
-            <a:xfrm>
-              <a:off x="5941057" y="5023049"/>
-              <a:ext cx="1592248" cy="1288450"/>
-            </a:xfrm>
-            <a:prstGeom prst="line">
-              <a:avLst/>
-            </a:prstGeom>
-            <a:ln w="57150">
-              <a:solidFill>
-                <a:srgbClr val="0070C0"/>
-              </a:solidFill>
-            </a:ln>
-          </p:spPr>
-          <p:style>
-            <a:lnRef idx="3">
-              <a:schemeClr val="accent5"/>
-            </a:lnRef>
-            <a:fillRef idx="0">
-              <a:schemeClr val="accent5"/>
-            </a:fillRef>
-            <a:effectRef idx="2">
-              <a:schemeClr val="accent5"/>
-            </a:effectRef>
-            <a:fontRef idx="minor">
-              <a:schemeClr val="tx1"/>
-            </a:fontRef>
-          </p:style>
-        </p:cxnSp>
-        <p:pic>
-          <p:nvPicPr>
-            <p:cNvPr id="9" name="図 8">
-              <a:extLst>
-                <a:ext uri="{FF2B5EF4-FFF2-40B4-BE49-F238E27FC236}">
-                  <a16:creationId xmlns:a16="http://schemas.microsoft.com/office/drawing/2014/main" id="{A159B71A-5A38-4646-91B2-A16C9E389F1C}"/>
-                </a:ext>
-              </a:extLst>
-            </p:cNvPr>
-            <p:cNvPicPr>
-              <a:picLocks noChangeAspect="1"/>
-            </p:cNvPicPr>
-            <p:nvPr/>
-          </p:nvPicPr>
-          <p:blipFill>
-            <a:blip r:embed="rId3"/>
-            <a:stretch>
-              <a:fillRect/>
-            </a:stretch>
-          </p:blipFill>
-          <p:spPr>
-            <a:xfrm>
-              <a:off x="5557131" y="4543254"/>
-              <a:ext cx="698580" cy="1216446"/>
-            </a:xfrm>
-            <a:prstGeom prst="rect">
-              <a:avLst/>
-            </a:prstGeom>
-          </p:spPr>
-        </p:pic>
-        <p:pic>
-          <p:nvPicPr>
-            <p:cNvPr id="11" name="図 10">
-              <a:extLst>
-                <a:ext uri="{FF2B5EF4-FFF2-40B4-BE49-F238E27FC236}">
-                  <a16:creationId xmlns:a16="http://schemas.microsoft.com/office/drawing/2014/main" id="{0A91B5D0-EB11-BE43-9092-D1F5BDB33B55}"/>
-                </a:ext>
-              </a:extLst>
-            </p:cNvPr>
-            <p:cNvPicPr>
-              <a:picLocks noChangeAspect="1"/>
-            </p:cNvPicPr>
-            <p:nvPr/>
-          </p:nvPicPr>
-          <p:blipFill>
-            <a:blip r:embed="rId3"/>
-            <a:stretch>
-              <a:fillRect/>
-            </a:stretch>
-          </p:blipFill>
-          <p:spPr>
-            <a:xfrm>
-              <a:off x="9512757" y="3393071"/>
-              <a:ext cx="698580" cy="1216446"/>
-            </a:xfrm>
-            <a:prstGeom prst="rect">
-              <a:avLst/>
-            </a:prstGeom>
-          </p:spPr>
-        </p:pic>
-        <p:pic>
-          <p:nvPicPr>
-            <p:cNvPr id="12" name="図 11">
-              <a:extLst>
-                <a:ext uri="{FF2B5EF4-FFF2-40B4-BE49-F238E27FC236}">
-                  <a16:creationId xmlns:a16="http://schemas.microsoft.com/office/drawing/2014/main" id="{21D601D3-6C8C-DB4C-8E1C-7AB70CB00055}"/>
-                </a:ext>
-              </a:extLst>
-            </p:cNvPr>
-            <p:cNvPicPr>
-              <a:picLocks noChangeAspect="1"/>
-            </p:cNvPicPr>
-            <p:nvPr/>
-          </p:nvPicPr>
-          <p:blipFill>
-            <a:blip r:embed="rId3"/>
-            <a:stretch>
-              <a:fillRect/>
-            </a:stretch>
-          </p:blipFill>
-          <p:spPr>
-            <a:xfrm>
-              <a:off x="10802289" y="4214415"/>
-              <a:ext cx="698580" cy="1216446"/>
-            </a:xfrm>
-            <a:prstGeom prst="rect">
-              <a:avLst/>
-            </a:prstGeom>
-          </p:spPr>
-        </p:pic>
-        <p:pic>
-          <p:nvPicPr>
-            <p:cNvPr id="13" name="図 12">
-              <a:extLst>
-                <a:ext uri="{FF2B5EF4-FFF2-40B4-BE49-F238E27FC236}">
-                  <a16:creationId xmlns:a16="http://schemas.microsoft.com/office/drawing/2014/main" id="{F99C9E47-8529-C44F-9215-AD69E5D55E2C}"/>
-                </a:ext>
-              </a:extLst>
-            </p:cNvPr>
-            <p:cNvPicPr>
-              <a:picLocks noChangeAspect="1"/>
-            </p:cNvPicPr>
-            <p:nvPr/>
-          </p:nvPicPr>
-          <p:blipFill>
-            <a:blip r:embed="rId3"/>
-            <a:stretch>
-              <a:fillRect/>
-            </a:stretch>
-          </p:blipFill>
-          <p:spPr>
-            <a:xfrm>
-              <a:off x="9081399" y="5195689"/>
-              <a:ext cx="698580" cy="1216446"/>
-            </a:xfrm>
-            <a:prstGeom prst="rect">
-              <a:avLst/>
-            </a:prstGeom>
-          </p:spPr>
-        </p:pic>
-        <p:pic>
-          <p:nvPicPr>
-            <p:cNvPr id="14" name="図 13">
-              <a:extLst>
-                <a:ext uri="{FF2B5EF4-FFF2-40B4-BE49-F238E27FC236}">
-                  <a16:creationId xmlns:a16="http://schemas.microsoft.com/office/drawing/2014/main" id="{F125F795-454C-1C47-8459-83C5D29CF687}"/>
-                </a:ext>
-              </a:extLst>
-            </p:cNvPr>
-            <p:cNvPicPr>
-              <a:picLocks noChangeAspect="1"/>
-            </p:cNvPicPr>
-            <p:nvPr/>
-          </p:nvPicPr>
-          <p:blipFill>
-            <a:blip r:embed="rId3"/>
-            <a:stretch>
-              <a:fillRect/>
-            </a:stretch>
-          </p:blipFill>
-          <p:spPr>
-            <a:xfrm>
-              <a:off x="7192096" y="5459615"/>
-              <a:ext cx="698580" cy="1216446"/>
-            </a:xfrm>
-            <a:prstGeom prst="rect">
-              <a:avLst/>
-            </a:prstGeom>
-          </p:spPr>
-        </p:pic>
-        <p:pic>
-          <p:nvPicPr>
-            <p:cNvPr id="15" name="図 14">
-              <a:extLst>
-                <a:ext uri="{FF2B5EF4-FFF2-40B4-BE49-F238E27FC236}">
-                  <a16:creationId xmlns:a16="http://schemas.microsoft.com/office/drawing/2014/main" id="{9F4CFB6B-4A62-F248-A528-D45A08C3C3A0}"/>
-                </a:ext>
-              </a:extLst>
-            </p:cNvPr>
-            <p:cNvPicPr>
-              <a:picLocks noChangeAspect="1"/>
-            </p:cNvPicPr>
-            <p:nvPr/>
-          </p:nvPicPr>
-          <p:blipFill>
-            <a:blip r:embed="rId3"/>
-            <a:stretch>
-              <a:fillRect/>
-            </a:stretch>
-          </p:blipFill>
-          <p:spPr>
-            <a:xfrm>
-              <a:off x="6621286" y="3323766"/>
-              <a:ext cx="698580" cy="1216446"/>
-            </a:xfrm>
-            <a:prstGeom prst="rect">
-              <a:avLst/>
-            </a:prstGeom>
-          </p:spPr>
-        </p:pic>
-        <p:pic>
-          <p:nvPicPr>
-            <p:cNvPr id="16" name="図 15">
-              <a:extLst>
-                <a:ext uri="{FF2B5EF4-FFF2-40B4-BE49-F238E27FC236}">
-                  <a16:creationId xmlns:a16="http://schemas.microsoft.com/office/drawing/2014/main" id="{5BC26F7D-1923-5A48-AFFC-A25FE50323D6}"/>
-                </a:ext>
-              </a:extLst>
-            </p:cNvPr>
-            <p:cNvPicPr>
-              <a:picLocks noChangeAspect="1"/>
-            </p:cNvPicPr>
-            <p:nvPr/>
-          </p:nvPicPr>
-          <p:blipFill>
-            <a:blip r:embed="rId3"/>
-            <a:stretch>
-              <a:fillRect/>
-            </a:stretch>
-          </p:blipFill>
-          <p:spPr>
-            <a:xfrm>
-              <a:off x="8056210" y="3779441"/>
-              <a:ext cx="698580" cy="1216446"/>
-            </a:xfrm>
-            <a:prstGeom prst="rect">
-              <a:avLst/>
-            </a:prstGeom>
-          </p:spPr>
-        </p:pic>
-      </p:grpSp>
+            </a:solidFill>
+          </a:ln>
+        </p:spPr>
+        <p:txBody>
+          <a:bodyPr wrap="square" rtlCol="0">
+            <a:spAutoFit/>
+          </a:bodyPr>
+          <a:lstStyle/>
+          <a:p>
+            <a:pPr algn="ctr"/>
+            <a:r>
+              <a:rPr kumimoji="1" lang="ja-JP" altLang="en-US" sz="2000"/>
+              <a:t>情報共有</a:t>
+            </a:r>
+          </a:p>
+        </p:txBody>
+      </p:sp>
     </p:spTree>
     <p:extLst>
       <p:ext uri="{BB962C8B-B14F-4D97-AF65-F5344CB8AC3E}">
@@ -9355,7 +12003,7 @@
           </p:nvSpPr>
           <p:spPr>
             <a:xfrm>
-              <a:off x="9271486" y="4922918"/>
+              <a:off x="9318471" y="4922918"/>
               <a:ext cx="151732" cy="176639"/>
             </a:xfrm>
             <a:prstGeom prst="foldedCorner">
@@ -9467,7 +12115,7 @@
           </p:nvSpPr>
           <p:spPr>
             <a:xfrm>
-              <a:off x="9347352" y="2086606"/>
+              <a:off x="9347352" y="2100523"/>
               <a:ext cx="151732" cy="176639"/>
             </a:xfrm>
             <a:prstGeom prst="foldedCorner">
@@ -9649,7 +12297,7 @@
           <a:lstStyle/>
           <a:p>
             <a:r>
-              <a:rPr lang="ja-JP" altLang="en-US"/>
+              <a:rPr lang="ja-JP" altLang="en-US" dirty="0"/>
               <a:t>データ要求時の複製配置手法</a:t>
             </a:r>
             <a:endParaRPr lang="en-US" altLang="ja-JP" dirty="0"/>
@@ -9728,41 +12376,6 @@
           </a:p>
         </p:txBody>
       </p:sp>
-      <p:pic>
-        <p:nvPicPr>
-          <p:cNvPr id="13" name="図 12">
-            <a:extLst>
-              <a:ext uri="{FF2B5EF4-FFF2-40B4-BE49-F238E27FC236}">
-                <a16:creationId xmlns:a16="http://schemas.microsoft.com/office/drawing/2014/main" id="{FF055ABC-EA2F-F646-8CE0-107B0E801B86}"/>
-              </a:ext>
-            </a:extLst>
-          </p:cNvPr>
-          <p:cNvPicPr>
-            <a:picLocks noChangeAspect="1"/>
-          </p:cNvPicPr>
-          <p:nvPr/>
-        </p:nvPicPr>
-        <p:blipFill>
-          <a:blip r:embed="rId3"/>
-          <a:stretch>
-            <a:fillRect/>
-          </a:stretch>
-        </p:blipFill>
-        <p:spPr>
-          <a:xfrm>
-            <a:off x="4481960" y="4527964"/>
-            <a:ext cx="3267745" cy="1443376"/>
-          </a:xfrm>
-          <a:prstGeom prst="rect">
-            <a:avLst/>
-          </a:prstGeom>
-          <a:ln>
-            <a:solidFill>
-              <a:schemeClr val="tx1"/>
-            </a:solidFill>
-          </a:ln>
-        </p:spPr>
-      </p:pic>
       <p:sp>
         <p:nvSpPr>
           <p:cNvPr id="14" name="左矢印 13">
@@ -9784,11 +12397,11 @@
             <a:avLst/>
           </a:prstGeom>
           <a:solidFill>
-            <a:schemeClr val="accent6"/>
+            <a:srgbClr val="FF0000"/>
           </a:solidFill>
           <a:ln>
             <a:solidFill>
-              <a:schemeClr val="accent6"/>
+              <a:srgbClr val="FF0000"/>
             </a:solidFill>
           </a:ln>
         </p:spPr>
@@ -9838,11 +12451,11 @@
             <a:avLst/>
           </a:prstGeom>
           <a:solidFill>
-            <a:schemeClr val="accent6"/>
+            <a:srgbClr val="FF0000"/>
           </a:solidFill>
           <a:ln>
             <a:solidFill>
-              <a:schemeClr val="accent6"/>
+              <a:srgbClr val="FF0000"/>
             </a:solidFill>
           </a:ln>
         </p:spPr>
@@ -9871,633 +12484,713 @@
           </a:p>
         </p:txBody>
       </p:sp>
-      <p:sp>
-        <p:nvSpPr>
-          <p:cNvPr id="15" name="テキスト ボックス 14">
-            <a:extLst>
-              <a:ext uri="{FF2B5EF4-FFF2-40B4-BE49-F238E27FC236}">
-                <a16:creationId xmlns:a16="http://schemas.microsoft.com/office/drawing/2014/main" id="{A64DFB9A-40AE-4D45-BF7C-1B9637036DF0}"/>
-              </a:ext>
-            </a:extLst>
-          </p:cNvPr>
-          <p:cNvSpPr txBox="1"/>
+      <p:grpSp>
+        <p:nvGrpSpPr>
+          <p:cNvPr id="4" name="グループ化 3"/>
+          <p:cNvGrpSpPr/>
           <p:nvPr/>
-        </p:nvSpPr>
-        <p:spPr>
+        </p:nvGrpSpPr>
+        <p:grpSpPr>
           <a:xfrm>
-            <a:off x="5450085" y="5999571"/>
-            <a:ext cx="1331495" cy="369332"/>
+            <a:off x="4481960" y="4527964"/>
+            <a:ext cx="3267745" cy="1840939"/>
+            <a:chOff x="4481960" y="4527964"/>
+            <a:chExt cx="3267745" cy="1840939"/>
           </a:xfrm>
-          <a:prstGeom prst="rect">
-            <a:avLst/>
-          </a:prstGeom>
-          <a:noFill/>
-        </p:spPr>
-        <p:txBody>
-          <a:bodyPr wrap="square" rtlCol="0">
-            <a:spAutoFit/>
-          </a:bodyPr>
-          <a:lstStyle/>
-          <a:p>
-            <a:r>
-              <a:rPr kumimoji="1" lang="ja-JP" altLang="en-US"/>
-              <a:t>データ要求</a:t>
-            </a:r>
-          </a:p>
-        </p:txBody>
-      </p:sp>
-      <p:sp>
-        <p:nvSpPr>
-          <p:cNvPr id="26" name="テキスト ボックス 25">
-            <a:extLst>
-              <a:ext uri="{FF2B5EF4-FFF2-40B4-BE49-F238E27FC236}">
-                <a16:creationId xmlns:a16="http://schemas.microsoft.com/office/drawing/2014/main" id="{D4A6F8FB-96F1-534E-92CC-A9099BCF5F70}"/>
-              </a:ext>
-            </a:extLst>
-          </p:cNvPr>
-          <p:cNvSpPr txBox="1"/>
+        </p:grpSpPr>
+        <p:pic>
+          <p:nvPicPr>
+            <p:cNvPr id="13" name="図 12">
+              <a:extLst>
+                <a:ext uri="{FF2B5EF4-FFF2-40B4-BE49-F238E27FC236}">
+                  <a16:creationId xmlns:a16="http://schemas.microsoft.com/office/drawing/2014/main" id="{FF055ABC-EA2F-F646-8CE0-107B0E801B86}"/>
+                </a:ext>
+              </a:extLst>
+            </p:cNvPr>
+            <p:cNvPicPr>
+              <a:picLocks noChangeAspect="1"/>
+            </p:cNvPicPr>
+            <p:nvPr/>
+          </p:nvPicPr>
+          <p:blipFill>
+            <a:blip r:embed="rId3"/>
+            <a:stretch>
+              <a:fillRect/>
+            </a:stretch>
+          </p:blipFill>
+          <p:spPr>
+            <a:xfrm>
+              <a:off x="4481960" y="4527964"/>
+              <a:ext cx="3267745" cy="1443376"/>
+            </a:xfrm>
+            <a:prstGeom prst="rect">
+              <a:avLst/>
+            </a:prstGeom>
+            <a:ln>
+              <a:solidFill>
+                <a:schemeClr val="tx1"/>
+              </a:solidFill>
+            </a:ln>
+          </p:spPr>
+        </p:pic>
+        <p:sp>
+          <p:nvSpPr>
+            <p:cNvPr id="15" name="テキスト ボックス 14">
+              <a:extLst>
+                <a:ext uri="{FF2B5EF4-FFF2-40B4-BE49-F238E27FC236}">
+                  <a16:creationId xmlns:a16="http://schemas.microsoft.com/office/drawing/2014/main" id="{A64DFB9A-40AE-4D45-BF7C-1B9637036DF0}"/>
+                </a:ext>
+              </a:extLst>
+            </p:cNvPr>
+            <p:cNvSpPr txBox="1"/>
+            <p:nvPr/>
+          </p:nvSpPr>
+          <p:spPr>
+            <a:xfrm>
+              <a:off x="5450085" y="5999571"/>
+              <a:ext cx="1331495" cy="369332"/>
+            </a:xfrm>
+            <a:prstGeom prst="rect">
+              <a:avLst/>
+            </a:prstGeom>
+            <a:noFill/>
+          </p:spPr>
+          <p:txBody>
+            <a:bodyPr wrap="square" rtlCol="0">
+              <a:spAutoFit/>
+            </a:bodyPr>
+            <a:lstStyle/>
+            <a:p>
+              <a:r>
+                <a:rPr kumimoji="1" lang="ja-JP" altLang="en-US"/>
+                <a:t>データ要求</a:t>
+              </a:r>
+            </a:p>
+          </p:txBody>
+        </p:sp>
+        <p:sp>
+          <p:nvSpPr>
+            <p:cNvPr id="29" name="メモ 28">
+              <a:extLst>
+                <a:ext uri="{FF2B5EF4-FFF2-40B4-BE49-F238E27FC236}">
+                  <a16:creationId xmlns:a16="http://schemas.microsoft.com/office/drawing/2014/main" id="{B3BEF295-D520-ED4B-8ECC-4CAD914E983A}"/>
+                </a:ext>
+              </a:extLst>
+            </p:cNvPr>
+            <p:cNvSpPr/>
+            <p:nvPr/>
+          </p:nvSpPr>
+          <p:spPr>
+            <a:xfrm>
+              <a:off x="7064637" y="4906474"/>
+              <a:ext cx="202011" cy="220759"/>
+            </a:xfrm>
+            <a:prstGeom prst="foldedCorner">
+              <a:avLst/>
+            </a:prstGeom>
+            <a:solidFill>
+              <a:schemeClr val="accent6">
+                <a:lumMod val="75000"/>
+              </a:schemeClr>
+            </a:solidFill>
+            <a:ln>
+              <a:solidFill>
+                <a:schemeClr val="accent6"/>
+              </a:solidFill>
+            </a:ln>
+          </p:spPr>
+          <p:style>
+            <a:lnRef idx="2">
+              <a:schemeClr val="accent1">
+                <a:shade val="50000"/>
+              </a:schemeClr>
+            </a:lnRef>
+            <a:fillRef idx="1">
+              <a:schemeClr val="accent1"/>
+            </a:fillRef>
+            <a:effectRef idx="0">
+              <a:schemeClr val="accent1"/>
+            </a:effectRef>
+            <a:fontRef idx="minor">
+              <a:schemeClr val="lt1"/>
+            </a:fontRef>
+          </p:style>
+          <p:txBody>
+            <a:bodyPr rtlCol="0" anchor="ctr"/>
+            <a:lstStyle/>
+            <a:p>
+              <a:pPr algn="ctr"/>
+              <a:endParaRPr kumimoji="1" lang="ja-JP" altLang="en-US"/>
+            </a:p>
+          </p:txBody>
+        </p:sp>
+      </p:grpSp>
+      <p:grpSp>
+        <p:nvGrpSpPr>
+          <p:cNvPr id="5" name="グループ化 4"/>
+          <p:cNvGrpSpPr/>
           <p:nvPr/>
-        </p:nvSpPr>
-        <p:spPr>
-          <a:xfrm>
-            <a:off x="9232692" y="5999571"/>
-            <a:ext cx="2060141" cy="369332"/>
-          </a:xfrm>
-          <a:prstGeom prst="rect">
-            <a:avLst/>
-          </a:prstGeom>
-          <a:noFill/>
-        </p:spPr>
-        <p:txBody>
-          <a:bodyPr wrap="square" rtlCol="0">
-            <a:spAutoFit/>
-          </a:bodyPr>
-          <a:lstStyle/>
-          <a:p>
-            <a:pPr algn="ctr"/>
-            <a:r>
-              <a:rPr lang="en-US" altLang="ja-JP" dirty="0"/>
-              <a:t>Path Replication</a:t>
-            </a:r>
-            <a:endParaRPr kumimoji="1" lang="ja-JP" altLang="en-US"/>
-          </a:p>
-        </p:txBody>
-      </p:sp>
-      <p:sp>
-        <p:nvSpPr>
-          <p:cNvPr id="27" name="テキスト ボックス 26">
-            <a:extLst>
-              <a:ext uri="{FF2B5EF4-FFF2-40B4-BE49-F238E27FC236}">
-                <a16:creationId xmlns:a16="http://schemas.microsoft.com/office/drawing/2014/main" id="{D688BA5A-0317-5848-9922-FE96A1813C10}"/>
-              </a:ext>
-            </a:extLst>
-          </p:cNvPr>
-          <p:cNvSpPr txBox="1"/>
-          <p:nvPr/>
-        </p:nvSpPr>
-        <p:spPr>
-          <a:xfrm>
-            <a:off x="962036" y="6004810"/>
-            <a:ext cx="2133600" cy="369332"/>
-          </a:xfrm>
-          <a:prstGeom prst="rect">
-            <a:avLst/>
-          </a:prstGeom>
-          <a:noFill/>
-        </p:spPr>
-        <p:txBody>
-          <a:bodyPr wrap="square" rtlCol="0">
-            <a:spAutoFit/>
-          </a:bodyPr>
-          <a:lstStyle/>
-          <a:p>
-            <a:pPr algn="ctr"/>
-            <a:r>
-              <a:rPr lang="en-US" altLang="ja-JP" dirty="0"/>
-              <a:t>Owner Replication</a:t>
-            </a:r>
-            <a:endParaRPr kumimoji="1" lang="ja-JP" altLang="en-US"/>
-          </a:p>
-        </p:txBody>
-      </p:sp>
-      <p:sp>
-        <p:nvSpPr>
-          <p:cNvPr id="29" name="メモ 28">
-            <a:extLst>
-              <a:ext uri="{FF2B5EF4-FFF2-40B4-BE49-F238E27FC236}">
-                <a16:creationId xmlns:a16="http://schemas.microsoft.com/office/drawing/2014/main" id="{B3BEF295-D520-ED4B-8ECC-4CAD914E983A}"/>
-              </a:ext>
-            </a:extLst>
-          </p:cNvPr>
-          <p:cNvSpPr/>
-          <p:nvPr/>
-        </p:nvSpPr>
-        <p:spPr>
-          <a:xfrm>
-            <a:off x="7064637" y="4906474"/>
-            <a:ext cx="202011" cy="220759"/>
-          </a:xfrm>
-          <a:prstGeom prst="foldedCorner">
-            <a:avLst/>
-          </a:prstGeom>
-          <a:solidFill>
-            <a:schemeClr val="accent6">
-              <a:lumMod val="75000"/>
-            </a:schemeClr>
-          </a:solidFill>
-          <a:ln>
-            <a:solidFill>
-              <a:schemeClr val="accent6"/>
-            </a:solidFill>
-          </a:ln>
-        </p:spPr>
-        <p:style>
-          <a:lnRef idx="2">
-            <a:schemeClr val="accent1">
-              <a:shade val="50000"/>
-            </a:schemeClr>
-          </a:lnRef>
-          <a:fillRef idx="1">
-            <a:schemeClr val="accent1"/>
-          </a:fillRef>
-          <a:effectRef idx="0">
-            <a:schemeClr val="accent1"/>
-          </a:effectRef>
-          <a:fontRef idx="minor">
-            <a:schemeClr val="lt1"/>
-          </a:fontRef>
-        </p:style>
-        <p:txBody>
-          <a:bodyPr rtlCol="0" anchor="ctr"/>
-          <a:lstStyle/>
-          <a:p>
-            <a:pPr algn="ctr"/>
-            <a:endParaRPr kumimoji="1" lang="ja-JP" altLang="en-US"/>
-          </a:p>
-        </p:txBody>
-      </p:sp>
-      <p:pic>
-        <p:nvPicPr>
-          <p:cNvPr id="31" name="図 30">
-            <a:extLst>
-              <a:ext uri="{FF2B5EF4-FFF2-40B4-BE49-F238E27FC236}">
-                <a16:creationId xmlns:a16="http://schemas.microsoft.com/office/drawing/2014/main" id="{3C3B8605-C5AE-504A-99A4-A5D2AF700BB2}"/>
-              </a:ext>
-            </a:extLst>
-          </p:cNvPr>
-          <p:cNvPicPr>
-            <a:picLocks noChangeAspect="1"/>
-          </p:cNvPicPr>
-          <p:nvPr/>
-        </p:nvPicPr>
-        <p:blipFill>
-          <a:blip r:embed="rId4"/>
-          <a:stretch>
-            <a:fillRect/>
-          </a:stretch>
-        </p:blipFill>
-        <p:spPr>
+        </p:nvGrpSpPr>
+        <p:grpSpPr>
           <a:xfrm>
             <a:off x="316738" y="4510932"/>
-            <a:ext cx="3304327" cy="1488639"/>
+            <a:ext cx="3304327" cy="1863210"/>
+            <a:chOff x="316738" y="4510932"/>
+            <a:chExt cx="3304327" cy="1863210"/>
           </a:xfrm>
-          <a:prstGeom prst="rect">
-            <a:avLst/>
-          </a:prstGeom>
-          <a:ln>
+        </p:grpSpPr>
+        <p:sp>
+          <p:nvSpPr>
+            <p:cNvPr id="27" name="テキスト ボックス 26">
+              <a:extLst>
+                <a:ext uri="{FF2B5EF4-FFF2-40B4-BE49-F238E27FC236}">
+                  <a16:creationId xmlns:a16="http://schemas.microsoft.com/office/drawing/2014/main" id="{D688BA5A-0317-5848-9922-FE96A1813C10}"/>
+                </a:ext>
+              </a:extLst>
+            </p:cNvPr>
+            <p:cNvSpPr txBox="1"/>
+            <p:nvPr/>
+          </p:nvSpPr>
+          <p:spPr>
+            <a:xfrm>
+              <a:off x="962036" y="6004810"/>
+              <a:ext cx="2133600" cy="369332"/>
+            </a:xfrm>
+            <a:prstGeom prst="rect">
+              <a:avLst/>
+            </a:prstGeom>
+            <a:noFill/>
+          </p:spPr>
+          <p:txBody>
+            <a:bodyPr wrap="square" rtlCol="0">
+              <a:spAutoFit/>
+            </a:bodyPr>
+            <a:lstStyle/>
+            <a:p>
+              <a:pPr algn="ctr"/>
+              <a:r>
+                <a:rPr lang="en-US" altLang="ja-JP" dirty="0"/>
+                <a:t>Owner Replication</a:t>
+              </a:r>
+              <a:endParaRPr kumimoji="1" lang="ja-JP" altLang="en-US"/>
+            </a:p>
+          </p:txBody>
+        </p:sp>
+        <p:pic>
+          <p:nvPicPr>
+            <p:cNvPr id="31" name="図 30">
+              <a:extLst>
+                <a:ext uri="{FF2B5EF4-FFF2-40B4-BE49-F238E27FC236}">
+                  <a16:creationId xmlns:a16="http://schemas.microsoft.com/office/drawing/2014/main" id="{3C3B8605-C5AE-504A-99A4-A5D2AF700BB2}"/>
+                </a:ext>
+              </a:extLst>
+            </p:cNvPr>
+            <p:cNvPicPr>
+              <a:picLocks noChangeAspect="1"/>
+            </p:cNvPicPr>
+            <p:nvPr/>
+          </p:nvPicPr>
+          <p:blipFill>
+            <a:blip r:embed="rId4"/>
+            <a:stretch>
+              <a:fillRect/>
+            </a:stretch>
+          </p:blipFill>
+          <p:spPr>
+            <a:xfrm>
+              <a:off x="316738" y="4510932"/>
+              <a:ext cx="3304327" cy="1488639"/>
+            </a:xfrm>
+            <a:prstGeom prst="rect">
+              <a:avLst/>
+            </a:prstGeom>
+            <a:ln>
+              <a:solidFill>
+                <a:schemeClr val="tx1"/>
+              </a:solidFill>
+            </a:ln>
+          </p:spPr>
+        </p:pic>
+        <p:sp>
+          <p:nvSpPr>
+            <p:cNvPr id="30" name="メモ 29">
+              <a:extLst>
+                <a:ext uri="{FF2B5EF4-FFF2-40B4-BE49-F238E27FC236}">
+                  <a16:creationId xmlns:a16="http://schemas.microsoft.com/office/drawing/2014/main" id="{5227481D-8C4F-D142-A3A1-607C47EF114F}"/>
+                </a:ext>
+              </a:extLst>
+            </p:cNvPr>
+            <p:cNvSpPr/>
+            <p:nvPr/>
+          </p:nvSpPr>
+          <p:spPr>
+            <a:xfrm>
+              <a:off x="2932215" y="4920234"/>
+              <a:ext cx="202011" cy="220759"/>
+            </a:xfrm>
+            <a:prstGeom prst="foldedCorner">
+              <a:avLst/>
+            </a:prstGeom>
             <a:solidFill>
-              <a:schemeClr val="tx1"/>
+              <a:schemeClr val="accent6">
+                <a:lumMod val="75000"/>
+              </a:schemeClr>
             </a:solidFill>
-          </a:ln>
-        </p:spPr>
-      </p:pic>
-      <p:sp>
-        <p:nvSpPr>
-          <p:cNvPr id="30" name="メモ 29">
-            <a:extLst>
-              <a:ext uri="{FF2B5EF4-FFF2-40B4-BE49-F238E27FC236}">
-                <a16:creationId xmlns:a16="http://schemas.microsoft.com/office/drawing/2014/main" id="{5227481D-8C4F-D142-A3A1-607C47EF114F}"/>
-              </a:ext>
-            </a:extLst>
-          </p:cNvPr>
-          <p:cNvSpPr/>
+            <a:ln>
+              <a:solidFill>
+                <a:schemeClr val="accent6"/>
+              </a:solidFill>
+            </a:ln>
+          </p:spPr>
+          <p:style>
+            <a:lnRef idx="2">
+              <a:schemeClr val="accent1">
+                <a:shade val="50000"/>
+              </a:schemeClr>
+            </a:lnRef>
+            <a:fillRef idx="1">
+              <a:schemeClr val="accent1"/>
+            </a:fillRef>
+            <a:effectRef idx="0">
+              <a:schemeClr val="accent1"/>
+            </a:effectRef>
+            <a:fontRef idx="minor">
+              <a:schemeClr val="lt1"/>
+            </a:fontRef>
+          </p:style>
+          <p:txBody>
+            <a:bodyPr rtlCol="0" anchor="ctr"/>
+            <a:lstStyle/>
+            <a:p>
+              <a:pPr algn="ctr"/>
+              <a:endParaRPr kumimoji="1" lang="ja-JP" altLang="en-US"/>
+            </a:p>
+          </p:txBody>
+        </p:sp>
+        <p:sp>
+          <p:nvSpPr>
+            <p:cNvPr id="32" name="メモ 31">
+              <a:extLst>
+                <a:ext uri="{FF2B5EF4-FFF2-40B4-BE49-F238E27FC236}">
+                  <a16:creationId xmlns:a16="http://schemas.microsoft.com/office/drawing/2014/main" id="{A5B9CE10-E684-6E4B-AD70-BFF3F0E9091D}"/>
+                </a:ext>
+              </a:extLst>
+            </p:cNvPr>
+            <p:cNvSpPr/>
+            <p:nvPr/>
+          </p:nvSpPr>
+          <p:spPr>
+            <a:xfrm>
+              <a:off x="798615" y="5647168"/>
+              <a:ext cx="202011" cy="220759"/>
+            </a:xfrm>
+            <a:prstGeom prst="foldedCorner">
+              <a:avLst/>
+            </a:prstGeom>
+            <a:solidFill>
+              <a:schemeClr val="accent6">
+                <a:lumMod val="75000"/>
+              </a:schemeClr>
+            </a:solidFill>
+            <a:ln>
+              <a:solidFill>
+                <a:schemeClr val="accent6"/>
+              </a:solidFill>
+            </a:ln>
+          </p:spPr>
+          <p:style>
+            <a:lnRef idx="2">
+              <a:schemeClr val="accent1">
+                <a:shade val="50000"/>
+              </a:schemeClr>
+            </a:lnRef>
+            <a:fillRef idx="1">
+              <a:schemeClr val="accent1"/>
+            </a:fillRef>
+            <a:effectRef idx="0">
+              <a:schemeClr val="accent1"/>
+            </a:effectRef>
+            <a:fontRef idx="minor">
+              <a:schemeClr val="lt1"/>
+            </a:fontRef>
+          </p:style>
+          <p:txBody>
+            <a:bodyPr rtlCol="0" anchor="ctr"/>
+            <a:lstStyle/>
+            <a:p>
+              <a:pPr algn="ctr"/>
+              <a:endParaRPr kumimoji="1" lang="ja-JP" altLang="en-US"/>
+            </a:p>
+          </p:txBody>
+        </p:sp>
+      </p:grpSp>
+      <p:grpSp>
+        <p:nvGrpSpPr>
+          <p:cNvPr id="6" name="グループ化 5"/>
+          <p:cNvGrpSpPr/>
           <p:nvPr/>
-        </p:nvSpPr>
-        <p:spPr>
+        </p:nvGrpSpPr>
+        <p:grpSpPr>
           <a:xfrm>
-            <a:off x="2932215" y="4920234"/>
-            <a:ext cx="202011" cy="220759"/>
+            <a:off x="8680218" y="4510932"/>
+            <a:ext cx="3304327" cy="1857971"/>
+            <a:chOff x="8610600" y="4510932"/>
+            <a:chExt cx="3304327" cy="1857971"/>
           </a:xfrm>
-          <a:prstGeom prst="foldedCorner">
-            <a:avLst/>
-          </a:prstGeom>
-          <a:solidFill>
-            <a:schemeClr val="accent6">
-              <a:lumMod val="75000"/>
-            </a:schemeClr>
-          </a:solidFill>
-          <a:ln>
+        </p:grpSpPr>
+        <p:sp>
+          <p:nvSpPr>
+            <p:cNvPr id="26" name="テキスト ボックス 25">
+              <a:extLst>
+                <a:ext uri="{FF2B5EF4-FFF2-40B4-BE49-F238E27FC236}">
+                  <a16:creationId xmlns:a16="http://schemas.microsoft.com/office/drawing/2014/main" id="{D4A6F8FB-96F1-534E-92CC-A9099BCF5F70}"/>
+                </a:ext>
+              </a:extLst>
+            </p:cNvPr>
+            <p:cNvSpPr txBox="1"/>
+            <p:nvPr/>
+          </p:nvSpPr>
+          <p:spPr>
+            <a:xfrm>
+              <a:off x="9232692" y="5999571"/>
+              <a:ext cx="2060141" cy="369332"/>
+            </a:xfrm>
+            <a:prstGeom prst="rect">
+              <a:avLst/>
+            </a:prstGeom>
+            <a:noFill/>
+          </p:spPr>
+          <p:txBody>
+            <a:bodyPr wrap="square" rtlCol="0">
+              <a:spAutoFit/>
+            </a:bodyPr>
+            <a:lstStyle/>
+            <a:p>
+              <a:pPr algn="ctr"/>
+              <a:r>
+                <a:rPr lang="en-US" altLang="ja-JP" dirty="0"/>
+                <a:t>Path Replication</a:t>
+              </a:r>
+              <a:endParaRPr kumimoji="1" lang="ja-JP" altLang="en-US" dirty="0"/>
+            </a:p>
+          </p:txBody>
+        </p:sp>
+        <p:pic>
+          <p:nvPicPr>
+            <p:cNvPr id="33" name="図 32">
+              <a:extLst>
+                <a:ext uri="{FF2B5EF4-FFF2-40B4-BE49-F238E27FC236}">
+                  <a16:creationId xmlns:a16="http://schemas.microsoft.com/office/drawing/2014/main" id="{6C26F77E-B9B2-234E-B5F0-A3F0FA75FF92}"/>
+                </a:ext>
+              </a:extLst>
+            </p:cNvPr>
+            <p:cNvPicPr>
+              <a:picLocks noChangeAspect="1"/>
+            </p:cNvPicPr>
+            <p:nvPr/>
+          </p:nvPicPr>
+          <p:blipFill>
+            <a:blip r:embed="rId4"/>
+            <a:stretch>
+              <a:fillRect/>
+            </a:stretch>
+          </p:blipFill>
+          <p:spPr>
+            <a:xfrm>
+              <a:off x="8610600" y="4510932"/>
+              <a:ext cx="3304327" cy="1488639"/>
+            </a:xfrm>
+            <a:prstGeom prst="rect">
+              <a:avLst/>
+            </a:prstGeom>
+            <a:ln>
+              <a:solidFill>
+                <a:schemeClr val="tx1"/>
+              </a:solidFill>
+            </a:ln>
+          </p:spPr>
+        </p:pic>
+        <p:sp>
+          <p:nvSpPr>
+            <p:cNvPr id="34" name="メモ 33">
+              <a:extLst>
+                <a:ext uri="{FF2B5EF4-FFF2-40B4-BE49-F238E27FC236}">
+                  <a16:creationId xmlns:a16="http://schemas.microsoft.com/office/drawing/2014/main" id="{68871F50-E350-ED4F-80A5-0DE6061EB92C}"/>
+                </a:ext>
+              </a:extLst>
+            </p:cNvPr>
+            <p:cNvSpPr/>
+            <p:nvPr/>
+          </p:nvSpPr>
+          <p:spPr>
+            <a:xfrm>
+              <a:off x="11224472" y="4920234"/>
+              <a:ext cx="202011" cy="220759"/>
+            </a:xfrm>
+            <a:prstGeom prst="foldedCorner">
+              <a:avLst/>
+            </a:prstGeom>
             <a:solidFill>
-              <a:schemeClr val="accent6"/>
+              <a:schemeClr val="accent6">
+                <a:lumMod val="75000"/>
+              </a:schemeClr>
             </a:solidFill>
-          </a:ln>
-        </p:spPr>
-        <p:style>
-          <a:lnRef idx="2">
-            <a:schemeClr val="accent1">
-              <a:shade val="50000"/>
-            </a:schemeClr>
-          </a:lnRef>
-          <a:fillRef idx="1">
-            <a:schemeClr val="accent1"/>
-          </a:fillRef>
-          <a:effectRef idx="0">
-            <a:schemeClr val="accent1"/>
-          </a:effectRef>
-          <a:fontRef idx="minor">
-            <a:schemeClr val="lt1"/>
-          </a:fontRef>
-        </p:style>
-        <p:txBody>
-          <a:bodyPr rtlCol="0" anchor="ctr"/>
-          <a:lstStyle/>
-          <a:p>
-            <a:pPr algn="ctr"/>
-            <a:endParaRPr kumimoji="1" lang="ja-JP" altLang="en-US"/>
-          </a:p>
-        </p:txBody>
-      </p:sp>
-      <p:sp>
-        <p:nvSpPr>
-          <p:cNvPr id="32" name="メモ 31">
-            <a:extLst>
-              <a:ext uri="{FF2B5EF4-FFF2-40B4-BE49-F238E27FC236}">
-                <a16:creationId xmlns:a16="http://schemas.microsoft.com/office/drawing/2014/main" id="{A5B9CE10-E684-6E4B-AD70-BFF3F0E9091D}"/>
-              </a:ext>
-            </a:extLst>
-          </p:cNvPr>
-          <p:cNvSpPr/>
-          <p:nvPr/>
-        </p:nvSpPr>
-        <p:spPr>
-          <a:xfrm>
-            <a:off x="798615" y="5647168"/>
-            <a:ext cx="202011" cy="220759"/>
-          </a:xfrm>
-          <a:prstGeom prst="foldedCorner">
-            <a:avLst/>
-          </a:prstGeom>
-          <a:solidFill>
-            <a:schemeClr val="accent6">
-              <a:lumMod val="75000"/>
-            </a:schemeClr>
-          </a:solidFill>
-          <a:ln>
+            <a:ln>
+              <a:solidFill>
+                <a:schemeClr val="accent6"/>
+              </a:solidFill>
+            </a:ln>
+          </p:spPr>
+          <p:style>
+            <a:lnRef idx="2">
+              <a:schemeClr val="accent1">
+                <a:shade val="50000"/>
+              </a:schemeClr>
+            </a:lnRef>
+            <a:fillRef idx="1">
+              <a:schemeClr val="accent1"/>
+            </a:fillRef>
+            <a:effectRef idx="0">
+              <a:schemeClr val="accent1"/>
+            </a:effectRef>
+            <a:fontRef idx="minor">
+              <a:schemeClr val="lt1"/>
+            </a:fontRef>
+          </p:style>
+          <p:txBody>
+            <a:bodyPr rtlCol="0" anchor="ctr"/>
+            <a:lstStyle/>
+            <a:p>
+              <a:pPr algn="ctr"/>
+              <a:endParaRPr kumimoji="1" lang="ja-JP" altLang="en-US"/>
+            </a:p>
+          </p:txBody>
+        </p:sp>
+        <p:sp>
+          <p:nvSpPr>
+            <p:cNvPr id="35" name="メモ 34">
+              <a:extLst>
+                <a:ext uri="{FF2B5EF4-FFF2-40B4-BE49-F238E27FC236}">
+                  <a16:creationId xmlns:a16="http://schemas.microsoft.com/office/drawing/2014/main" id="{7DFD583F-5039-8246-9465-E186A29D2AAF}"/>
+                </a:ext>
+              </a:extLst>
+            </p:cNvPr>
+            <p:cNvSpPr/>
+            <p:nvPr/>
+          </p:nvSpPr>
+          <p:spPr>
+            <a:xfrm>
+              <a:off x="9086913" y="5636028"/>
+              <a:ext cx="202011" cy="220759"/>
+            </a:xfrm>
+            <a:prstGeom prst="foldedCorner">
+              <a:avLst/>
+            </a:prstGeom>
             <a:solidFill>
-              <a:schemeClr val="accent6"/>
+              <a:schemeClr val="accent6">
+                <a:lumMod val="75000"/>
+              </a:schemeClr>
             </a:solidFill>
-          </a:ln>
-        </p:spPr>
-        <p:style>
-          <a:lnRef idx="2">
-            <a:schemeClr val="accent1">
-              <a:shade val="50000"/>
-            </a:schemeClr>
-          </a:lnRef>
-          <a:fillRef idx="1">
-            <a:schemeClr val="accent1"/>
-          </a:fillRef>
-          <a:effectRef idx="0">
-            <a:schemeClr val="accent1"/>
-          </a:effectRef>
-          <a:fontRef idx="minor">
-            <a:schemeClr val="lt1"/>
-          </a:fontRef>
-        </p:style>
-        <p:txBody>
-          <a:bodyPr rtlCol="0" anchor="ctr"/>
-          <a:lstStyle/>
-          <a:p>
-            <a:pPr algn="ctr"/>
-            <a:endParaRPr kumimoji="1" lang="ja-JP" altLang="en-US"/>
-          </a:p>
-        </p:txBody>
-      </p:sp>
-      <p:pic>
-        <p:nvPicPr>
-          <p:cNvPr id="33" name="図 32">
-            <a:extLst>
-              <a:ext uri="{FF2B5EF4-FFF2-40B4-BE49-F238E27FC236}">
-                <a16:creationId xmlns:a16="http://schemas.microsoft.com/office/drawing/2014/main" id="{6C26F77E-B9B2-234E-B5F0-A3F0FA75FF92}"/>
-              </a:ext>
-            </a:extLst>
-          </p:cNvPr>
-          <p:cNvPicPr>
-            <a:picLocks noChangeAspect="1"/>
-          </p:cNvPicPr>
-          <p:nvPr/>
-        </p:nvPicPr>
-        <p:blipFill>
-          <a:blip r:embed="rId4"/>
-          <a:stretch>
-            <a:fillRect/>
-          </a:stretch>
-        </p:blipFill>
-        <p:spPr>
-          <a:xfrm>
-            <a:off x="8610600" y="4510932"/>
-            <a:ext cx="3304327" cy="1488639"/>
-          </a:xfrm>
-          <a:prstGeom prst="rect">
-            <a:avLst/>
-          </a:prstGeom>
-          <a:ln>
+            <a:ln>
+              <a:solidFill>
+                <a:schemeClr val="accent6"/>
+              </a:solidFill>
+            </a:ln>
+          </p:spPr>
+          <p:style>
+            <a:lnRef idx="2">
+              <a:schemeClr val="accent1">
+                <a:shade val="50000"/>
+              </a:schemeClr>
+            </a:lnRef>
+            <a:fillRef idx="1">
+              <a:schemeClr val="accent1"/>
+            </a:fillRef>
+            <a:effectRef idx="0">
+              <a:schemeClr val="accent1"/>
+            </a:effectRef>
+            <a:fontRef idx="minor">
+              <a:schemeClr val="lt1"/>
+            </a:fontRef>
+          </p:style>
+          <p:txBody>
+            <a:bodyPr rtlCol="0" anchor="ctr"/>
+            <a:lstStyle/>
+            <a:p>
+              <a:pPr algn="ctr"/>
+              <a:endParaRPr kumimoji="1" lang="ja-JP" altLang="en-US"/>
+            </a:p>
+          </p:txBody>
+        </p:sp>
+        <p:sp>
+          <p:nvSpPr>
+            <p:cNvPr id="36" name="メモ 35">
+              <a:extLst>
+                <a:ext uri="{FF2B5EF4-FFF2-40B4-BE49-F238E27FC236}">
+                  <a16:creationId xmlns:a16="http://schemas.microsoft.com/office/drawing/2014/main" id="{11B9A176-7595-9A4D-B925-7F9CF491C6BD}"/>
+                </a:ext>
+              </a:extLst>
+            </p:cNvPr>
+            <p:cNvSpPr/>
+            <p:nvPr/>
+          </p:nvSpPr>
+          <p:spPr>
+            <a:xfrm>
+              <a:off x="9947808" y="5634446"/>
+              <a:ext cx="202011" cy="220759"/>
+            </a:xfrm>
+            <a:prstGeom prst="foldedCorner">
+              <a:avLst/>
+            </a:prstGeom>
             <a:solidFill>
-              <a:schemeClr val="tx1"/>
+              <a:schemeClr val="accent6">
+                <a:lumMod val="75000"/>
+              </a:schemeClr>
             </a:solidFill>
-          </a:ln>
-        </p:spPr>
-      </p:pic>
-      <p:sp>
-        <p:nvSpPr>
-          <p:cNvPr id="34" name="メモ 33">
-            <a:extLst>
-              <a:ext uri="{FF2B5EF4-FFF2-40B4-BE49-F238E27FC236}">
-                <a16:creationId xmlns:a16="http://schemas.microsoft.com/office/drawing/2014/main" id="{68871F50-E350-ED4F-80A5-0DE6061EB92C}"/>
-              </a:ext>
-            </a:extLst>
-          </p:cNvPr>
-          <p:cNvSpPr/>
-          <p:nvPr/>
-        </p:nvSpPr>
-        <p:spPr>
-          <a:xfrm>
-            <a:off x="11224472" y="4920234"/>
-            <a:ext cx="202011" cy="220759"/>
-          </a:xfrm>
-          <a:prstGeom prst="foldedCorner">
-            <a:avLst/>
-          </a:prstGeom>
-          <a:solidFill>
-            <a:schemeClr val="accent6">
-              <a:lumMod val="75000"/>
-            </a:schemeClr>
-          </a:solidFill>
-          <a:ln>
+            <a:ln>
+              <a:solidFill>
+                <a:schemeClr val="accent6"/>
+              </a:solidFill>
+            </a:ln>
+          </p:spPr>
+          <p:style>
+            <a:lnRef idx="2">
+              <a:schemeClr val="accent1">
+                <a:shade val="50000"/>
+              </a:schemeClr>
+            </a:lnRef>
+            <a:fillRef idx="1">
+              <a:schemeClr val="accent1"/>
+            </a:fillRef>
+            <a:effectRef idx="0">
+              <a:schemeClr val="accent1"/>
+            </a:effectRef>
+            <a:fontRef idx="minor">
+              <a:schemeClr val="lt1"/>
+            </a:fontRef>
+          </p:style>
+          <p:txBody>
+            <a:bodyPr rtlCol="0" anchor="ctr"/>
+            <a:lstStyle/>
+            <a:p>
+              <a:pPr algn="ctr"/>
+              <a:endParaRPr kumimoji="1" lang="ja-JP" altLang="en-US"/>
+            </a:p>
+          </p:txBody>
+        </p:sp>
+        <p:sp>
+          <p:nvSpPr>
+            <p:cNvPr id="37" name="メモ 36">
+              <a:extLst>
+                <a:ext uri="{FF2B5EF4-FFF2-40B4-BE49-F238E27FC236}">
+                  <a16:creationId xmlns:a16="http://schemas.microsoft.com/office/drawing/2014/main" id="{09ED7AD6-BAF0-EF44-AF36-895C61EE4E2D}"/>
+                </a:ext>
+              </a:extLst>
+            </p:cNvPr>
+            <p:cNvSpPr/>
+            <p:nvPr/>
+          </p:nvSpPr>
+          <p:spPr>
+            <a:xfrm>
+              <a:off x="9519539" y="4920234"/>
+              <a:ext cx="202011" cy="220759"/>
+            </a:xfrm>
+            <a:prstGeom prst="foldedCorner">
+              <a:avLst/>
+            </a:prstGeom>
             <a:solidFill>
-              <a:schemeClr val="accent6"/>
+              <a:schemeClr val="accent6">
+                <a:lumMod val="75000"/>
+              </a:schemeClr>
             </a:solidFill>
-          </a:ln>
-        </p:spPr>
-        <p:style>
-          <a:lnRef idx="2">
-            <a:schemeClr val="accent1">
-              <a:shade val="50000"/>
-            </a:schemeClr>
-          </a:lnRef>
-          <a:fillRef idx="1">
-            <a:schemeClr val="accent1"/>
-          </a:fillRef>
-          <a:effectRef idx="0">
-            <a:schemeClr val="accent1"/>
-          </a:effectRef>
-          <a:fontRef idx="minor">
-            <a:schemeClr val="lt1"/>
-          </a:fontRef>
-        </p:style>
-        <p:txBody>
-          <a:bodyPr rtlCol="0" anchor="ctr"/>
-          <a:lstStyle/>
-          <a:p>
-            <a:pPr algn="ctr"/>
-            <a:endParaRPr kumimoji="1" lang="ja-JP" altLang="en-US"/>
-          </a:p>
-        </p:txBody>
-      </p:sp>
-      <p:sp>
-        <p:nvSpPr>
-          <p:cNvPr id="35" name="メモ 34">
-            <a:extLst>
-              <a:ext uri="{FF2B5EF4-FFF2-40B4-BE49-F238E27FC236}">
-                <a16:creationId xmlns:a16="http://schemas.microsoft.com/office/drawing/2014/main" id="{7DFD583F-5039-8246-9465-E186A29D2AAF}"/>
-              </a:ext>
-            </a:extLst>
-          </p:cNvPr>
-          <p:cNvSpPr/>
-          <p:nvPr/>
-        </p:nvSpPr>
-        <p:spPr>
-          <a:xfrm>
-            <a:off x="9086913" y="5636028"/>
-            <a:ext cx="202011" cy="220759"/>
-          </a:xfrm>
-          <a:prstGeom prst="foldedCorner">
-            <a:avLst/>
-          </a:prstGeom>
-          <a:solidFill>
-            <a:schemeClr val="accent6">
-              <a:lumMod val="75000"/>
-            </a:schemeClr>
-          </a:solidFill>
-          <a:ln>
+            <a:ln>
+              <a:solidFill>
+                <a:schemeClr val="accent6"/>
+              </a:solidFill>
+            </a:ln>
+          </p:spPr>
+          <p:style>
+            <a:lnRef idx="2">
+              <a:schemeClr val="accent1">
+                <a:shade val="50000"/>
+              </a:schemeClr>
+            </a:lnRef>
+            <a:fillRef idx="1">
+              <a:schemeClr val="accent1"/>
+            </a:fillRef>
+            <a:effectRef idx="0">
+              <a:schemeClr val="accent1"/>
+            </a:effectRef>
+            <a:fontRef idx="minor">
+              <a:schemeClr val="lt1"/>
+            </a:fontRef>
+          </p:style>
+          <p:txBody>
+            <a:bodyPr rtlCol="0" anchor="ctr"/>
+            <a:lstStyle/>
+            <a:p>
+              <a:pPr algn="ctr"/>
+              <a:endParaRPr kumimoji="1" lang="ja-JP" altLang="en-US"/>
+            </a:p>
+          </p:txBody>
+        </p:sp>
+        <p:sp>
+          <p:nvSpPr>
+            <p:cNvPr id="38" name="メモ 37">
+              <a:extLst>
+                <a:ext uri="{FF2B5EF4-FFF2-40B4-BE49-F238E27FC236}">
+                  <a16:creationId xmlns:a16="http://schemas.microsoft.com/office/drawing/2014/main" id="{CC69C6AE-DD5B-8E45-984B-01F0FD8477A7}"/>
+                </a:ext>
+              </a:extLst>
+            </p:cNvPr>
+            <p:cNvSpPr/>
+            <p:nvPr/>
+          </p:nvSpPr>
+          <p:spPr>
+            <a:xfrm>
+              <a:off x="10391899" y="4926053"/>
+              <a:ext cx="202011" cy="220759"/>
+            </a:xfrm>
+            <a:prstGeom prst="foldedCorner">
+              <a:avLst/>
+            </a:prstGeom>
             <a:solidFill>
-              <a:schemeClr val="accent6"/>
+              <a:schemeClr val="accent6">
+                <a:lumMod val="75000"/>
+              </a:schemeClr>
             </a:solidFill>
-          </a:ln>
-        </p:spPr>
-        <p:style>
-          <a:lnRef idx="2">
-            <a:schemeClr val="accent1">
-              <a:shade val="50000"/>
-            </a:schemeClr>
-          </a:lnRef>
-          <a:fillRef idx="1">
-            <a:schemeClr val="accent1"/>
-          </a:fillRef>
-          <a:effectRef idx="0">
-            <a:schemeClr val="accent1"/>
-          </a:effectRef>
-          <a:fontRef idx="minor">
-            <a:schemeClr val="lt1"/>
-          </a:fontRef>
-        </p:style>
-        <p:txBody>
-          <a:bodyPr rtlCol="0" anchor="ctr"/>
-          <a:lstStyle/>
-          <a:p>
-            <a:pPr algn="ctr"/>
-            <a:endParaRPr kumimoji="1" lang="ja-JP" altLang="en-US"/>
-          </a:p>
-        </p:txBody>
-      </p:sp>
-      <p:sp>
-        <p:nvSpPr>
-          <p:cNvPr id="36" name="メモ 35">
-            <a:extLst>
-              <a:ext uri="{FF2B5EF4-FFF2-40B4-BE49-F238E27FC236}">
-                <a16:creationId xmlns:a16="http://schemas.microsoft.com/office/drawing/2014/main" id="{11B9A176-7595-9A4D-B925-7F9CF491C6BD}"/>
-              </a:ext>
-            </a:extLst>
-          </p:cNvPr>
-          <p:cNvSpPr/>
-          <p:nvPr/>
-        </p:nvSpPr>
-        <p:spPr>
-          <a:xfrm>
-            <a:off x="9947808" y="5634446"/>
-            <a:ext cx="202011" cy="220759"/>
-          </a:xfrm>
-          <a:prstGeom prst="foldedCorner">
-            <a:avLst/>
-          </a:prstGeom>
-          <a:solidFill>
-            <a:schemeClr val="accent6">
-              <a:lumMod val="75000"/>
-            </a:schemeClr>
-          </a:solidFill>
-          <a:ln>
-            <a:solidFill>
-              <a:schemeClr val="accent6"/>
-            </a:solidFill>
-          </a:ln>
-        </p:spPr>
-        <p:style>
-          <a:lnRef idx="2">
-            <a:schemeClr val="accent1">
-              <a:shade val="50000"/>
-            </a:schemeClr>
-          </a:lnRef>
-          <a:fillRef idx="1">
-            <a:schemeClr val="accent1"/>
-          </a:fillRef>
-          <a:effectRef idx="0">
-            <a:schemeClr val="accent1"/>
-          </a:effectRef>
-          <a:fontRef idx="minor">
-            <a:schemeClr val="lt1"/>
-          </a:fontRef>
-        </p:style>
-        <p:txBody>
-          <a:bodyPr rtlCol="0" anchor="ctr"/>
-          <a:lstStyle/>
-          <a:p>
-            <a:pPr algn="ctr"/>
-            <a:endParaRPr kumimoji="1" lang="ja-JP" altLang="en-US"/>
-          </a:p>
-        </p:txBody>
-      </p:sp>
-      <p:sp>
-        <p:nvSpPr>
-          <p:cNvPr id="37" name="メモ 36">
-            <a:extLst>
-              <a:ext uri="{FF2B5EF4-FFF2-40B4-BE49-F238E27FC236}">
-                <a16:creationId xmlns:a16="http://schemas.microsoft.com/office/drawing/2014/main" id="{09ED7AD6-BAF0-EF44-AF36-895C61EE4E2D}"/>
-              </a:ext>
-            </a:extLst>
-          </p:cNvPr>
-          <p:cNvSpPr/>
-          <p:nvPr/>
-        </p:nvSpPr>
-        <p:spPr>
-          <a:xfrm>
-            <a:off x="9519539" y="4920234"/>
-            <a:ext cx="202011" cy="220759"/>
-          </a:xfrm>
-          <a:prstGeom prst="foldedCorner">
-            <a:avLst/>
-          </a:prstGeom>
-          <a:solidFill>
-            <a:schemeClr val="accent6">
-              <a:lumMod val="75000"/>
-            </a:schemeClr>
-          </a:solidFill>
-          <a:ln>
-            <a:solidFill>
-              <a:schemeClr val="accent6"/>
-            </a:solidFill>
-          </a:ln>
-        </p:spPr>
-        <p:style>
-          <a:lnRef idx="2">
-            <a:schemeClr val="accent1">
-              <a:shade val="50000"/>
-            </a:schemeClr>
-          </a:lnRef>
-          <a:fillRef idx="1">
-            <a:schemeClr val="accent1"/>
-          </a:fillRef>
-          <a:effectRef idx="0">
-            <a:schemeClr val="accent1"/>
-          </a:effectRef>
-          <a:fontRef idx="minor">
-            <a:schemeClr val="lt1"/>
-          </a:fontRef>
-        </p:style>
-        <p:txBody>
-          <a:bodyPr rtlCol="0" anchor="ctr"/>
-          <a:lstStyle/>
-          <a:p>
-            <a:pPr algn="ctr"/>
-            <a:endParaRPr kumimoji="1" lang="ja-JP" altLang="en-US"/>
-          </a:p>
-        </p:txBody>
-      </p:sp>
-      <p:sp>
-        <p:nvSpPr>
-          <p:cNvPr id="38" name="メモ 37">
-            <a:extLst>
-              <a:ext uri="{FF2B5EF4-FFF2-40B4-BE49-F238E27FC236}">
-                <a16:creationId xmlns:a16="http://schemas.microsoft.com/office/drawing/2014/main" id="{CC69C6AE-DD5B-8E45-984B-01F0FD8477A7}"/>
-              </a:ext>
-            </a:extLst>
-          </p:cNvPr>
-          <p:cNvSpPr/>
-          <p:nvPr/>
-        </p:nvSpPr>
-        <p:spPr>
-          <a:xfrm>
-            <a:off x="10391899" y="4926053"/>
-            <a:ext cx="202011" cy="220759"/>
-          </a:xfrm>
-          <a:prstGeom prst="foldedCorner">
-            <a:avLst/>
-          </a:prstGeom>
-          <a:solidFill>
-            <a:schemeClr val="accent6">
-              <a:lumMod val="75000"/>
-            </a:schemeClr>
-          </a:solidFill>
-          <a:ln>
-            <a:solidFill>
-              <a:schemeClr val="accent6"/>
-            </a:solidFill>
-          </a:ln>
-        </p:spPr>
-        <p:style>
-          <a:lnRef idx="2">
-            <a:schemeClr val="accent1">
-              <a:shade val="50000"/>
-            </a:schemeClr>
-          </a:lnRef>
-          <a:fillRef idx="1">
-            <a:schemeClr val="accent1"/>
-          </a:fillRef>
-          <a:effectRef idx="0">
-            <a:schemeClr val="accent1"/>
-          </a:effectRef>
-          <a:fontRef idx="minor">
-            <a:schemeClr val="lt1"/>
-          </a:fontRef>
-        </p:style>
-        <p:txBody>
-          <a:bodyPr rtlCol="0" anchor="ctr"/>
-          <a:lstStyle/>
-          <a:p>
-            <a:pPr algn="ctr"/>
-            <a:endParaRPr kumimoji="1" lang="ja-JP" altLang="en-US"/>
-          </a:p>
-        </p:txBody>
-      </p:sp>
+            <a:ln>
+              <a:solidFill>
+                <a:schemeClr val="accent6"/>
+              </a:solidFill>
+            </a:ln>
+          </p:spPr>
+          <p:style>
+            <a:lnRef idx="2">
+              <a:schemeClr val="accent1">
+                <a:shade val="50000"/>
+              </a:schemeClr>
+            </a:lnRef>
+            <a:fillRef idx="1">
+              <a:schemeClr val="accent1"/>
+            </a:fillRef>
+            <a:effectRef idx="0">
+              <a:schemeClr val="accent1"/>
+            </a:effectRef>
+            <a:fontRef idx="minor">
+              <a:schemeClr val="lt1"/>
+            </a:fontRef>
+          </p:style>
+          <p:txBody>
+            <a:bodyPr rtlCol="0" anchor="ctr"/>
+            <a:lstStyle/>
+            <a:p>
+              <a:pPr algn="ctr"/>
+              <a:endParaRPr kumimoji="1" lang="ja-JP" altLang="en-US"/>
+            </a:p>
+          </p:txBody>
+        </p:sp>
+      </p:grpSp>
     </p:spTree>
     <p:extLst>
       <p:ext uri="{BB962C8B-B14F-4D97-AF65-F5344CB8AC3E}">
@@ -10570,12 +13263,12 @@
         </p:spPr>
         <p:txBody>
           <a:bodyPr>
-            <a:normAutofit fontScale="92500" lnSpcReduction="10000"/>
+            <a:normAutofit lnSpcReduction="10000"/>
           </a:bodyPr>
           <a:lstStyle/>
           <a:p>
             <a:r>
-              <a:rPr kumimoji="1" lang="ja-JP" altLang="en-US"/>
+              <a:rPr kumimoji="1" lang="ja-JP" altLang="en-US" dirty="0"/>
               <a:t>需要が低いと複製が少ない</a:t>
             </a:r>
             <a:endParaRPr kumimoji="1" lang="en-US" altLang="ja-JP" dirty="0"/>
@@ -10583,7 +13276,7 @@
           <a:p>
             <a:pPr lvl="1"/>
             <a:r>
-              <a:rPr kumimoji="1" lang="ja-JP" altLang="en-US"/>
+              <a:rPr kumimoji="1" lang="ja-JP" altLang="en-US" dirty="0"/>
               <a:t>複製が少ないと，情報がネットワークから消滅しやすい</a:t>
             </a:r>
             <a:endParaRPr kumimoji="1" lang="en-US" altLang="ja-JP" dirty="0"/>
@@ -10594,28 +13287,20 @@
           </a:p>
           <a:p>
             <a:r>
+              <a:rPr lang="ja-JP" altLang="en-US" dirty="0"/>
+              <a:t>低需要・高必要性の情報が消滅しやすい</a:t>
+            </a:r>
+            <a:endParaRPr lang="en-US" altLang="ja-JP" dirty="0"/>
+          </a:p>
+          <a:p>
+            <a:pPr lvl="1"/>
+            <a:r>
+              <a:rPr lang="ja-JP" altLang="en-US" dirty="0"/>
+              <a:t>必要性の高い情報は，一定期間</a:t>
+            </a:r>
+            <a:r>
               <a:rPr lang="ja-JP" altLang="en-US"/>
-              <a:t>低需要・高必要性の情報が消滅しやすい</a:t>
-            </a:r>
-            <a:endParaRPr lang="en-US" altLang="ja-JP" dirty="0"/>
-          </a:p>
-          <a:p>
-            <a:pPr lvl="1"/>
-            <a:r>
-              <a:rPr lang="ja-JP" altLang="en-US"/>
-              <a:t>必要性</a:t>
-            </a:r>
-            <a:r>
-              <a:rPr lang="ja-JP" altLang="en-US" dirty="0"/>
-              <a:t>の高い</a:t>
-            </a:r>
-            <a:r>
-              <a:rPr lang="ja-JP" altLang="en-US"/>
-              <a:t>情報は，一定</a:t>
-            </a:r>
-            <a:r>
-              <a:rPr lang="ja-JP" altLang="en-US" dirty="0"/>
-              <a:t>期間ネットワークに保持させておくべき</a:t>
+              <a:t>ネットワークに生存させておくべき</a:t>
             </a:r>
             <a:endParaRPr lang="en-US" altLang="ja-JP" dirty="0"/>
           </a:p>
@@ -10625,11 +13310,7 @@
             </a:pPr>
             <a:r>
               <a:rPr lang="ja-JP" altLang="en-US" dirty="0"/>
-              <a:t>⇨低需要情報の生存を考慮した複製</a:t>
-            </a:r>
-            <a:r>
-              <a:rPr lang="ja-JP" altLang="en-US"/>
-              <a:t>配置手法の提案</a:t>
+              <a:t>⇨低需要情報の生存を考慮した複製配置手法の提案</a:t>
             </a:r>
             <a:endParaRPr kumimoji="1" lang="en-US" altLang="ja-JP" dirty="0"/>
           </a:p>
@@ -10672,7 +13353,7 @@
         </p:nvGrpSpPr>
         <p:grpSpPr>
           <a:xfrm>
-            <a:off x="996043" y="4823993"/>
+            <a:off x="999520" y="4805756"/>
             <a:ext cx="5096480" cy="2159261"/>
             <a:chOff x="179992" y="4222483"/>
             <a:chExt cx="5706400" cy="2733787"/>
@@ -11884,7 +14565,7 @@
             </a:r>
             <a:r>
               <a:rPr lang="en-US" altLang="ja-JP" dirty="0"/>
-              <a:t>[1]</a:t>
+              <a:t>[2]</a:t>
             </a:r>
             <a:endParaRPr kumimoji="1" lang="ja-JP" altLang="en-US" dirty="0"/>
           </a:p>
@@ -11902,8 +14583,8 @@
         </p:nvSpPr>
         <p:spPr>
           <a:xfrm>
-            <a:off x="838200" y="1289957"/>
-            <a:ext cx="8201234" cy="5263947"/>
+            <a:off x="838200" y="1411705"/>
+            <a:ext cx="8201234" cy="5142199"/>
           </a:xfrm>
         </p:spPr>
         <p:txBody>
@@ -11933,13 +14614,9 @@
             <a:pPr lvl="1"/>
             <a:r>
               <a:rPr lang="ja-JP" altLang="en-US" sz="3500" dirty="0"/>
-              <a:t>需要予測を行い，事前に低需要データなの</a:t>
-            </a:r>
-            <a:r>
-              <a:rPr lang="ja-JP" altLang="en-US" sz="3500" dirty="0" smtClean="0"/>
-              <a:t>か</a:t>
-            </a:r>
-            <a:endParaRPr lang="en-US" altLang="ja-JP" sz="3500" dirty="0" smtClean="0"/>
+              <a:t>需要予測を行い，事前に低需要データなのか</a:t>
+            </a:r>
+            <a:endParaRPr lang="en-US" altLang="ja-JP" sz="3500" dirty="0"/>
           </a:p>
           <a:p>
             <a:pPr marL="530352" lvl="1" indent="0">
@@ -11950,7 +14627,7 @@
               <a:t>	</a:t>
             </a:r>
             <a:r>
-              <a:rPr lang="ja-JP" altLang="en-US" sz="3500" dirty="0" smtClean="0"/>
+              <a:rPr lang="ja-JP" altLang="en-US" sz="3500" dirty="0"/>
               <a:t>判定</a:t>
             </a:r>
             <a:endParaRPr lang="en-US" altLang="ja-JP" sz="3500" dirty="0"/>
@@ -11959,17 +14636,9 @@
             <a:pPr lvl="2"/>
             <a:r>
               <a:rPr lang="ja-JP" altLang="en-US" sz="3200" dirty="0"/>
-              <a:t>低需要と判定されたデータは，データ</a:t>
-            </a:r>
-            <a:r>
-              <a:rPr lang="ja-JP" altLang="en-US" sz="3200" dirty="0" smtClean="0"/>
-              <a:t>要求</a:t>
-            </a:r>
-            <a:r>
-              <a:rPr lang="ja-JP" altLang="en-US" sz="3200" dirty="0" smtClean="0"/>
-              <a:t>が</a:t>
-            </a:r>
-            <a:endParaRPr lang="en-US" altLang="ja-JP" sz="3200" dirty="0" smtClean="0"/>
+              <a:t>低需要と判定されたデータは，データ要求が</a:t>
+            </a:r>
+            <a:endParaRPr lang="en-US" altLang="ja-JP" sz="3200" dirty="0"/>
           </a:p>
           <a:p>
             <a:pPr marL="987552" lvl="2" indent="0">
@@ -11977,15 +14646,7 @@
             </a:pPr>
             <a:r>
               <a:rPr lang="ja-JP" altLang="en-US" sz="3200" dirty="0"/>
-              <a:t>　</a:t>
-            </a:r>
-            <a:r>
-              <a:rPr lang="ja-JP" altLang="en-US" sz="3200" dirty="0" smtClean="0"/>
-              <a:t> なくて</a:t>
-            </a:r>
-            <a:r>
-              <a:rPr lang="ja-JP" altLang="en-US" sz="3200" dirty="0"/>
-              <a:t>も，ノードの信頼度を元に複製配置</a:t>
+              <a:t>　 なくても，ノードの信頼度を元に複製配置</a:t>
             </a:r>
             <a:endParaRPr lang="en-US" altLang="ja-JP" sz="3200" dirty="0"/>
           </a:p>
@@ -12003,7 +14664,27 @@
           <a:p>
             <a:pPr lvl="1"/>
             <a:r>
+              <a:rPr lang="ja-JP" altLang="en-US" sz="3500"/>
+              <a:t>ストレージ使</a:t>
+            </a:r>
+            <a:r>
               <a:rPr lang="ja-JP" altLang="en-US" sz="3500" dirty="0"/>
+              <a:t>用量の増加</a:t>
+            </a:r>
+            <a:endParaRPr lang="en-US" altLang="ja-JP" sz="3500" dirty="0"/>
+          </a:p>
+          <a:p>
+            <a:pPr lvl="1"/>
+            <a:r>
+              <a:rPr lang="ja-JP" altLang="en-US" sz="3500" dirty="0"/>
+              <a:t>ノードの参加・離脱が考慮されていない</a:t>
+            </a:r>
+            <a:endParaRPr lang="en-US" altLang="ja-JP" dirty="0"/>
+          </a:p>
+          <a:p>
+            <a:pPr lvl="1"/>
+            <a:r>
+              <a:rPr lang="ja-JP" altLang="en-US" sz="3500"/>
               <a:t>ピュア型</a:t>
             </a:r>
             <a:r>
@@ -12011,14 +14692,10 @@
               <a:t>P2P</a:t>
             </a:r>
             <a:r>
-              <a:rPr lang="ja-JP" altLang="en-US" sz="3500" dirty="0"/>
-              <a:t>ネットワークでの実験は</a:t>
-            </a:r>
-            <a:r>
-              <a:rPr lang="ja-JP" altLang="en-US" sz="3500" dirty="0" smtClean="0"/>
-              <a:t>行われて</a:t>
-            </a:r>
-            <a:endParaRPr lang="en-US" altLang="ja-JP" sz="3500" dirty="0" smtClean="0"/>
+              <a:rPr lang="ja-JP" altLang="en-US" sz="3500"/>
+              <a:t>ネットワークでの実験は行われて</a:t>
+            </a:r>
+            <a:endParaRPr lang="en-US" altLang="ja-JP" sz="3500" dirty="0"/>
           </a:p>
           <a:p>
             <a:pPr marL="530352" lvl="1" indent="0">
@@ -12029,30 +14706,10 @@
               <a:t>	</a:t>
             </a:r>
             <a:r>
-              <a:rPr lang="ja-JP" altLang="en-US" sz="3500" dirty="0" smtClean="0"/>
+              <a:rPr lang="ja-JP" altLang="en-US" sz="3500"/>
               <a:t>いない</a:t>
             </a:r>
             <a:endParaRPr lang="en-US" altLang="ja-JP" sz="3500" dirty="0"/>
-          </a:p>
-          <a:p>
-            <a:pPr lvl="1"/>
-            <a:r>
-              <a:rPr lang="ja-JP" altLang="en-US" sz="3500" dirty="0"/>
-              <a:t>ストレージ使用量の増加</a:t>
-            </a:r>
-            <a:endParaRPr lang="en-US" altLang="ja-JP" sz="3500" dirty="0"/>
-          </a:p>
-          <a:p>
-            <a:pPr lvl="1"/>
-            <a:r>
-              <a:rPr lang="ja-JP" altLang="en-US" sz="3500" dirty="0"/>
-              <a:t>ノードの参加・離脱が考慮されて</a:t>
-            </a:r>
-            <a:r>
-              <a:rPr lang="ja-JP" altLang="en-US" sz="3500" dirty="0" smtClean="0"/>
-              <a:t>いない</a:t>
-            </a:r>
-            <a:endParaRPr lang="en-US" altLang="ja-JP" dirty="0"/>
           </a:p>
           <a:p>
             <a:pPr lvl="1"/>
@@ -12097,8 +14754,8 @@
         </p:nvSpPr>
         <p:spPr>
           <a:xfrm>
-            <a:off x="1990092" y="6553905"/>
-            <a:ext cx="8211815" cy="307777"/>
+            <a:off x="2211748" y="6553905"/>
+            <a:ext cx="7768504" cy="307777"/>
           </a:xfrm>
           <a:prstGeom prst="rect">
             <a:avLst/>
@@ -12113,7 +14770,7 @@
           <a:p>
             <a:r>
               <a:rPr kumimoji="1" lang="en-US" altLang="ja-JP" sz="1400" dirty="0"/>
-              <a:t>[1]</a:t>
+              <a:t>[2] </a:t>
             </a:r>
             <a:r>
               <a:rPr kumimoji="1" lang="ja-JP" altLang="en-US" sz="1400" dirty="0"/>
@@ -12423,15 +15080,45 @@
             <a:pPr lvl="1"/>
             <a:r>
               <a:rPr lang="ja-JP" altLang="en-US" dirty="0"/>
-              <a:t>ネットワーク上の情報ごとの複製数を監視，低需要情報か判定</a:t>
+              <a:t>ネットワーク上の情報ごとの複製数を監視，</a:t>
+            </a:r>
+            <a:r>
+              <a:rPr lang="ja-JP" altLang="en-US"/>
+              <a:t>低需要情報か</a:t>
             </a:r>
             <a:endParaRPr lang="en-US" altLang="ja-JP" dirty="0"/>
           </a:p>
           <a:p>
+            <a:pPr marL="530352" lvl="1" indent="0">
+              <a:buNone/>
+            </a:pPr>
+            <a:r>
+              <a:rPr lang="en-US" altLang="ja-JP" dirty="0"/>
+              <a:t>	</a:t>
+            </a:r>
+            <a:r>
+              <a:rPr lang="ja-JP" altLang="en-US" dirty="0"/>
+              <a:t>判定</a:t>
+            </a:r>
+            <a:endParaRPr lang="en-US" altLang="ja-JP" dirty="0"/>
+          </a:p>
+          <a:p>
             <a:pPr lvl="2"/>
             <a:r>
               <a:rPr lang="ja-JP" altLang="en-US" dirty="0"/>
-              <a:t>低需要情報はカッコウ探索を用いて別途複製配置</a:t>
+              <a:t>低需要</a:t>
+            </a:r>
+            <a:r>
+              <a:rPr lang="ja-JP" altLang="en-US"/>
+              <a:t>情報はカッコウ</a:t>
+            </a:r>
+            <a:r>
+              <a:rPr lang="ja-JP" altLang="en-US" dirty="0"/>
+              <a:t>探索</a:t>
+            </a:r>
+            <a:r>
+              <a:rPr lang="ja-JP" altLang="en-US"/>
+              <a:t>を用いてノードを選出，複製配置</a:t>
             </a:r>
             <a:endParaRPr lang="en-US" altLang="ja-JP" dirty="0"/>
           </a:p>
@@ -12439,11 +15126,7 @@
             <a:pPr lvl="3"/>
             <a:r>
               <a:rPr lang="ja-JP" altLang="en-US" dirty="0"/>
-              <a:t>一定期間データ要求がないと複製配置</a:t>
-            </a:r>
-            <a:r>
-              <a:rPr lang="ja-JP" altLang="en-US"/>
-              <a:t>を取りやめ</a:t>
+              <a:t>一定期間データ要求がないと複製配置を取りやめ</a:t>
             </a:r>
             <a:endParaRPr lang="en-US" altLang="ja-JP" dirty="0"/>
           </a:p>
@@ -12453,8 +15136,16 @@
           </a:p>
           <a:p>
             <a:r>
+              <a:rPr lang="ja-JP" altLang="en-US" dirty="0"/>
+              <a:t>情報を一定期間生存させつつ，</a:t>
+            </a:r>
+            <a:r>
               <a:rPr lang="ja-JP" altLang="en-US"/>
-              <a:t>情報を一定期間生存させつつ，ストレージ使用率を抑える</a:t>
+              <a:t>ストレージ使用量を</a:t>
+            </a:r>
+            <a:r>
+              <a:rPr lang="ja-JP" altLang="en-US" dirty="0"/>
+              <a:t>抑える</a:t>
             </a:r>
             <a:endParaRPr lang="en-US" altLang="ja-JP" dirty="0"/>
           </a:p>
@@ -14790,15 +17481,11 @@
             <a:pPr algn="ctr"/>
             <a:r>
               <a:rPr kumimoji="1" lang="ja-JP" altLang="en-US" dirty="0"/>
-              <a:t>カッコウ</a:t>
-            </a:r>
-            <a:r>
-              <a:rPr kumimoji="1" lang="ja-JP" altLang="en-US"/>
-              <a:t>探索</a:t>
+              <a:t>カッコウ探索</a:t>
             </a:r>
             <a:r>
               <a:rPr kumimoji="1" lang="en-US" altLang="ja-JP" dirty="0"/>
-              <a:t>[2]</a:t>
+              <a:t>[3]</a:t>
             </a:r>
             <a:endParaRPr kumimoji="1" lang="ja-JP" altLang="en-US" dirty="0"/>
           </a:p>
@@ -14822,29 +17509,53 @@
         </p:spPr>
         <p:txBody>
           <a:bodyPr>
-            <a:normAutofit fontScale="92500" lnSpcReduction="10000"/>
+            <a:normAutofit fontScale="92500" lnSpcReduction="20000"/>
           </a:bodyPr>
           <a:lstStyle/>
           <a:p>
             <a:r>
+              <a:rPr lang="ja-JP" altLang="en-US" dirty="0"/>
+              <a:t>連続値最適化問題を対象と</a:t>
+            </a:r>
+            <a:r>
               <a:rPr lang="ja-JP" altLang="en-US"/>
-              <a:t>連続値最適化</a:t>
-            </a:r>
+              <a:t>したメタヒューリスティックアル</a:t>
+            </a:r>
+            <a:endParaRPr lang="en-US" altLang="ja-JP" dirty="0"/>
+          </a:p>
+          <a:p>
+            <a:pPr marL="0" indent="0">
+              <a:buNone/>
+            </a:pPr>
+            <a:r>
+              <a:rPr lang="en-US" altLang="ja-JP" dirty="0"/>
+              <a:t>     </a:t>
+            </a:r>
+            <a:r>
+              <a:rPr lang="ja-JP" altLang="en-US"/>
+              <a:t>ゴリズム</a:t>
+            </a:r>
+            <a:endParaRPr lang="en-US" altLang="ja-JP" dirty="0"/>
+          </a:p>
+          <a:p>
+            <a:pPr lvl="1"/>
             <a:r>
               <a:rPr lang="ja-JP" altLang="en-US" dirty="0"/>
-              <a:t>問題を対象と</a:t>
+              <a:t>探索による候補解の生成，候補解の更新を繰り返し最適解を</a:t>
+            </a:r>
+            <a:endParaRPr lang="en-US" altLang="ja-JP" dirty="0"/>
+          </a:p>
+          <a:p>
+            <a:pPr marL="530352" lvl="1" indent="0">
+              <a:buNone/>
+            </a:pPr>
+            <a:r>
+              <a:rPr lang="en-US" altLang="ja-JP" dirty="0"/>
+              <a:t>	</a:t>
             </a:r>
             <a:r>
               <a:rPr lang="ja-JP" altLang="en-US"/>
-              <a:t>したメタヒューリスティック</a:t>
-            </a:r>
-            <a:endParaRPr lang="en-US" altLang="ja-JP" dirty="0"/>
-          </a:p>
-          <a:p>
-            <a:pPr lvl="1"/>
-            <a:r>
-              <a:rPr lang="ja-JP" altLang="en-US"/>
-              <a:t>探索による候補解の生成，候補解の更新を繰り返し最適解を決定</a:t>
+              <a:t>決定</a:t>
             </a:r>
             <a:endParaRPr lang="en-US" altLang="ja-JP" dirty="0"/>
           </a:p>
@@ -14856,7 +17567,7 @@
           </a:p>
           <a:p>
             <a:r>
-              <a:rPr kumimoji="1" lang="ja-JP" altLang="en-US"/>
+              <a:rPr kumimoji="1" lang="ja-JP" altLang="en-US" dirty="0"/>
               <a:t>カッコウの托卵行動を元にしている</a:t>
             </a:r>
             <a:endParaRPr kumimoji="1" lang="en-US" altLang="ja-JP" dirty="0"/>
@@ -14865,11 +17576,7 @@
             <a:pPr lvl="1"/>
             <a:r>
               <a:rPr kumimoji="1" lang="ja-JP" altLang="en-US" dirty="0"/>
-              <a:t>他種の鳥の巣に卵</a:t>
-            </a:r>
-            <a:r>
-              <a:rPr kumimoji="1" lang="ja-JP" altLang="en-US"/>
-              <a:t>を産み，育てさせる</a:t>
+              <a:t>他種の鳥の巣に卵を産み，育てさせる</a:t>
             </a:r>
             <a:endParaRPr kumimoji="1" lang="en-US" altLang="ja-JP" dirty="0"/>
           </a:p>
@@ -14878,12 +17585,8 @@
           </a:p>
           <a:p>
             <a:r>
-              <a:rPr kumimoji="1" lang="ja-JP" altLang="en-US"/>
-              <a:t>探索</a:t>
-            </a:r>
-            <a:r>
               <a:rPr kumimoji="1" lang="ja-JP" altLang="en-US" dirty="0"/>
-              <a:t>は</a:t>
+              <a:t>探索は</a:t>
             </a:r>
             <a:r>
               <a:rPr kumimoji="1" lang="en-US" altLang="ja-JP" dirty="0"/>
@@ -14894,15 +17597,11 @@
             <a:pPr lvl="1"/>
             <a:r>
               <a:rPr lang="ja-JP" altLang="en-US" dirty="0"/>
-              <a:t>広大な範囲から稀少資源を探索することに</a:t>
-            </a:r>
-            <a:r>
-              <a:rPr lang="ja-JP" altLang="en-US"/>
-              <a:t>有効</a:t>
-            </a:r>
-            <a:r>
-              <a:rPr lang="en-US" altLang="ja-JP" dirty="0"/>
-              <a:t>[3]</a:t>
+              <a:t>広大な範囲から稀少資源を探索することに有効</a:t>
+            </a:r>
+            <a:r>
+              <a:rPr lang="en-US" altLang="ja-JP" i="0" dirty="0"/>
+              <a:t>[4]</a:t>
             </a:r>
           </a:p>
         </p:txBody>
@@ -14944,8 +17643,8 @@
         </p:nvSpPr>
         <p:spPr>
           <a:xfrm>
-            <a:off x="2043426" y="5891216"/>
-            <a:ext cx="9173044" cy="1015663"/>
+            <a:off x="2081019" y="5891216"/>
+            <a:ext cx="8029963" cy="1015663"/>
           </a:xfrm>
           <a:prstGeom prst="rect">
             <a:avLst/>
@@ -14960,7 +17659,7 @@
           <a:p>
             <a:r>
               <a:rPr kumimoji="1" lang="en-US" altLang="ja-JP" sz="1400" dirty="0"/>
-              <a:t>[2</a:t>
+              <a:t>[3</a:t>
             </a:r>
             <a:r>
               <a:rPr lang="en-US" altLang="ja-JP" sz="1400" dirty="0"/>
@@ -14984,10 +17683,10 @@
           <a:p>
             <a:r>
               <a:rPr lang="en-US" altLang="ja-JP" sz="1400" dirty="0"/>
-              <a:t>[3]</a:t>
-            </a:r>
-            <a:r>
-              <a:rPr lang="ja-JP" altLang="en-US" sz="1400"/>
+              <a:t>[4] </a:t>
+            </a:r>
+            <a:r>
+              <a:rPr lang="ja-JP" altLang="en-US" sz="1400" dirty="0"/>
               <a:t>信貴賢也</a:t>
             </a:r>
             <a:r>
@@ -15004,11 +17703,7 @@
             </a:r>
             <a:r>
               <a:rPr lang="ja-JP" altLang="en-US" sz="1400" dirty="0"/>
-              <a:t>の分析と</a:t>
-            </a:r>
-            <a:r>
-              <a:rPr lang="ja-JP" altLang="en-US" sz="1400"/>
-              <a:t>評価</a:t>
+              <a:t>の分析と評価</a:t>
             </a:r>
             <a:r>
               <a:rPr lang="en-US" altLang="ja-JP" sz="1400" dirty="0"/>
@@ -15021,7 +17716,7 @@
               <a:t>     2017</a:t>
             </a:r>
             <a:r>
-              <a:rPr lang="ja-JP" altLang="en-US" sz="1400"/>
+              <a:rPr lang="ja-JP" altLang="en-US" sz="1400" dirty="0"/>
               <a:t>年度</a:t>
             </a:r>
             <a:r>
@@ -15029,7 +17724,7 @@
               <a:t> </a:t>
             </a:r>
             <a:r>
-              <a:rPr lang="ja-JP" altLang="en-US" sz="1400"/>
+              <a:rPr lang="ja-JP" altLang="en-US" sz="1400" dirty="0"/>
               <a:t>京都産業大学大学院</a:t>
             </a:r>
             <a:r>
@@ -15037,20 +17732,16 @@
               <a:t> </a:t>
             </a:r>
             <a:r>
-              <a:rPr lang="ja-JP" altLang="en-US" sz="1400"/>
+              <a:rPr lang="ja-JP" altLang="en-US" sz="1400" dirty="0"/>
               <a:t>先端情報学研究科</a:t>
             </a:r>
             <a:r>
-              <a:rPr lang="ja-JP" altLang="en-US"/>
+              <a:rPr lang="ja-JP" altLang="en-US" dirty="0"/>
               <a:t> </a:t>
             </a:r>
             <a:r>
-              <a:rPr lang="ja-JP" altLang="en-US" sz="1400"/>
-              <a:t>修士</a:t>
-            </a:r>
-            <a:r>
               <a:rPr lang="ja-JP" altLang="en-US" sz="1400" dirty="0"/>
-              <a:t>論文</a:t>
+              <a:t>修士論文</a:t>
             </a:r>
             <a:endParaRPr kumimoji="1" lang="ja-JP" altLang="en-US" sz="1400" dirty="0"/>
           </a:p>
@@ -15184,173 +17875,69 @@
         </p:nvSpPr>
         <p:spPr>
           <a:xfrm>
-            <a:off x="1371600" y="1355271"/>
-            <a:ext cx="9601200" cy="5183641"/>
+            <a:off x="1371600" y="1428750"/>
+            <a:ext cx="9601200" cy="1941094"/>
           </a:xfrm>
         </p:spPr>
         <p:txBody>
           <a:bodyPr>
-            <a:normAutofit fontScale="62500" lnSpcReduction="20000"/>
+            <a:noAutofit/>
           </a:bodyPr>
           <a:lstStyle/>
           <a:p>
             <a:r>
-              <a:rPr kumimoji="1" lang="ja-JP" altLang="en-US" sz="4500" dirty="0"/>
-              <a:t>「</a:t>
-            </a:r>
-            <a:r>
-              <a:rPr kumimoji="1" lang="en-US" altLang="ja-JP" sz="4500" dirty="0" err="1"/>
+              <a:rPr kumimoji="1" lang="en-US" altLang="ja-JP" sz="3000" dirty="0" err="1"/>
               <a:t>peerSim</a:t>
             </a:r>
             <a:r>
-              <a:rPr lang="en-US" altLang="ja-JP" sz="4500" dirty="0"/>
-              <a:t> [4] </a:t>
-            </a:r>
-            <a:r>
-              <a:rPr kumimoji="1" lang="ja-JP" altLang="en-US" sz="4500" dirty="0"/>
-              <a:t>」</a:t>
-            </a:r>
-            <a:r>
-              <a:rPr lang="ja-JP" altLang="en-US" sz="4500" dirty="0"/>
-              <a:t>を用いて実装・シミュレート</a:t>
-            </a:r>
-            <a:endParaRPr lang="en-US" altLang="ja-JP" sz="4500" dirty="0"/>
+              <a:rPr lang="en-US" altLang="ja-JP" sz="3000" dirty="0"/>
+              <a:t> [5] </a:t>
+            </a:r>
+            <a:r>
+              <a:rPr lang="ja-JP" altLang="en-US" sz="3000"/>
+              <a:t>を</a:t>
+            </a:r>
+            <a:r>
+              <a:rPr lang="ja-JP" altLang="en-US" sz="3000" dirty="0"/>
+              <a:t>用いて</a:t>
+            </a:r>
+            <a:r>
+              <a:rPr lang="ja-JP" altLang="en-US" sz="3000"/>
+              <a:t>実装・</a:t>
+            </a:r>
+            <a:r>
+              <a:rPr lang="ja-JP" altLang="en-US"/>
+              <a:t>シミュレーション</a:t>
+            </a:r>
+            <a:endParaRPr lang="en-US" altLang="ja-JP" sz="3000" dirty="0"/>
           </a:p>
           <a:p>
             <a:pPr lvl="1"/>
             <a:r>
-              <a:rPr lang="en-US" altLang="ja-JP" sz="3800" dirty="0" err="1"/>
+              <a:rPr lang="en-US" altLang="ja-JP" sz="2700" i="0" dirty="0" err="1"/>
               <a:t>peerSim</a:t>
             </a:r>
-            <a:endParaRPr lang="en-US" altLang="ja-JP" sz="3800" dirty="0"/>
+            <a:r>
+              <a:rPr lang="ja-JP" altLang="en-US" sz="2700" i="0"/>
+              <a:t>とは</a:t>
+            </a:r>
+            <a:endParaRPr lang="en-US" altLang="ja-JP" sz="2700" i="0" dirty="0"/>
           </a:p>
           <a:p>
             <a:pPr lvl="2"/>
             <a:r>
-              <a:rPr lang="ja-JP" altLang="en-US" sz="3400" dirty="0"/>
+              <a:rPr lang="ja-JP" altLang="en-US" sz="2500" dirty="0"/>
               <a:t>オーバーレイネットワークをシミュレート</a:t>
             </a:r>
-            <a:endParaRPr kumimoji="1" lang="en-US" altLang="ja-JP" sz="3400" dirty="0"/>
+            <a:endParaRPr kumimoji="1" lang="en-US" altLang="ja-JP" sz="2500" dirty="0"/>
           </a:p>
           <a:p>
             <a:pPr lvl="2"/>
             <a:r>
-              <a:rPr lang="ja-JP" altLang="en-US" sz="3400" dirty="0"/>
+              <a:rPr lang="ja-JP" altLang="en-US" sz="2500" dirty="0"/>
               <a:t>サイクルに基づく離散時間シミュレータ</a:t>
             </a:r>
-            <a:endParaRPr lang="en-US" altLang="ja-JP" sz="3400" dirty="0"/>
-          </a:p>
-          <a:p>
-            <a:pPr marL="914400" lvl="2" indent="0">
-              <a:buNone/>
-            </a:pPr>
-            <a:endParaRPr kumimoji="1" lang="en-US" altLang="ja-JP" dirty="0"/>
-          </a:p>
-          <a:p>
-            <a:r>
-              <a:rPr lang="ja-JP" altLang="en-US" sz="4500" dirty="0"/>
-              <a:t>比較</a:t>
-            </a:r>
-            <a:r>
-              <a:rPr lang="ja-JP" altLang="en-US" sz="4500" dirty="0" smtClean="0"/>
-              <a:t>内容</a:t>
-            </a:r>
-            <a:endParaRPr lang="en-US" altLang="ja-JP" sz="4500" dirty="0" smtClean="0"/>
-          </a:p>
-          <a:p>
-            <a:pPr lvl="1"/>
-            <a:r>
-              <a:rPr lang="ja-JP" altLang="en-US" sz="3800" dirty="0"/>
-              <a:t>評価</a:t>
-            </a:r>
-            <a:r>
-              <a:rPr lang="ja-JP" altLang="en-US" sz="3800" dirty="0" smtClean="0"/>
-              <a:t>の比較</a:t>
-            </a:r>
-            <a:endParaRPr lang="en-US" altLang="ja-JP" sz="3800" dirty="0"/>
-          </a:p>
-          <a:p>
-            <a:pPr lvl="2"/>
-            <a:r>
-              <a:rPr lang="en-US" altLang="ja-JP" dirty="0"/>
-              <a:t>Owner </a:t>
-            </a:r>
-            <a:r>
-              <a:rPr lang="en-US" altLang="ja-JP" dirty="0" smtClean="0"/>
-              <a:t>Replication</a:t>
-            </a:r>
-            <a:endParaRPr lang="en-US" altLang="ja-JP" dirty="0"/>
-          </a:p>
-          <a:p>
-            <a:pPr lvl="2"/>
-            <a:r>
-              <a:rPr lang="en-US" altLang="ja-JP" dirty="0" smtClean="0"/>
-              <a:t>Path Replication</a:t>
-            </a:r>
-            <a:endParaRPr lang="en-US" altLang="ja-JP" dirty="0"/>
-          </a:p>
-          <a:p>
-            <a:pPr lvl="2"/>
-            <a:r>
-              <a:rPr lang="ja-JP" altLang="en-US" dirty="0"/>
-              <a:t>影山</a:t>
-            </a:r>
-            <a:r>
-              <a:rPr lang="ja-JP" altLang="en-US" dirty="0" smtClean="0"/>
-              <a:t>ら</a:t>
-            </a:r>
-            <a:r>
-              <a:rPr lang="ja-JP" altLang="en-US" dirty="0" smtClean="0"/>
-              <a:t>の</a:t>
-            </a:r>
-            <a:r>
-              <a:rPr lang="ja-JP" altLang="en-US" dirty="0"/>
-              <a:t>提案</a:t>
-            </a:r>
-            <a:r>
-              <a:rPr lang="ja-JP" altLang="en-US" dirty="0" smtClean="0"/>
-              <a:t>手法</a:t>
-            </a:r>
-            <a:endParaRPr lang="en-US" altLang="ja-JP" dirty="0" smtClean="0"/>
-          </a:p>
-          <a:p>
-            <a:pPr lvl="2"/>
-            <a:r>
-              <a:rPr lang="ja-JP" altLang="en-US" dirty="0" smtClean="0"/>
-              <a:t>本提案手法</a:t>
-            </a:r>
-            <a:endParaRPr lang="en-US" altLang="ja-JP" dirty="0"/>
-          </a:p>
-          <a:p>
-            <a:pPr lvl="1"/>
-            <a:endParaRPr lang="en-US" altLang="ja-JP" dirty="0"/>
-          </a:p>
-          <a:p>
-            <a:r>
-              <a:rPr lang="ja-JP" altLang="en-US" sz="4500" dirty="0"/>
-              <a:t>評価内容</a:t>
-            </a:r>
-            <a:endParaRPr lang="en-US" altLang="ja-JP" sz="4500" dirty="0"/>
-          </a:p>
-          <a:p>
-            <a:pPr lvl="1"/>
-            <a:r>
-              <a:rPr lang="ja-JP" altLang="en-US" dirty="0"/>
-              <a:t>情報の複製数の推移</a:t>
-            </a:r>
-            <a:endParaRPr lang="en-US" altLang="ja-JP" dirty="0"/>
-          </a:p>
-          <a:p>
-            <a:pPr lvl="1"/>
-            <a:r>
-              <a:rPr lang="ja-JP" altLang="en-US" dirty="0"/>
-              <a:t>情報のストレージ使用率の</a:t>
-            </a:r>
-            <a:r>
-              <a:rPr lang="ja-JP" altLang="en-US" dirty="0" smtClean="0"/>
-              <a:t>推移</a:t>
-            </a:r>
-            <a:endParaRPr lang="en-US" altLang="ja-JP" dirty="0"/>
+            <a:endParaRPr lang="en-US" altLang="ja-JP" sz="2500" dirty="0"/>
           </a:p>
         </p:txBody>
       </p:sp>
@@ -15391,8 +17978,8 @@
         </p:nvSpPr>
         <p:spPr>
           <a:xfrm>
-            <a:off x="2941230" y="6538912"/>
-            <a:ext cx="6309539" cy="307777"/>
+            <a:off x="3376864" y="6538912"/>
+            <a:ext cx="5438272" cy="307777"/>
           </a:xfrm>
           <a:prstGeom prst="rect">
             <a:avLst/>
@@ -15407,7 +17994,7 @@
           <a:p>
             <a:r>
               <a:rPr kumimoji="1" lang="en-US" altLang="ja-JP" sz="1400" dirty="0"/>
-              <a:t>[4]</a:t>
+              <a:t>[5]</a:t>
             </a:r>
             <a:r>
               <a:rPr lang="en-US" altLang="ja-JP" sz="1400" b="1" dirty="0"/>
@@ -15431,6 +18018,296 @@
               <a:rPr lang="en-US" altLang="ja-JP" sz="1400" dirty="0"/>
               <a:t>”</a:t>
             </a:r>
+          </a:p>
+        </p:txBody>
+      </p:sp>
+      <p:sp>
+        <p:nvSpPr>
+          <p:cNvPr id="8" name="コンテンツ プレースホルダー 2"/>
+          <p:cNvSpPr txBox="1">
+            <a:spLocks/>
+          </p:cNvSpPr>
+          <p:nvPr/>
+        </p:nvSpPr>
+        <p:spPr>
+          <a:xfrm>
+            <a:off x="1467828" y="3564325"/>
+            <a:ext cx="9601200" cy="2974587"/>
+          </a:xfrm>
+          <a:prstGeom prst="rect">
+            <a:avLst/>
+          </a:prstGeom>
+        </p:spPr>
+        <p:txBody>
+          <a:bodyPr vert="horz" lIns="91440" tIns="45720" rIns="91440" bIns="45720" numCol="2" rtlCol="0">
+            <a:noAutofit/>
+          </a:bodyPr>
+          <a:lstStyle>
+            <a:lvl1pPr marL="384048" indent="-384048" algn="l" defTabSz="914400" rtl="0" eaLnBrk="1" latinLnBrk="0" hangingPunct="1">
+              <a:lnSpc>
+                <a:spcPct val="94000"/>
+              </a:lnSpc>
+              <a:spcBef>
+                <a:spcPts val="1000"/>
+              </a:spcBef>
+              <a:spcAft>
+                <a:spcPts val="200"/>
+              </a:spcAft>
+              <a:buFont typeface="Wingdings" pitchFamily="2" charset="2"/>
+              <a:buChar char="n"/>
+              <a:defRPr kumimoji="1" sz="3200" kern="1200" baseline="0">
+                <a:solidFill>
+                  <a:schemeClr val="tx2"/>
+                </a:solidFill>
+                <a:latin typeface="+mn-lt"/>
+                <a:ea typeface="+mn-ea"/>
+                <a:cs typeface="+mn-cs"/>
+              </a:defRPr>
+            </a:lvl1pPr>
+            <a:lvl2pPr marL="914400" indent="-384048" algn="l" defTabSz="914400" rtl="0" eaLnBrk="1" latinLnBrk="0" hangingPunct="1">
+              <a:lnSpc>
+                <a:spcPct val="94000"/>
+              </a:lnSpc>
+              <a:spcBef>
+                <a:spcPts val="500"/>
+              </a:spcBef>
+              <a:spcAft>
+                <a:spcPts val="200"/>
+              </a:spcAft>
+              <a:buSzPct val="70000"/>
+              <a:buFont typeface="システムフォント"/>
+              <a:buChar char="—"/>
+              <a:defRPr kumimoji="1" sz="2900" i="1" kern="1200" baseline="0">
+                <a:solidFill>
+                  <a:schemeClr val="tx2"/>
+                </a:solidFill>
+                <a:latin typeface="+mn-lt"/>
+                <a:ea typeface="+mn-ea"/>
+                <a:cs typeface="+mn-cs"/>
+              </a:defRPr>
+            </a:lvl2pPr>
+            <a:lvl3pPr marL="1371600" indent="-384048" algn="l" defTabSz="914400" rtl="0" eaLnBrk="1" latinLnBrk="0" hangingPunct="1">
+              <a:lnSpc>
+                <a:spcPct val="94000"/>
+              </a:lnSpc>
+              <a:spcBef>
+                <a:spcPts val="500"/>
+              </a:spcBef>
+              <a:spcAft>
+                <a:spcPts val="200"/>
+              </a:spcAft>
+              <a:buClrTx/>
+              <a:buSzPct val="70000"/>
+              <a:buFont typeface="システムフォント"/>
+              <a:buChar char="—"/>
+              <a:defRPr kumimoji="1" sz="2700" kern="1200" baseline="0">
+                <a:solidFill>
+                  <a:schemeClr val="tx2"/>
+                </a:solidFill>
+                <a:latin typeface="+mn-lt"/>
+                <a:ea typeface="+mn-ea"/>
+                <a:cs typeface="+mn-cs"/>
+              </a:defRPr>
+            </a:lvl3pPr>
+            <a:lvl4pPr marL="1828800" indent="-384048" algn="l" defTabSz="914400" rtl="0" eaLnBrk="1" latinLnBrk="0" hangingPunct="1">
+              <a:lnSpc>
+                <a:spcPct val="94000"/>
+              </a:lnSpc>
+              <a:spcBef>
+                <a:spcPts val="500"/>
+              </a:spcBef>
+              <a:spcAft>
+                <a:spcPts val="200"/>
+              </a:spcAft>
+              <a:buSzPct val="70000"/>
+              <a:buFont typeface="システムフォント"/>
+              <a:buChar char="—"/>
+              <a:defRPr kumimoji="1" sz="2500" i="1" kern="1200" baseline="0">
+                <a:solidFill>
+                  <a:schemeClr val="tx2"/>
+                </a:solidFill>
+                <a:latin typeface="+mn-lt"/>
+                <a:ea typeface="+mn-ea"/>
+                <a:cs typeface="+mn-cs"/>
+              </a:defRPr>
+            </a:lvl4pPr>
+            <a:lvl5pPr marL="2286000" indent="-384048" algn="l" defTabSz="914400" rtl="0" eaLnBrk="1" latinLnBrk="0" hangingPunct="1">
+              <a:lnSpc>
+                <a:spcPct val="94000"/>
+              </a:lnSpc>
+              <a:spcBef>
+                <a:spcPts val="500"/>
+              </a:spcBef>
+              <a:spcAft>
+                <a:spcPts val="200"/>
+              </a:spcAft>
+              <a:buSzPct val="70000"/>
+              <a:buFont typeface="システムフォント"/>
+              <a:buChar char="—"/>
+              <a:defRPr kumimoji="1" sz="2300" kern="1200" baseline="0">
+                <a:solidFill>
+                  <a:schemeClr val="tx2"/>
+                </a:solidFill>
+                <a:latin typeface="+mn-lt"/>
+                <a:ea typeface="+mn-ea"/>
+                <a:cs typeface="+mn-cs"/>
+              </a:defRPr>
+            </a:lvl5pPr>
+            <a:lvl6pPr marL="2743200" indent="-384048" algn="l" defTabSz="914400" rtl="0" eaLnBrk="1" latinLnBrk="0" hangingPunct="1">
+              <a:lnSpc>
+                <a:spcPct val="94000"/>
+              </a:lnSpc>
+              <a:spcBef>
+                <a:spcPts val="500"/>
+              </a:spcBef>
+              <a:spcAft>
+                <a:spcPts val="200"/>
+              </a:spcAft>
+              <a:buFont typeface="Franklin Gothic Book" panose="020B0503020102020204" pitchFamily="34" charset="0"/>
+              <a:buChar char="–"/>
+              <a:defRPr kumimoji="1" sz="1600" i="1" kern="1200" baseline="0">
+                <a:solidFill>
+                  <a:schemeClr val="tx2"/>
+                </a:solidFill>
+                <a:latin typeface="+mn-lt"/>
+                <a:ea typeface="+mn-ea"/>
+                <a:cs typeface="+mn-cs"/>
+              </a:defRPr>
+            </a:lvl6pPr>
+            <a:lvl7pPr marL="3200400" indent="-384048" algn="l" defTabSz="914400" rtl="0" eaLnBrk="1" latinLnBrk="0" hangingPunct="1">
+              <a:lnSpc>
+                <a:spcPct val="94000"/>
+              </a:lnSpc>
+              <a:spcBef>
+                <a:spcPts val="500"/>
+              </a:spcBef>
+              <a:spcAft>
+                <a:spcPts val="200"/>
+              </a:spcAft>
+              <a:buFont typeface="Franklin Gothic Book" panose="020B0503020102020204" pitchFamily="34" charset="0"/>
+              <a:buChar char="■"/>
+              <a:defRPr kumimoji="1" sz="1400" kern="1200" baseline="0">
+                <a:solidFill>
+                  <a:schemeClr val="tx2"/>
+                </a:solidFill>
+                <a:latin typeface="+mn-lt"/>
+                <a:ea typeface="+mn-ea"/>
+                <a:cs typeface="+mn-cs"/>
+              </a:defRPr>
+            </a:lvl7pPr>
+            <a:lvl8pPr marL="3657600" indent="-384048" algn="l" defTabSz="914400" rtl="0" eaLnBrk="1" latinLnBrk="0" hangingPunct="1">
+              <a:lnSpc>
+                <a:spcPct val="94000"/>
+              </a:lnSpc>
+              <a:spcBef>
+                <a:spcPts val="500"/>
+              </a:spcBef>
+              <a:spcAft>
+                <a:spcPts val="200"/>
+              </a:spcAft>
+              <a:buFont typeface="Franklin Gothic Book" panose="020B0503020102020204" pitchFamily="34" charset="0"/>
+              <a:buChar char="–"/>
+              <a:defRPr kumimoji="1" sz="1400" i="1" kern="1200" baseline="0">
+                <a:solidFill>
+                  <a:schemeClr val="tx2"/>
+                </a:solidFill>
+                <a:latin typeface="+mn-lt"/>
+                <a:ea typeface="+mn-ea"/>
+                <a:cs typeface="+mn-cs"/>
+              </a:defRPr>
+            </a:lvl8pPr>
+            <a:lvl9pPr marL="4114800" indent="-384048" algn="l" defTabSz="914400" rtl="0" eaLnBrk="1" latinLnBrk="0" hangingPunct="1">
+              <a:lnSpc>
+                <a:spcPct val="94000"/>
+              </a:lnSpc>
+              <a:spcBef>
+                <a:spcPts val="500"/>
+              </a:spcBef>
+              <a:spcAft>
+                <a:spcPts val="200"/>
+              </a:spcAft>
+              <a:buFont typeface="Franklin Gothic Book" panose="020B0503020102020204" pitchFamily="34" charset="0"/>
+              <a:buChar char="■"/>
+              <a:defRPr kumimoji="1" sz="1400" kern="1200" baseline="0">
+                <a:solidFill>
+                  <a:schemeClr val="tx2"/>
+                </a:solidFill>
+                <a:latin typeface="+mn-lt"/>
+                <a:ea typeface="+mn-ea"/>
+                <a:cs typeface="+mn-cs"/>
+              </a:defRPr>
+            </a:lvl9pPr>
+          </a:lstStyle>
+          <a:p>
+            <a:r>
+              <a:rPr lang="ja-JP" altLang="en-US" sz="3000" dirty="0"/>
+              <a:t>比較内容</a:t>
+            </a:r>
+            <a:endParaRPr lang="en-US" altLang="ja-JP" sz="3000" dirty="0"/>
+          </a:p>
+          <a:p>
+            <a:pPr lvl="1"/>
+            <a:r>
+              <a:rPr lang="en-US" altLang="ja-JP" sz="2700" dirty="0"/>
+              <a:t>Owner Replication</a:t>
+            </a:r>
+          </a:p>
+          <a:p>
+            <a:pPr lvl="1"/>
+            <a:r>
+              <a:rPr lang="en-US" altLang="ja-JP" sz="2700" dirty="0"/>
+              <a:t>Path Replication</a:t>
+            </a:r>
+          </a:p>
+          <a:p>
+            <a:pPr lvl="1"/>
+            <a:r>
+              <a:rPr lang="ja-JP" altLang="en-US" sz="2700" dirty="0"/>
+              <a:t>影山らの提案手法</a:t>
+            </a:r>
+            <a:endParaRPr lang="en-US" altLang="ja-JP" sz="2700" dirty="0"/>
+          </a:p>
+          <a:p>
+            <a:pPr lvl="1"/>
+            <a:r>
+              <a:rPr lang="ja-JP" altLang="en-US" sz="2700"/>
+              <a:t>本提案手法</a:t>
+            </a:r>
+            <a:endParaRPr lang="en-US" altLang="ja-JP" sz="3000" dirty="0"/>
+          </a:p>
+          <a:p>
+            <a:r>
+              <a:rPr lang="ja-JP" altLang="en-US" sz="3000"/>
+              <a:t>評価</a:t>
+            </a:r>
+            <a:r>
+              <a:rPr lang="ja-JP" altLang="en-US" sz="3000" dirty="0"/>
+              <a:t>内容</a:t>
+            </a:r>
+            <a:endParaRPr lang="en-US" altLang="ja-JP" sz="3000" dirty="0"/>
+          </a:p>
+          <a:p>
+            <a:pPr lvl="1"/>
+            <a:r>
+              <a:rPr lang="ja-JP" altLang="en-US" sz="2700" dirty="0"/>
+              <a:t>情報の複製数の推移</a:t>
+            </a:r>
+            <a:endParaRPr lang="en-US" altLang="ja-JP" sz="2700" dirty="0"/>
+          </a:p>
+          <a:p>
+            <a:pPr lvl="1"/>
+            <a:r>
+              <a:rPr lang="ja-JP" altLang="en-US" sz="2700" dirty="0"/>
+              <a:t>情報のストレージ使用量</a:t>
+            </a:r>
+            <a:r>
+              <a:rPr lang="ja-JP" altLang="en-US" sz="2700"/>
+              <a:t>の累積値の推移</a:t>
+            </a:r>
+            <a:endParaRPr lang="en-US" altLang="ja-JP" sz="2700" dirty="0"/>
+          </a:p>
+          <a:p>
+            <a:endParaRPr lang="en-US" altLang="ja-JP" sz="2500" dirty="0"/>
           </a:p>
         </p:txBody>
       </p:sp>

--- a/カッコウ探索を用いたアドホックネットワーク上のデータ配置.pptx
+++ b/カッコウ探索を用いたアドホックネットワーク上のデータ配置.pptx
@@ -236,7 +236,7 @@
           <a:p>
             <a:fld id="{778F0139-0BCD-4FD5-82E8-D290AF038206}" type="datetimeFigureOut">
               <a:rPr kumimoji="1" lang="ja-JP" altLang="en-US" smtClean="0"/>
-              <a:t>2019/2/11</a:t>
+              <a:t>2019/2/13</a:t>
             </a:fld>
             <a:endParaRPr kumimoji="1" lang="ja-JP" altLang="en-US"/>
           </a:p>
@@ -892,7 +892,7 @@
             </a:pPr>
             <a:r>
               <a:rPr kumimoji="1" lang="en-US" altLang="ja-JP" dirty="0"/>
-              <a:t>353</a:t>
+              <a:t>343</a:t>
             </a:r>
             <a:r>
               <a:rPr kumimoji="1" lang="ja-JP" altLang="en-US"/>
@@ -962,7 +962,7 @@
             </a:pPr>
             <a:r>
               <a:rPr kumimoji="1" lang="en-US" altLang="ja-JP" dirty="0"/>
-              <a:t>468</a:t>
+              <a:t>459</a:t>
             </a:r>
             <a:r>
               <a:rPr kumimoji="1" lang="ja-JP" altLang="en-US"/>
@@ -1664,7 +1664,7 @@
                 <a:ea typeface="+mn-ea"/>
                 <a:cs typeface="+mn-cs"/>
               </a:rPr>
-              <a:t>先ほどの個人の生存情報のような低需要・高必要性の情報であっても同様に，ネットワークから消滅しやすいです．</a:t>
+              <a:t>先ほどの個人の生存情報のような低需要・高必要性の情報であっても同様に，既存複製配置手法においてはネットワークから消滅しやすいです．</a:t>
             </a:r>
             <a:endParaRPr kumimoji="1" lang="en-US" altLang="ja-JP" sz="1200" b="0" i="0" u="none" strike="noStrike" kern="1200" dirty="0">
               <a:solidFill>
@@ -1834,7 +1834,7 @@
                 <a:ea typeface="+mn-ea"/>
                 <a:cs typeface="+mn-cs"/>
               </a:rPr>
-              <a:t>先ほどの問題点に対し，提案を行った関連研究がある．</a:t>
+              <a:t>先ほどの問題点に対し，提案を行った関連研究があります．</a:t>
             </a:r>
             <a:endParaRPr kumimoji="1" lang="en-US" altLang="ja-JP" sz="1200" kern="1200" dirty="0">
               <a:solidFill>
@@ -2611,6 +2611,30 @@
             </a:pPr>
             <a:r>
               <a:rPr kumimoji="1" lang="ja-JP" altLang="en-US"/>
+              <a:t>低需要情報はカッコウ探索を用いてノードを選出し，複製配置を行います．</a:t>
+            </a:r>
+            <a:endParaRPr kumimoji="1" lang="en-US" altLang="ja-JP" dirty="0"/>
+          </a:p>
+          <a:p>
+            <a:pPr marL="0" marR="0" lvl="0" indent="0" algn="l" defTabSz="914400" rtl="0" eaLnBrk="1" fontAlgn="auto" latinLnBrk="0" hangingPunct="1">
+              <a:lnSpc>
+                <a:spcPct val="100000"/>
+              </a:lnSpc>
+              <a:spcBef>
+                <a:spcPts val="0"/>
+              </a:spcBef>
+              <a:spcAft>
+                <a:spcPts val="0"/>
+              </a:spcAft>
+              <a:buClrTx/>
+              <a:buSzTx/>
+              <a:buFontTx/>
+              <a:buNone/>
+              <a:tabLst/>
+              <a:defRPr/>
+            </a:pPr>
+            <a:r>
+              <a:rPr kumimoji="1" lang="ja-JP" altLang="en-US"/>
               <a:t>ストレージ容量節約のため，低需要情報の複製配置を開始してから一定期間データ要求がない場合，</a:t>
             </a:r>
             <a:r>
@@ -2659,7 +2683,7 @@
             </a:pPr>
             <a:r>
               <a:rPr lang="ja-JP" altLang="en-US"/>
-              <a:t>これにより，情報を一定期間生存させつつ，ストレージ使用量を抑えます</a:t>
+              <a:t>これにより，情報を一定期間生存させつつ，ストレージ使用量を抑えます．</a:t>
             </a:r>
             <a:endParaRPr lang="en-US" altLang="ja-JP" dirty="0"/>
           </a:p>
@@ -3363,7 +3387,7 @@
           <a:p>
             <a:fld id="{C83228FC-489A-4ED2-A054-884AAE121656}" type="datetime1">
               <a:rPr kumimoji="1" lang="ja-JP" altLang="en-US" smtClean="0"/>
-              <a:t>2019/2/11</a:t>
+              <a:t>2019/2/13</a:t>
             </a:fld>
             <a:endParaRPr kumimoji="1" lang="ja-JP" altLang="en-US"/>
           </a:p>
@@ -3701,7 +3725,7 @@
           <a:p>
             <a:fld id="{E8EC3151-9D1E-4593-9942-0377CA1966B2}" type="datetime1">
               <a:rPr kumimoji="1" lang="ja-JP" altLang="en-US" smtClean="0"/>
-              <a:t>2019/2/11</a:t>
+              <a:t>2019/2/13</a:t>
             </a:fld>
             <a:endParaRPr kumimoji="1" lang="ja-JP" altLang="en-US"/>
           </a:p>
@@ -3890,7 +3914,7 @@
           <a:p>
             <a:fld id="{ADC24A77-C361-486C-B1D4-6DF26B54BF95}" type="datetime1">
               <a:rPr kumimoji="1" lang="ja-JP" altLang="en-US" smtClean="0"/>
-              <a:t>2019/2/11</a:t>
+              <a:t>2019/2/13</a:t>
             </a:fld>
             <a:endParaRPr kumimoji="1" lang="ja-JP" altLang="en-US"/>
           </a:p>
@@ -4068,7 +4092,7 @@
           <a:p>
             <a:fld id="{E01C7376-A53D-4899-9670-FB190108FC31}" type="datetime1">
               <a:rPr kumimoji="1" lang="ja-JP" altLang="en-US" smtClean="0"/>
-              <a:t>2019/2/11</a:t>
+              <a:t>2019/2/13</a:t>
             </a:fld>
             <a:endParaRPr kumimoji="1" lang="ja-JP" altLang="en-US"/>
           </a:p>
@@ -4382,7 +4406,7 @@
           <a:p>
             <a:fld id="{1C0BAC15-24E2-4529-95B0-614D7D03D21B}" type="datetime1">
               <a:rPr kumimoji="1" lang="ja-JP" altLang="en-US" smtClean="0"/>
-              <a:t>2019/2/11</a:t>
+              <a:t>2019/2/13</a:t>
             </a:fld>
             <a:endParaRPr kumimoji="1" lang="ja-JP" altLang="en-US"/>
           </a:p>
@@ -4792,7 +4816,7 @@
           <a:p>
             <a:fld id="{A4742437-2F5E-4D34-A876-B1B17D5537D4}" type="datetime1">
               <a:rPr kumimoji="1" lang="ja-JP" altLang="en-US" smtClean="0"/>
-              <a:t>2019/2/11</a:t>
+              <a:t>2019/2/13</a:t>
             </a:fld>
             <a:endParaRPr kumimoji="1" lang="ja-JP" altLang="en-US"/>
           </a:p>
@@ -5359,7 +5383,7 @@
           <a:p>
             <a:fld id="{304A8BAA-B7AC-4D6B-824D-F3585913B44C}" type="datetime1">
               <a:rPr kumimoji="1" lang="ja-JP" altLang="en-US" smtClean="0"/>
-              <a:t>2019/2/11</a:t>
+              <a:t>2019/2/13</a:t>
             </a:fld>
             <a:endParaRPr kumimoji="1" lang="ja-JP" altLang="en-US"/>
           </a:p>
@@ -5477,7 +5501,7 @@
           <a:p>
             <a:fld id="{F6C564CF-1606-414A-B5A2-75C75D81B17B}" type="datetime1">
               <a:rPr kumimoji="1" lang="ja-JP" altLang="en-US" smtClean="0"/>
-              <a:t>2019/2/11</a:t>
+              <a:t>2019/2/13</a:t>
             </a:fld>
             <a:endParaRPr kumimoji="1" lang="ja-JP" altLang="en-US"/>
           </a:p>
@@ -5572,7 +5596,7 @@
           <a:p>
             <a:fld id="{B11EBCC9-E4F6-446E-991B-1DF90B6256B0}" type="datetime1">
               <a:rPr kumimoji="1" lang="ja-JP" altLang="en-US" smtClean="0"/>
-              <a:t>2019/2/11</a:t>
+              <a:t>2019/2/13</a:t>
             </a:fld>
             <a:endParaRPr kumimoji="1" lang="ja-JP" altLang="en-US"/>
           </a:p>
@@ -5963,7 +5987,7 @@
           <a:p>
             <a:fld id="{E8EC3151-9D1E-4593-9942-0377CA1966B2}" type="datetime1">
               <a:rPr kumimoji="1" lang="ja-JP" altLang="en-US" smtClean="0"/>
-              <a:t>2019/2/11</a:t>
+              <a:t>2019/2/13</a:t>
             </a:fld>
             <a:endParaRPr kumimoji="1" lang="ja-JP" altLang="en-US"/>
           </a:p>
@@ -6389,7 +6413,7 @@
           <a:p>
             <a:fld id="{CBF9DA8D-45E4-44EC-B6B7-4D4503E62A1A}" type="datetime1">
               <a:rPr kumimoji="1" lang="ja-JP" altLang="en-US" smtClean="0"/>
-              <a:t>2019/2/11</a:t>
+              <a:t>2019/2/13</a:t>
             </a:fld>
             <a:endParaRPr kumimoji="1" lang="ja-JP" altLang="en-US"/>
           </a:p>
@@ -6671,7 +6695,7 @@
           <a:p>
             <a:fld id="{E8EC3151-9D1E-4593-9942-0377CA1966B2}" type="datetime1">
               <a:rPr kumimoji="1" lang="ja-JP" altLang="en-US" smtClean="0"/>
-              <a:t>2019/2/11</a:t>
+              <a:t>2019/2/13</a:t>
             </a:fld>
             <a:endParaRPr kumimoji="1" lang="ja-JP" altLang="en-US"/>
           </a:p>
@@ -7212,18 +7236,25 @@
           <a:lstStyle/>
           <a:p>
             <a:r>
-              <a:rPr lang="ja-JP" altLang="en-US" sz="4800" dirty="0"/>
+              <a:rPr lang="ja-JP" altLang="en-US" sz="4200" dirty="0"/>
               <a:t>カッコウ探索</a:t>
             </a:r>
             <a:r>
-              <a:rPr lang="ja-JP" altLang="en-US" sz="4800"/>
-              <a:t>を用いたアドホックネットワーク上</a:t>
-            </a:r>
-            <a:r>
-              <a:rPr lang="ja-JP" altLang="en-US" sz="4800" dirty="0"/>
+              <a:rPr lang="ja-JP" altLang="en-US" sz="4200"/>
+              <a:t>を用いた</a:t>
+            </a:r>
+            <a:br>
+              <a:rPr lang="en-US" altLang="ja-JP" sz="4200" dirty="0"/>
+            </a:br>
+            <a:r>
+              <a:rPr lang="ja-JP" altLang="en-US" sz="4200"/>
+              <a:t>アドホックネットワーク上</a:t>
+            </a:r>
+            <a:r>
+              <a:rPr lang="ja-JP" altLang="en-US" sz="4200" dirty="0"/>
               <a:t>のデータ配置</a:t>
             </a:r>
-            <a:endParaRPr kumimoji="1" lang="ja-JP" altLang="en-US" sz="4800" dirty="0"/>
+            <a:endParaRPr kumimoji="1" lang="ja-JP" altLang="en-US" sz="4200" dirty="0"/>
           </a:p>
         </p:txBody>
       </p:sp>
@@ -8873,8 +8904,8 @@
         </p:nvSpPr>
         <p:spPr>
           <a:xfrm>
-            <a:off x="1616743" y="1443577"/>
-            <a:ext cx="9601200" cy="994422"/>
+            <a:off x="1138989" y="1443577"/>
+            <a:ext cx="10078954" cy="994422"/>
           </a:xfrm>
         </p:spPr>
         <p:txBody>
@@ -8888,8 +8919,8 @@
               <a:t>複製配置手法ごとのストレージ使用量</a:t>
             </a:r>
             <a:r>
-              <a:rPr kumimoji="1" lang="ja-JP" altLang="en-US" dirty="0"/>
-              <a:t>の累積値</a:t>
+              <a:rPr kumimoji="1" lang="ja-JP" altLang="en-US"/>
+              <a:t>の累積値の推移</a:t>
             </a:r>
             <a:endParaRPr kumimoji="1" lang="en-US" altLang="ja-JP" dirty="0"/>
           </a:p>
@@ -9155,7 +9186,7 @@
             <a:pPr lvl="1"/>
             <a:r>
               <a:rPr lang="en-US" altLang="ja-JP" sz="2700" dirty="0"/>
-              <a:t>468</a:t>
+              <a:t>459</a:t>
             </a:r>
             <a:r>
               <a:rPr lang="ja-JP" altLang="en-US" sz="2700"/>
